--- a/Umweltmonitoring.pptx
+++ b/Umweltmonitoring.pptx
@@ -1,51 +1,55 @@
 
 <file path=ppt/presentation.xml><?xml version="1.0" encoding="utf-8"?>
-<p:presentation xmlns:a="http://schemas.openxmlformats.org/drawingml/2006/main" xmlns:r="http://schemas.openxmlformats.org/officeDocument/2006/relationships" xmlns:mc="http://schemas.openxmlformats.org/markup-compatibility/2006" xmlns:mv="urn:schemas-microsoft-com:mac:vml" xmlns:p="http://schemas.openxmlformats.org/presentationml/2006/main" xmlns:c="http://schemas.openxmlformats.org/drawingml/2006/chart" xmlns:dgm="http://schemas.openxmlformats.org/drawingml/2006/diagram" xmlns:o="urn:schemas-microsoft-com:office:office" xmlns:v="urn:schemas-microsoft-com:vml" xmlns:pvml="urn:schemas-microsoft-com:office:powerpoint" xmlns:com="http://schemas.openxmlformats.org/drawingml/2006/compatibility" xmlns:p14="http://schemas.microsoft.com/office/powerpoint/2010/main" xmlns:p15="http://schemas.microsoft.com/office/powerpoint/2012/main" xmlns:ahyp="http://schemas.microsoft.com/office/drawing/2018/hyperlinkcolor" autoCompressPictures="0" embedTrueTypeFonts="1" strictFirstAndLastChars="0" saveSubsetFonts="1">
+<p:presentation xmlns:a="http://schemas.openxmlformats.org/drawingml/2006/main" xmlns:r="http://schemas.openxmlformats.org/officeDocument/2006/relationships" xmlns:p="http://schemas.openxmlformats.org/presentationml/2006/main" strictFirstAndLastChars="0" embedTrueTypeFonts="1" saveSubsetFonts="1" autoCompressPictures="0">
   <p:sldMasterIdLst>
-    <p:sldMasterId id="2147483659" r:id="rId4"/>
+    <p:sldMasterId id="2147483659" r:id="rId1"/>
   </p:sldMasterIdLst>
   <p:notesMasterIdLst>
-    <p:notesMasterId r:id="rId5"/>
+    <p:notesMasterId r:id="rId25"/>
   </p:notesMasterIdLst>
   <p:sldIdLst>
-    <p:sldId id="256" r:id="rId6"/>
-    <p:sldId id="257" r:id="rId7"/>
-    <p:sldId id="258" r:id="rId8"/>
-    <p:sldId id="259" r:id="rId9"/>
-    <p:sldId id="260" r:id="rId10"/>
-    <p:sldId id="261" r:id="rId11"/>
-    <p:sldId id="262" r:id="rId12"/>
-    <p:sldId id="263" r:id="rId13"/>
-    <p:sldId id="264" r:id="rId14"/>
-    <p:sldId id="265" r:id="rId15"/>
-    <p:sldId id="266" r:id="rId16"/>
-    <p:sldId id="267" r:id="rId17"/>
-    <p:sldId id="268" r:id="rId18"/>
-    <p:sldId id="269" r:id="rId19"/>
-    <p:sldId id="270" r:id="rId20"/>
-    <p:sldId id="271" r:id="rId21"/>
-    <p:sldId id="272" r:id="rId22"/>
+    <p:sldId id="256" r:id="rId2"/>
+    <p:sldId id="257" r:id="rId3"/>
+    <p:sldId id="258" r:id="rId4"/>
+    <p:sldId id="259" r:id="rId5"/>
+    <p:sldId id="260" r:id="rId6"/>
+    <p:sldId id="261" r:id="rId7"/>
+    <p:sldId id="262" r:id="rId8"/>
+    <p:sldId id="263" r:id="rId9"/>
+    <p:sldId id="264" r:id="rId10"/>
+    <p:sldId id="265" r:id="rId11"/>
+    <p:sldId id="266" r:id="rId12"/>
+    <p:sldId id="267" r:id="rId13"/>
+    <p:sldId id="268" r:id="rId14"/>
+    <p:sldId id="269" r:id="rId15"/>
+    <p:sldId id="270" r:id="rId16"/>
+    <p:sldId id="271" r:id="rId17"/>
+    <p:sldId id="272" r:id="rId18"/>
+    <p:sldId id="275" r:id="rId19"/>
+    <p:sldId id="276" r:id="rId20"/>
+    <p:sldId id="277" r:id="rId21"/>
+    <p:sldId id="278" r:id="rId22"/>
     <p:sldId id="273" r:id="rId23"/>
     <p:sldId id="274" r:id="rId24"/>
   </p:sldIdLst>
-  <p:sldSz cy="5143500" cx="9144000"/>
+  <p:sldSz cx="9144000" cy="5143500" type="screen16x9"/>
   <p:notesSz cx="6858000" cy="9144000"/>
   <p:embeddedFontLst>
     <p:embeddedFont>
-      <p:font typeface="PT Sans Narrow"/>
-      <p:regular r:id="rId25"/>
-      <p:bold r:id="rId26"/>
+      <p:font typeface="Open Sans" panose="020B0606030504020204" pitchFamily="34" charset="0"/>
+      <p:regular r:id="rId26"/>
+      <p:bold r:id="rId27"/>
+      <p:italic r:id="rId28"/>
+      <p:boldItalic r:id="rId29"/>
     </p:embeddedFont>
     <p:embeddedFont>
-      <p:font typeface="Open Sans"/>
-      <p:regular r:id="rId27"/>
-      <p:bold r:id="rId28"/>
-      <p:italic r:id="rId29"/>
-      <p:boldItalic r:id="rId30"/>
+      <p:font typeface="PT Sans Narrow" panose="020B0506020203020204" pitchFamily="34" charset="0"/>
+      <p:regular r:id="rId30"/>
+      <p:bold r:id="rId31"/>
     </p:embeddedFont>
   </p:embeddedFontLst>
   <p:defaultTextStyle>
-    <a:defPPr lvl="0" marR="0" rtl="0" algn="l">
+    <a:defPPr marR="0" lvl="0" algn="l" rtl="0">
       <a:lnSpc>
         <a:spcPct val="100000"/>
       </a:lnSpc>
@@ -56,7 +60,7 @@
         <a:spcPts val="0"/>
       </a:spcAft>
     </a:defPPr>
-    <a:lvl1pPr lvl="0" marR="0" rtl="0" algn="l">
+    <a:lvl1pPr marR="0" lvl="0" algn="l" rtl="0">
       <a:lnSpc>
         <a:spcPct val="100000"/>
       </a:lnSpc>
@@ -70,7 +74,7 @@
         <a:srgbClr val="000000"/>
       </a:buClr>
       <a:buFont typeface="Arial"/>
-      <a:defRPr b="0" i="0" sz="1400" u="none" cap="none" strike="noStrike">
+      <a:defRPr sz="1400" b="0" i="0" u="none" strike="noStrike" cap="none">
         <a:solidFill>
           <a:srgbClr val="000000"/>
         </a:solidFill>
@@ -80,7 +84,7 @@
         <a:sym typeface="Arial"/>
       </a:defRPr>
     </a:lvl1pPr>
-    <a:lvl2pPr lvl="1" marR="0" rtl="0" algn="l">
+    <a:lvl2pPr marR="0" lvl="1" algn="l" rtl="0">
       <a:lnSpc>
         <a:spcPct val="100000"/>
       </a:lnSpc>
@@ -94,7 +98,7 @@
         <a:srgbClr val="000000"/>
       </a:buClr>
       <a:buFont typeface="Arial"/>
-      <a:defRPr b="0" i="0" sz="1400" u="none" cap="none" strike="noStrike">
+      <a:defRPr sz="1400" b="0" i="0" u="none" strike="noStrike" cap="none">
         <a:solidFill>
           <a:srgbClr val="000000"/>
         </a:solidFill>
@@ -104,7 +108,7 @@
         <a:sym typeface="Arial"/>
       </a:defRPr>
     </a:lvl2pPr>
-    <a:lvl3pPr lvl="2" marR="0" rtl="0" algn="l">
+    <a:lvl3pPr marR="0" lvl="2" algn="l" rtl="0">
       <a:lnSpc>
         <a:spcPct val="100000"/>
       </a:lnSpc>
@@ -118,7 +122,7 @@
         <a:srgbClr val="000000"/>
       </a:buClr>
       <a:buFont typeface="Arial"/>
-      <a:defRPr b="0" i="0" sz="1400" u="none" cap="none" strike="noStrike">
+      <a:defRPr sz="1400" b="0" i="0" u="none" strike="noStrike" cap="none">
         <a:solidFill>
           <a:srgbClr val="000000"/>
         </a:solidFill>
@@ -128,7 +132,7 @@
         <a:sym typeface="Arial"/>
       </a:defRPr>
     </a:lvl3pPr>
-    <a:lvl4pPr lvl="3" marR="0" rtl="0" algn="l">
+    <a:lvl4pPr marR="0" lvl="3" algn="l" rtl="0">
       <a:lnSpc>
         <a:spcPct val="100000"/>
       </a:lnSpc>
@@ -142,7 +146,7 @@
         <a:srgbClr val="000000"/>
       </a:buClr>
       <a:buFont typeface="Arial"/>
-      <a:defRPr b="0" i="0" sz="1400" u="none" cap="none" strike="noStrike">
+      <a:defRPr sz="1400" b="0" i="0" u="none" strike="noStrike" cap="none">
         <a:solidFill>
           <a:srgbClr val="000000"/>
         </a:solidFill>
@@ -152,7 +156,7 @@
         <a:sym typeface="Arial"/>
       </a:defRPr>
     </a:lvl4pPr>
-    <a:lvl5pPr lvl="4" marR="0" rtl="0" algn="l">
+    <a:lvl5pPr marR="0" lvl="4" algn="l" rtl="0">
       <a:lnSpc>
         <a:spcPct val="100000"/>
       </a:lnSpc>
@@ -166,7 +170,7 @@
         <a:srgbClr val="000000"/>
       </a:buClr>
       <a:buFont typeface="Arial"/>
-      <a:defRPr b="0" i="0" sz="1400" u="none" cap="none" strike="noStrike">
+      <a:defRPr sz="1400" b="0" i="0" u="none" strike="noStrike" cap="none">
         <a:solidFill>
           <a:srgbClr val="000000"/>
         </a:solidFill>
@@ -176,7 +180,7 @@
         <a:sym typeface="Arial"/>
       </a:defRPr>
     </a:lvl5pPr>
-    <a:lvl6pPr lvl="5" marR="0" rtl="0" algn="l">
+    <a:lvl6pPr marR="0" lvl="5" algn="l" rtl="0">
       <a:lnSpc>
         <a:spcPct val="100000"/>
       </a:lnSpc>
@@ -190,7 +194,7 @@
         <a:srgbClr val="000000"/>
       </a:buClr>
       <a:buFont typeface="Arial"/>
-      <a:defRPr b="0" i="0" sz="1400" u="none" cap="none" strike="noStrike">
+      <a:defRPr sz="1400" b="0" i="0" u="none" strike="noStrike" cap="none">
         <a:solidFill>
           <a:srgbClr val="000000"/>
         </a:solidFill>
@@ -200,7 +204,7 @@
         <a:sym typeface="Arial"/>
       </a:defRPr>
     </a:lvl6pPr>
-    <a:lvl7pPr lvl="6" marR="0" rtl="0" algn="l">
+    <a:lvl7pPr marR="0" lvl="6" algn="l" rtl="0">
       <a:lnSpc>
         <a:spcPct val="100000"/>
       </a:lnSpc>
@@ -214,7 +218,7 @@
         <a:srgbClr val="000000"/>
       </a:buClr>
       <a:buFont typeface="Arial"/>
-      <a:defRPr b="0" i="0" sz="1400" u="none" cap="none" strike="noStrike">
+      <a:defRPr sz="1400" b="0" i="0" u="none" strike="noStrike" cap="none">
         <a:solidFill>
           <a:srgbClr val="000000"/>
         </a:solidFill>
@@ -224,7 +228,7 @@
         <a:sym typeface="Arial"/>
       </a:defRPr>
     </a:lvl7pPr>
-    <a:lvl8pPr lvl="7" marR="0" rtl="0" algn="l">
+    <a:lvl8pPr marR="0" lvl="7" algn="l" rtl="0">
       <a:lnSpc>
         <a:spcPct val="100000"/>
       </a:lnSpc>
@@ -238,7 +242,7 @@
         <a:srgbClr val="000000"/>
       </a:buClr>
       <a:buFont typeface="Arial"/>
-      <a:defRPr b="0" i="0" sz="1400" u="none" cap="none" strike="noStrike">
+      <a:defRPr sz="1400" b="0" i="0" u="none" strike="noStrike" cap="none">
         <a:solidFill>
           <a:srgbClr val="000000"/>
         </a:solidFill>
@@ -248,7 +252,7 @@
         <a:sym typeface="Arial"/>
       </a:defRPr>
     </a:lvl8pPr>
-    <a:lvl9pPr lvl="8" marR="0" rtl="0" algn="l">
+    <a:lvl9pPr marR="0" lvl="8" algn="l" rtl="0">
       <a:lnSpc>
         <a:spcPct val="100000"/>
       </a:lnSpc>
@@ -262,7 +266,7 @@
         <a:srgbClr val="000000"/>
       </a:buClr>
       <a:buFont typeface="Arial"/>
-      <a:defRPr b="0" i="0" sz="1400" u="none" cap="none" strike="noStrike">
+      <a:defRPr sz="1400" b="0" i="0" u="none" strike="noStrike" cap="none">
         <a:solidFill>
           <a:srgbClr val="000000"/>
         </a:solidFill>
@@ -275,7 +279,7 @@
   </p:defaultTextStyle>
   <p:extLst>
     <p:ext uri="{EFAFB233-063F-42B5-8137-9DF3F51BA10A}">
-      <p15:sldGuideLst>
+      <p15:sldGuideLst xmlns:p15="http://schemas.microsoft.com/office/powerpoint/2012/main">
         <p15:guide id="1" orient="horz" pos="1620">
           <p15:clr>
             <a:srgbClr val="747775"/>
@@ -293,11 +297,16 @@
 </file>
 
 <file path=ppt/notesMasters/notesMaster1.xml><?xml version="1.0" encoding="utf-8"?>
-<p:notesMaster xmlns:a="http://schemas.openxmlformats.org/drawingml/2006/main" xmlns:r="http://schemas.openxmlformats.org/officeDocument/2006/relationships" xmlns:mc="http://schemas.openxmlformats.org/markup-compatibility/2006" xmlns:mv="urn:schemas-microsoft-com:mac:vml" xmlns:p="http://schemas.openxmlformats.org/presentationml/2006/main" xmlns:c="http://schemas.openxmlformats.org/drawingml/2006/chart" xmlns:dgm="http://schemas.openxmlformats.org/drawingml/2006/diagram" xmlns:o="urn:schemas-microsoft-com:office:office" xmlns:v="urn:schemas-microsoft-com:vml" xmlns:pvml="urn:schemas-microsoft-com:office:powerpoint" xmlns:com="http://schemas.openxmlformats.org/drawingml/2006/compatibility" xmlns:p14="http://schemas.microsoft.com/office/powerpoint/2010/main" xmlns:p15="http://schemas.microsoft.com/office/powerpoint/2012/main" xmlns:ahyp="http://schemas.microsoft.com/office/drawing/2018/hyperlinkcolor">
+<p:notesMaster xmlns:a="http://schemas.openxmlformats.org/drawingml/2006/main" xmlns:r="http://schemas.openxmlformats.org/officeDocument/2006/relationships" xmlns:p="http://schemas.openxmlformats.org/presentationml/2006/main">
   <p:cSld>
+    <p:bg>
+      <p:bgRef idx="1001">
+        <a:schemeClr val="bg1"/>
+      </p:bgRef>
+    </p:bg>
     <p:spTree>
       <p:nvGrpSpPr>
-        <p:cNvPr id="2" name="Shape 2"/>
+        <p:cNvPr id="1" name="Shape 2"/>
         <p:cNvGrpSpPr/>
         <p:nvPr/>
       </p:nvGrpSpPr>
@@ -312,9 +321,11 @@
       <p:sp>
         <p:nvSpPr>
           <p:cNvPr id="3" name="Google Shape;3;n"/>
-          <p:cNvSpPr/>
+          <p:cNvSpPr>
+            <a:spLocks noGrp="1" noRot="1" noChangeAspect="1"/>
+          </p:cNvSpPr>
           <p:nvPr>
-            <p:ph idx="2" type="sldImg"/>
+            <p:ph type="sldImg" idx="2"/>
           </p:nvPr>
         </p:nvSpPr>
         <p:spPr>
@@ -323,9 +334,13 @@
             <a:ext cx="6096075" cy="3429000"/>
           </a:xfrm>
           <a:custGeom>
-            <a:rect b="b" l="l" r="r" t="t"/>
+            <a:avLst/>
+            <a:gdLst/>
+            <a:ahLst/>
+            <a:cxnLst/>
+            <a:rect l="l" t="t" r="r" b="b"/>
             <a:pathLst>
-              <a:path extrusionOk="0" h="120000" w="120000">
+              <a:path w="120000" h="120000" extrusionOk="0">
                 <a:moveTo>
                   <a:pt x="0" y="0"/>
                 </a:moveTo>
@@ -343,23 +358,25 @@
             </a:pathLst>
           </a:custGeom>
           <a:noFill/>
-          <a:ln cap="flat" cmpd="sng" w="9525">
+          <a:ln w="9525" cap="flat" cmpd="sng">
             <a:solidFill>
               <a:srgbClr val="000000"/>
             </a:solidFill>
             <a:prstDash val="solid"/>
             <a:round/>
-            <a:headEnd len="sm" w="sm" type="none"/>
-            <a:tailEnd len="sm" w="sm" type="none"/>
+            <a:headEnd type="none" w="sm" len="sm"/>
+            <a:tailEnd type="none" w="sm" len="sm"/>
           </a:ln>
         </p:spPr>
       </p:sp>
       <p:sp>
         <p:nvSpPr>
           <p:cNvPr id="4" name="Google Shape;4;n"/>
-          <p:cNvSpPr txBox="1"/>
+          <p:cNvSpPr txBox="1">
+            <a:spLocks noGrp="1"/>
+          </p:cNvSpPr>
           <p:nvPr>
-            <p:ph idx="1" type="body"/>
+            <p:ph type="body" idx="1"/>
           </p:nvPr>
         </p:nvSpPr>
         <p:spPr>
@@ -376,11 +393,11 @@
           </a:ln>
         </p:spPr>
         <p:txBody>
-          <a:bodyPr anchorCtr="0" anchor="t" bIns="91425" lIns="91425" spcFirstLastPara="1" rIns="91425" wrap="square" tIns="91425">
+          <a:bodyPr spcFirstLastPara="1" wrap="square" lIns="91425" tIns="91425" rIns="91425" bIns="91425" anchor="t" anchorCtr="0">
             <a:noAutofit/>
           </a:bodyPr>
           <a:lstStyle>
-            <a:lvl1pPr indent="-298450" lvl="0" marL="457200">
+            <a:lvl1pPr marL="457200" lvl="0" indent="-298450">
               <a:spcBef>
                 <a:spcPts val="0"/>
               </a:spcBef>
@@ -391,7 +408,7 @@
               <a:buChar char="●"/>
               <a:defRPr sz="1100"/>
             </a:lvl1pPr>
-            <a:lvl2pPr indent="-298450" lvl="1" marL="914400">
+            <a:lvl2pPr marL="914400" lvl="1" indent="-298450">
               <a:spcBef>
                 <a:spcPts val="0"/>
               </a:spcBef>
@@ -402,7 +419,7 @@
               <a:buChar char="○"/>
               <a:defRPr sz="1100"/>
             </a:lvl2pPr>
-            <a:lvl3pPr indent="-298450" lvl="2" marL="1371600">
+            <a:lvl3pPr marL="1371600" lvl="2" indent="-298450">
               <a:spcBef>
                 <a:spcPts val="0"/>
               </a:spcBef>
@@ -413,7 +430,7 @@
               <a:buChar char="■"/>
               <a:defRPr sz="1100"/>
             </a:lvl3pPr>
-            <a:lvl4pPr indent="-298450" lvl="3" marL="1828800">
+            <a:lvl4pPr marL="1828800" lvl="3" indent="-298450">
               <a:spcBef>
                 <a:spcPts val="0"/>
               </a:spcBef>
@@ -424,7 +441,7 @@
               <a:buChar char="●"/>
               <a:defRPr sz="1100"/>
             </a:lvl4pPr>
-            <a:lvl5pPr indent="-298450" lvl="4" marL="2286000">
+            <a:lvl5pPr marL="2286000" lvl="4" indent="-298450">
               <a:spcBef>
                 <a:spcPts val="0"/>
               </a:spcBef>
@@ -435,7 +452,7 @@
               <a:buChar char="○"/>
               <a:defRPr sz="1100"/>
             </a:lvl5pPr>
-            <a:lvl6pPr indent="-298450" lvl="5" marL="2743200">
+            <a:lvl6pPr marL="2743200" lvl="5" indent="-298450">
               <a:spcBef>
                 <a:spcPts val="0"/>
               </a:spcBef>
@@ -446,7 +463,7 @@
               <a:buChar char="■"/>
               <a:defRPr sz="1100"/>
             </a:lvl6pPr>
-            <a:lvl7pPr indent="-298450" lvl="6" marL="3200400">
+            <a:lvl7pPr marL="3200400" lvl="6" indent="-298450">
               <a:spcBef>
                 <a:spcPts val="0"/>
               </a:spcBef>
@@ -457,7 +474,7 @@
               <a:buChar char="●"/>
               <a:defRPr sz="1100"/>
             </a:lvl7pPr>
-            <a:lvl8pPr indent="-298450" lvl="7" marL="3657600">
+            <a:lvl8pPr marL="3657600" lvl="7" indent="-298450">
               <a:spcBef>
                 <a:spcPts val="0"/>
               </a:spcBef>
@@ -468,7 +485,7 @@
               <a:buChar char="○"/>
               <a:defRPr sz="1100"/>
             </a:lvl8pPr>
-            <a:lvl9pPr indent="-298450" lvl="8" marL="4114800">
+            <a:lvl9pPr marL="4114800" lvl="8" indent="-298450">
               <a:spcBef>
                 <a:spcPts val="0"/>
               </a:spcBef>
@@ -480,14 +497,16 @@
               <a:defRPr sz="1100"/>
             </a:lvl9pPr>
           </a:lstStyle>
-          <a:p/>
+          <a:p>
+            <a:endParaRPr/>
+          </a:p>
         </p:txBody>
       </p:sp>
     </p:spTree>
   </p:cSld>
-  <p:clrMap accent1="accent1" accent2="accent2" accent3="accent3" accent4="accent4" accent5="accent5" accent6="accent6" bg1="lt1" bg2="dk2" tx1="dk1" tx2="lt2" folHlink="folHlink" hlink="hlink"/>
+  <p:clrMap bg1="lt1" tx1="dk1" bg2="dk2" tx2="lt2" accent1="accent1" accent2="accent2" accent3="accent3" accent4="accent4" accent5="accent5" accent6="accent6" hlink="hlink" folHlink="folHlink"/>
   <p:notesStyle>
-    <a:defPPr lvl="0" marR="0" rtl="0" algn="l">
+    <a:defPPr marR="0" lvl="0" algn="l" rtl="0">
       <a:lnSpc>
         <a:spcPct val="100000"/>
       </a:lnSpc>
@@ -498,7 +517,7 @@
         <a:spcPts val="0"/>
       </a:spcAft>
     </a:defPPr>
-    <a:lvl1pPr lvl="0" marR="0" rtl="0" algn="l">
+    <a:lvl1pPr marR="0" lvl="0" algn="l" rtl="0">
       <a:lnSpc>
         <a:spcPct val="100000"/>
       </a:lnSpc>
@@ -512,7 +531,7 @@
         <a:srgbClr val="000000"/>
       </a:buClr>
       <a:buFont typeface="Arial"/>
-      <a:defRPr b="0" i="0" sz="1400" u="none" cap="none" strike="noStrike">
+      <a:defRPr sz="1400" b="0" i="0" u="none" strike="noStrike" cap="none">
         <a:solidFill>
           <a:srgbClr val="000000"/>
         </a:solidFill>
@@ -522,7 +541,7 @@
         <a:sym typeface="Arial"/>
       </a:defRPr>
     </a:lvl1pPr>
-    <a:lvl2pPr lvl="1" marR="0" rtl="0" algn="l">
+    <a:lvl2pPr marR="0" lvl="1" algn="l" rtl="0">
       <a:lnSpc>
         <a:spcPct val="100000"/>
       </a:lnSpc>
@@ -536,7 +555,7 @@
         <a:srgbClr val="000000"/>
       </a:buClr>
       <a:buFont typeface="Arial"/>
-      <a:defRPr b="0" i="0" sz="1400" u="none" cap="none" strike="noStrike">
+      <a:defRPr sz="1400" b="0" i="0" u="none" strike="noStrike" cap="none">
         <a:solidFill>
           <a:srgbClr val="000000"/>
         </a:solidFill>
@@ -546,7 +565,7 @@
         <a:sym typeface="Arial"/>
       </a:defRPr>
     </a:lvl2pPr>
-    <a:lvl3pPr lvl="2" marR="0" rtl="0" algn="l">
+    <a:lvl3pPr marR="0" lvl="2" algn="l" rtl="0">
       <a:lnSpc>
         <a:spcPct val="100000"/>
       </a:lnSpc>
@@ -560,7 +579,7 @@
         <a:srgbClr val="000000"/>
       </a:buClr>
       <a:buFont typeface="Arial"/>
-      <a:defRPr b="0" i="0" sz="1400" u="none" cap="none" strike="noStrike">
+      <a:defRPr sz="1400" b="0" i="0" u="none" strike="noStrike" cap="none">
         <a:solidFill>
           <a:srgbClr val="000000"/>
         </a:solidFill>
@@ -570,7 +589,7 @@
         <a:sym typeface="Arial"/>
       </a:defRPr>
     </a:lvl3pPr>
-    <a:lvl4pPr lvl="3" marR="0" rtl="0" algn="l">
+    <a:lvl4pPr marR="0" lvl="3" algn="l" rtl="0">
       <a:lnSpc>
         <a:spcPct val="100000"/>
       </a:lnSpc>
@@ -584,7 +603,7 @@
         <a:srgbClr val="000000"/>
       </a:buClr>
       <a:buFont typeface="Arial"/>
-      <a:defRPr b="0" i="0" sz="1400" u="none" cap="none" strike="noStrike">
+      <a:defRPr sz="1400" b="0" i="0" u="none" strike="noStrike" cap="none">
         <a:solidFill>
           <a:srgbClr val="000000"/>
         </a:solidFill>
@@ -594,7 +613,7 @@
         <a:sym typeface="Arial"/>
       </a:defRPr>
     </a:lvl4pPr>
-    <a:lvl5pPr lvl="4" marR="0" rtl="0" algn="l">
+    <a:lvl5pPr marR="0" lvl="4" algn="l" rtl="0">
       <a:lnSpc>
         <a:spcPct val="100000"/>
       </a:lnSpc>
@@ -608,7 +627,7 @@
         <a:srgbClr val="000000"/>
       </a:buClr>
       <a:buFont typeface="Arial"/>
-      <a:defRPr b="0" i="0" sz="1400" u="none" cap="none" strike="noStrike">
+      <a:defRPr sz="1400" b="0" i="0" u="none" strike="noStrike" cap="none">
         <a:solidFill>
           <a:srgbClr val="000000"/>
         </a:solidFill>
@@ -618,7 +637,7 @@
         <a:sym typeface="Arial"/>
       </a:defRPr>
     </a:lvl5pPr>
-    <a:lvl6pPr lvl="5" marR="0" rtl="0" algn="l">
+    <a:lvl6pPr marR="0" lvl="5" algn="l" rtl="0">
       <a:lnSpc>
         <a:spcPct val="100000"/>
       </a:lnSpc>
@@ -632,7 +651,7 @@
         <a:srgbClr val="000000"/>
       </a:buClr>
       <a:buFont typeface="Arial"/>
-      <a:defRPr b="0" i="0" sz="1400" u="none" cap="none" strike="noStrike">
+      <a:defRPr sz="1400" b="0" i="0" u="none" strike="noStrike" cap="none">
         <a:solidFill>
           <a:srgbClr val="000000"/>
         </a:solidFill>
@@ -642,7 +661,7 @@
         <a:sym typeface="Arial"/>
       </a:defRPr>
     </a:lvl6pPr>
-    <a:lvl7pPr lvl="6" marR="0" rtl="0" algn="l">
+    <a:lvl7pPr marR="0" lvl="6" algn="l" rtl="0">
       <a:lnSpc>
         <a:spcPct val="100000"/>
       </a:lnSpc>
@@ -656,7 +675,7 @@
         <a:srgbClr val="000000"/>
       </a:buClr>
       <a:buFont typeface="Arial"/>
-      <a:defRPr b="0" i="0" sz="1400" u="none" cap="none" strike="noStrike">
+      <a:defRPr sz="1400" b="0" i="0" u="none" strike="noStrike" cap="none">
         <a:solidFill>
           <a:srgbClr val="000000"/>
         </a:solidFill>
@@ -666,7 +685,7 @@
         <a:sym typeface="Arial"/>
       </a:defRPr>
     </a:lvl7pPr>
-    <a:lvl8pPr lvl="7" marR="0" rtl="0" algn="l">
+    <a:lvl8pPr marR="0" lvl="7" algn="l" rtl="0">
       <a:lnSpc>
         <a:spcPct val="100000"/>
       </a:lnSpc>
@@ -680,7 +699,7 @@
         <a:srgbClr val="000000"/>
       </a:buClr>
       <a:buFont typeface="Arial"/>
-      <a:defRPr b="0" i="0" sz="1400" u="none" cap="none" strike="noStrike">
+      <a:defRPr sz="1400" b="0" i="0" u="none" strike="noStrike" cap="none">
         <a:solidFill>
           <a:srgbClr val="000000"/>
         </a:solidFill>
@@ -690,7 +709,7 @@
         <a:sym typeface="Arial"/>
       </a:defRPr>
     </a:lvl8pPr>
-    <a:lvl9pPr lvl="8" marR="0" rtl="0" algn="l">
+    <a:lvl9pPr marR="0" lvl="8" algn="l" rtl="0">
       <a:lnSpc>
         <a:spcPct val="100000"/>
       </a:lnSpc>
@@ -704,7 +723,7 @@
         <a:srgbClr val="000000"/>
       </a:buClr>
       <a:buFont typeface="Arial"/>
-      <a:defRPr b="0" i="0" sz="1400" u="none" cap="none" strike="noStrike">
+      <a:defRPr sz="1400" b="0" i="0" u="none" strike="noStrike" cap="none">
         <a:solidFill>
           <a:srgbClr val="000000"/>
         </a:solidFill>
@@ -719,11 +738,11 @@
 </file>
 
 <file path=ppt/notesSlides/notesSlide1.xml><?xml version="1.0" encoding="utf-8"?>
-<p:notes xmlns:a="http://schemas.openxmlformats.org/drawingml/2006/main" xmlns:r="http://schemas.openxmlformats.org/officeDocument/2006/relationships" xmlns:mc="http://schemas.openxmlformats.org/markup-compatibility/2006" xmlns:mv="urn:schemas-microsoft-com:mac:vml" xmlns:p="http://schemas.openxmlformats.org/presentationml/2006/main" xmlns:c="http://schemas.openxmlformats.org/drawingml/2006/chart" xmlns:dgm="http://schemas.openxmlformats.org/drawingml/2006/diagram" xmlns:o="urn:schemas-microsoft-com:office:office" xmlns:v="urn:schemas-microsoft-com:vml" xmlns:pvml="urn:schemas-microsoft-com:office:powerpoint" xmlns:com="http://schemas.openxmlformats.org/drawingml/2006/compatibility" xmlns:p14="http://schemas.microsoft.com/office/powerpoint/2010/main" xmlns:p15="http://schemas.microsoft.com/office/powerpoint/2012/main" xmlns:ahyp="http://schemas.microsoft.com/office/drawing/2018/hyperlinkcolor" showMasterPhAnim="0" showMasterSp="0">
+<p:notes xmlns:a="http://schemas.openxmlformats.org/drawingml/2006/main" xmlns:r="http://schemas.openxmlformats.org/officeDocument/2006/relationships" xmlns:p="http://schemas.openxmlformats.org/presentationml/2006/main" showMasterSp="0" showMasterPhAnim="0">
   <p:cSld>
     <p:spTree>
       <p:nvGrpSpPr>
-        <p:cNvPr id="62" name="Shape 62"/>
+        <p:cNvPr id="1" name="Shape 62"/>
         <p:cNvGrpSpPr/>
         <p:nvPr/>
       </p:nvGrpSpPr>
@@ -738,20 +757,26 @@
       <p:sp>
         <p:nvSpPr>
           <p:cNvPr id="63" name="Google Shape;63;p:notes"/>
-          <p:cNvSpPr/>
+          <p:cNvSpPr>
+            <a:spLocks noGrp="1" noRot="1" noChangeAspect="1"/>
+          </p:cNvSpPr>
           <p:nvPr>
-            <p:ph idx="2" type="sldImg"/>
+            <p:ph type="sldImg" idx="2"/>
           </p:nvPr>
         </p:nvSpPr>
         <p:spPr>
           <a:xfrm>
-            <a:off x="381300" y="685800"/>
-            <a:ext cx="6096075" cy="3429000"/>
+            <a:off x="381000" y="685800"/>
+            <a:ext cx="6096000" cy="3429000"/>
           </a:xfrm>
           <a:custGeom>
-            <a:rect b="b" l="l" r="r" t="t"/>
+            <a:avLst/>
+            <a:gdLst/>
+            <a:ahLst/>
+            <a:cxnLst/>
+            <a:rect l="l" t="t" r="r" b="b"/>
             <a:pathLst>
-              <a:path extrusionOk="0" h="120000" w="120000">
+              <a:path w="120000" h="120000" extrusionOk="0">
                 <a:moveTo>
                   <a:pt x="0" y="0"/>
                 </a:moveTo>
@@ -773,9 +798,11 @@
       <p:sp>
         <p:nvSpPr>
           <p:cNvPr id="64" name="Google Shape;64;p:notes"/>
-          <p:cNvSpPr txBox="1"/>
+          <p:cNvSpPr txBox="1">
+            <a:spLocks noGrp="1"/>
+          </p:cNvSpPr>
           <p:nvPr>
-            <p:ph idx="1" type="body"/>
+            <p:ph type="body" idx="1"/>
           </p:nvPr>
         </p:nvSpPr>
         <p:spPr>
@@ -788,12 +815,12 @@
           </a:prstGeom>
         </p:spPr>
         <p:txBody>
-          <a:bodyPr anchorCtr="0" anchor="t" bIns="91425" lIns="91425" spcFirstLastPara="1" rIns="91425" wrap="square" tIns="91425">
+          <a:bodyPr spcFirstLastPara="1" wrap="square" lIns="91425" tIns="91425" rIns="91425" bIns="91425" anchor="t" anchorCtr="0">
             <a:noAutofit/>
           </a:bodyPr>
           <a:lstStyle/>
           <a:p>
-            <a:pPr indent="0" lvl="0" marL="0" rtl="0" algn="l">
+            <a:pPr marL="0" lvl="0" indent="0" algn="l" rtl="0">
               <a:spcBef>
                 <a:spcPts val="0"/>
               </a:spcBef>
@@ -802,9 +829,6 @@
               </a:spcAft>
               <a:buNone/>
             </a:pPr>
-            <a:r>
-              <a:t/>
-            </a:r>
             <a:endParaRPr/>
           </a:p>
         </p:txBody>
@@ -818,11 +842,11 @@
 </file>
 
 <file path=ppt/notesSlides/notesSlide10.xml><?xml version="1.0" encoding="utf-8"?>
-<p:notes xmlns:a="http://schemas.openxmlformats.org/drawingml/2006/main" xmlns:r="http://schemas.openxmlformats.org/officeDocument/2006/relationships" xmlns:mc="http://schemas.openxmlformats.org/markup-compatibility/2006" xmlns:mv="urn:schemas-microsoft-com:mac:vml" xmlns:p="http://schemas.openxmlformats.org/presentationml/2006/main" xmlns:c="http://schemas.openxmlformats.org/drawingml/2006/chart" xmlns:dgm="http://schemas.openxmlformats.org/drawingml/2006/diagram" xmlns:o="urn:schemas-microsoft-com:office:office" xmlns:v="urn:schemas-microsoft-com:vml" xmlns:pvml="urn:schemas-microsoft-com:office:powerpoint" xmlns:com="http://schemas.openxmlformats.org/drawingml/2006/compatibility" xmlns:p14="http://schemas.microsoft.com/office/powerpoint/2010/main" xmlns:p15="http://schemas.microsoft.com/office/powerpoint/2012/main" xmlns:ahyp="http://schemas.microsoft.com/office/drawing/2018/hyperlinkcolor" showMasterPhAnim="0" showMasterSp="0">
+<p:notes xmlns:a="http://schemas.openxmlformats.org/drawingml/2006/main" xmlns:r="http://schemas.openxmlformats.org/officeDocument/2006/relationships" xmlns:p="http://schemas.openxmlformats.org/presentationml/2006/main" showMasterSp="0" showMasterPhAnim="0">
   <p:cSld>
     <p:spTree>
       <p:nvGrpSpPr>
-        <p:cNvPr id="122" name="Shape 122"/>
+        <p:cNvPr id="1" name="Shape 122"/>
         <p:cNvGrpSpPr/>
         <p:nvPr/>
       </p:nvGrpSpPr>
@@ -837,9 +861,11 @@
       <p:sp>
         <p:nvSpPr>
           <p:cNvPr id="123" name="Google Shape;123;g2e8544c7fb0_0_28:notes"/>
-          <p:cNvSpPr/>
+          <p:cNvSpPr>
+            <a:spLocks noGrp="1" noRot="1" noChangeAspect="1"/>
+          </p:cNvSpPr>
           <p:nvPr>
-            <p:ph idx="2" type="sldImg"/>
+            <p:ph type="sldImg" idx="2"/>
           </p:nvPr>
         </p:nvSpPr>
         <p:spPr>
@@ -848,9 +874,13 @@
             <a:ext cx="6096000" cy="3429000"/>
           </a:xfrm>
           <a:custGeom>
-            <a:rect b="b" l="l" r="r" t="t"/>
+            <a:avLst/>
+            <a:gdLst/>
+            <a:ahLst/>
+            <a:cxnLst/>
+            <a:rect l="l" t="t" r="r" b="b"/>
             <a:pathLst>
-              <a:path extrusionOk="0" h="120000" w="120000">
+              <a:path w="120000" h="120000" extrusionOk="0">
                 <a:moveTo>
                   <a:pt x="0" y="0"/>
                 </a:moveTo>
@@ -872,9 +902,11 @@
       <p:sp>
         <p:nvSpPr>
           <p:cNvPr id="124" name="Google Shape;124;g2e8544c7fb0_0_28:notes"/>
-          <p:cNvSpPr txBox="1"/>
+          <p:cNvSpPr txBox="1">
+            <a:spLocks noGrp="1"/>
+          </p:cNvSpPr>
           <p:nvPr>
-            <p:ph idx="1" type="body"/>
+            <p:ph type="body" idx="1"/>
           </p:nvPr>
         </p:nvSpPr>
         <p:spPr>
@@ -887,12 +919,12 @@
           </a:prstGeom>
         </p:spPr>
         <p:txBody>
-          <a:bodyPr anchorCtr="0" anchor="t" bIns="91425" lIns="91425" spcFirstLastPara="1" rIns="91425" wrap="square" tIns="91425">
+          <a:bodyPr spcFirstLastPara="1" wrap="square" lIns="91425" tIns="91425" rIns="91425" bIns="91425" anchor="t" anchorCtr="0">
             <a:noAutofit/>
           </a:bodyPr>
           <a:lstStyle/>
           <a:p>
-            <a:pPr indent="0" lvl="0" marL="0" rtl="0" algn="l">
+            <a:pPr marL="0" lvl="0" indent="0" algn="l" rtl="0">
               <a:spcBef>
                 <a:spcPts val="0"/>
               </a:spcBef>
@@ -901,9 +933,6 @@
               </a:spcAft>
               <a:buNone/>
             </a:pPr>
-            <a:r>
-              <a:t/>
-            </a:r>
             <a:endParaRPr/>
           </a:p>
         </p:txBody>
@@ -917,11 +946,11 @@
 </file>
 
 <file path=ppt/notesSlides/notesSlide11.xml><?xml version="1.0" encoding="utf-8"?>
-<p:notes xmlns:a="http://schemas.openxmlformats.org/drawingml/2006/main" xmlns:r="http://schemas.openxmlformats.org/officeDocument/2006/relationships" xmlns:mc="http://schemas.openxmlformats.org/markup-compatibility/2006" xmlns:mv="urn:schemas-microsoft-com:mac:vml" xmlns:p="http://schemas.openxmlformats.org/presentationml/2006/main" xmlns:c="http://schemas.openxmlformats.org/drawingml/2006/chart" xmlns:dgm="http://schemas.openxmlformats.org/drawingml/2006/diagram" xmlns:o="urn:schemas-microsoft-com:office:office" xmlns:v="urn:schemas-microsoft-com:vml" xmlns:pvml="urn:schemas-microsoft-com:office:powerpoint" xmlns:com="http://schemas.openxmlformats.org/drawingml/2006/compatibility" xmlns:p14="http://schemas.microsoft.com/office/powerpoint/2010/main" xmlns:p15="http://schemas.microsoft.com/office/powerpoint/2012/main" xmlns:ahyp="http://schemas.microsoft.com/office/drawing/2018/hyperlinkcolor" showMasterPhAnim="0" showMasterSp="0">
+<p:notes xmlns:a="http://schemas.openxmlformats.org/drawingml/2006/main" xmlns:r="http://schemas.openxmlformats.org/officeDocument/2006/relationships" xmlns:p="http://schemas.openxmlformats.org/presentationml/2006/main" showMasterSp="0" showMasterPhAnim="0">
   <p:cSld>
     <p:spTree>
       <p:nvGrpSpPr>
-        <p:cNvPr id="129" name="Shape 129"/>
+        <p:cNvPr id="1" name="Shape 129"/>
         <p:cNvGrpSpPr/>
         <p:nvPr/>
       </p:nvGrpSpPr>
@@ -936,9 +965,11 @@
       <p:sp>
         <p:nvSpPr>
           <p:cNvPr id="130" name="Google Shape;130;g2e8544c7fb0_0_5:notes"/>
-          <p:cNvSpPr/>
+          <p:cNvSpPr>
+            <a:spLocks noGrp="1" noRot="1" noChangeAspect="1"/>
+          </p:cNvSpPr>
           <p:nvPr>
-            <p:ph idx="2" type="sldImg"/>
+            <p:ph type="sldImg" idx="2"/>
           </p:nvPr>
         </p:nvSpPr>
         <p:spPr>
@@ -947,9 +978,13 @@
             <a:ext cx="6096000" cy="3429000"/>
           </a:xfrm>
           <a:custGeom>
-            <a:rect b="b" l="l" r="r" t="t"/>
+            <a:avLst/>
+            <a:gdLst/>
+            <a:ahLst/>
+            <a:cxnLst/>
+            <a:rect l="l" t="t" r="r" b="b"/>
             <a:pathLst>
-              <a:path extrusionOk="0" h="120000" w="120000">
+              <a:path w="120000" h="120000" extrusionOk="0">
                 <a:moveTo>
                   <a:pt x="0" y="0"/>
                 </a:moveTo>
@@ -971,9 +1006,11 @@
       <p:sp>
         <p:nvSpPr>
           <p:cNvPr id="131" name="Google Shape;131;g2e8544c7fb0_0_5:notes"/>
-          <p:cNvSpPr txBox="1"/>
+          <p:cNvSpPr txBox="1">
+            <a:spLocks noGrp="1"/>
+          </p:cNvSpPr>
           <p:nvPr>
-            <p:ph idx="1" type="body"/>
+            <p:ph type="body" idx="1"/>
           </p:nvPr>
         </p:nvSpPr>
         <p:spPr>
@@ -986,12 +1023,12 @@
           </a:prstGeom>
         </p:spPr>
         <p:txBody>
-          <a:bodyPr anchorCtr="0" anchor="t" bIns="91425" lIns="91425" spcFirstLastPara="1" rIns="91425" wrap="square" tIns="91425">
+          <a:bodyPr spcFirstLastPara="1" wrap="square" lIns="91425" tIns="91425" rIns="91425" bIns="91425" anchor="t" anchorCtr="0">
             <a:noAutofit/>
           </a:bodyPr>
           <a:lstStyle/>
           <a:p>
-            <a:pPr indent="0" lvl="0" marL="0" rtl="0" algn="l">
+            <a:pPr marL="0" lvl="0" indent="0" algn="l" rtl="0">
               <a:spcBef>
                 <a:spcPts val="0"/>
               </a:spcBef>
@@ -1000,9 +1037,6 @@
               </a:spcAft>
               <a:buNone/>
             </a:pPr>
-            <a:r>
-              <a:t/>
-            </a:r>
             <a:endParaRPr/>
           </a:p>
         </p:txBody>
@@ -1016,11 +1050,11 @@
 </file>
 
 <file path=ppt/notesSlides/notesSlide12.xml><?xml version="1.0" encoding="utf-8"?>
-<p:notes xmlns:a="http://schemas.openxmlformats.org/drawingml/2006/main" xmlns:r="http://schemas.openxmlformats.org/officeDocument/2006/relationships" xmlns:mc="http://schemas.openxmlformats.org/markup-compatibility/2006" xmlns:mv="urn:schemas-microsoft-com:mac:vml" xmlns:p="http://schemas.openxmlformats.org/presentationml/2006/main" xmlns:c="http://schemas.openxmlformats.org/drawingml/2006/chart" xmlns:dgm="http://schemas.openxmlformats.org/drawingml/2006/diagram" xmlns:o="urn:schemas-microsoft-com:office:office" xmlns:v="urn:schemas-microsoft-com:vml" xmlns:pvml="urn:schemas-microsoft-com:office:powerpoint" xmlns:com="http://schemas.openxmlformats.org/drawingml/2006/compatibility" xmlns:p14="http://schemas.microsoft.com/office/powerpoint/2010/main" xmlns:p15="http://schemas.microsoft.com/office/powerpoint/2012/main" xmlns:ahyp="http://schemas.microsoft.com/office/drawing/2018/hyperlinkcolor" showMasterPhAnim="0" showMasterSp="0">
+<p:notes xmlns:a="http://schemas.openxmlformats.org/drawingml/2006/main" xmlns:r="http://schemas.openxmlformats.org/officeDocument/2006/relationships" xmlns:p="http://schemas.openxmlformats.org/presentationml/2006/main" showMasterSp="0" showMasterPhAnim="0">
   <p:cSld>
     <p:spTree>
       <p:nvGrpSpPr>
-        <p:cNvPr id="138" name="Shape 138"/>
+        <p:cNvPr id="1" name="Shape 138"/>
         <p:cNvGrpSpPr/>
         <p:nvPr/>
       </p:nvGrpSpPr>
@@ -1035,9 +1069,11 @@
       <p:sp>
         <p:nvSpPr>
           <p:cNvPr id="139" name="Google Shape;139;g2e8544c7fb0_0_34:notes"/>
-          <p:cNvSpPr/>
+          <p:cNvSpPr>
+            <a:spLocks noGrp="1" noRot="1" noChangeAspect="1"/>
+          </p:cNvSpPr>
           <p:nvPr>
-            <p:ph idx="2" type="sldImg"/>
+            <p:ph type="sldImg" idx="2"/>
           </p:nvPr>
         </p:nvSpPr>
         <p:spPr>
@@ -1046,9 +1082,13 @@
             <a:ext cx="6096000" cy="3429000"/>
           </a:xfrm>
           <a:custGeom>
-            <a:rect b="b" l="l" r="r" t="t"/>
+            <a:avLst/>
+            <a:gdLst/>
+            <a:ahLst/>
+            <a:cxnLst/>
+            <a:rect l="l" t="t" r="r" b="b"/>
             <a:pathLst>
-              <a:path extrusionOk="0" h="120000" w="120000">
+              <a:path w="120000" h="120000" extrusionOk="0">
                 <a:moveTo>
                   <a:pt x="0" y="0"/>
                 </a:moveTo>
@@ -1070,9 +1110,11 @@
       <p:sp>
         <p:nvSpPr>
           <p:cNvPr id="140" name="Google Shape;140;g2e8544c7fb0_0_34:notes"/>
-          <p:cNvSpPr txBox="1"/>
+          <p:cNvSpPr txBox="1">
+            <a:spLocks noGrp="1"/>
+          </p:cNvSpPr>
           <p:nvPr>
-            <p:ph idx="1" type="body"/>
+            <p:ph type="body" idx="1"/>
           </p:nvPr>
         </p:nvSpPr>
         <p:spPr>
@@ -1085,12 +1127,12 @@
           </a:prstGeom>
         </p:spPr>
         <p:txBody>
-          <a:bodyPr anchorCtr="0" anchor="t" bIns="91425" lIns="91425" spcFirstLastPara="1" rIns="91425" wrap="square" tIns="91425">
+          <a:bodyPr spcFirstLastPara="1" wrap="square" lIns="91425" tIns="91425" rIns="91425" bIns="91425" anchor="t" anchorCtr="0">
             <a:noAutofit/>
           </a:bodyPr>
           <a:lstStyle/>
           <a:p>
-            <a:pPr indent="0" lvl="0" marL="0" rtl="0" algn="l">
+            <a:pPr marL="0" lvl="0" indent="0" algn="l" rtl="0">
               <a:spcBef>
                 <a:spcPts val="0"/>
               </a:spcBef>
@@ -1099,9 +1141,6 @@
               </a:spcAft>
               <a:buNone/>
             </a:pPr>
-            <a:r>
-              <a:t/>
-            </a:r>
             <a:endParaRPr/>
           </a:p>
         </p:txBody>
@@ -1115,11 +1154,11 @@
 </file>
 
 <file path=ppt/notesSlides/notesSlide13.xml><?xml version="1.0" encoding="utf-8"?>
-<p:notes xmlns:a="http://schemas.openxmlformats.org/drawingml/2006/main" xmlns:r="http://schemas.openxmlformats.org/officeDocument/2006/relationships" xmlns:mc="http://schemas.openxmlformats.org/markup-compatibility/2006" xmlns:mv="urn:schemas-microsoft-com:mac:vml" xmlns:p="http://schemas.openxmlformats.org/presentationml/2006/main" xmlns:c="http://schemas.openxmlformats.org/drawingml/2006/chart" xmlns:dgm="http://schemas.openxmlformats.org/drawingml/2006/diagram" xmlns:o="urn:schemas-microsoft-com:office:office" xmlns:v="urn:schemas-microsoft-com:vml" xmlns:pvml="urn:schemas-microsoft-com:office:powerpoint" xmlns:com="http://schemas.openxmlformats.org/drawingml/2006/compatibility" xmlns:p14="http://schemas.microsoft.com/office/powerpoint/2010/main" xmlns:p15="http://schemas.microsoft.com/office/powerpoint/2012/main" xmlns:ahyp="http://schemas.microsoft.com/office/drawing/2018/hyperlinkcolor" showMasterPhAnim="0" showMasterSp="0">
+<p:notes xmlns:a="http://schemas.openxmlformats.org/drawingml/2006/main" xmlns:r="http://schemas.openxmlformats.org/officeDocument/2006/relationships" xmlns:p="http://schemas.openxmlformats.org/presentationml/2006/main" showMasterSp="0" showMasterPhAnim="0">
   <p:cSld>
     <p:spTree>
       <p:nvGrpSpPr>
-        <p:cNvPr id="145" name="Shape 145"/>
+        <p:cNvPr id="1" name="Shape 145"/>
         <p:cNvGrpSpPr/>
         <p:nvPr/>
       </p:nvGrpSpPr>
@@ -1134,9 +1173,11 @@
       <p:sp>
         <p:nvSpPr>
           <p:cNvPr id="146" name="Google Shape;146;g2e8544c7fb0_0_40:notes"/>
-          <p:cNvSpPr/>
+          <p:cNvSpPr>
+            <a:spLocks noGrp="1" noRot="1" noChangeAspect="1"/>
+          </p:cNvSpPr>
           <p:nvPr>
-            <p:ph idx="2" type="sldImg"/>
+            <p:ph type="sldImg" idx="2"/>
           </p:nvPr>
         </p:nvSpPr>
         <p:spPr>
@@ -1145,9 +1186,13 @@
             <a:ext cx="6096000" cy="3429000"/>
           </a:xfrm>
           <a:custGeom>
-            <a:rect b="b" l="l" r="r" t="t"/>
+            <a:avLst/>
+            <a:gdLst/>
+            <a:ahLst/>
+            <a:cxnLst/>
+            <a:rect l="l" t="t" r="r" b="b"/>
             <a:pathLst>
-              <a:path extrusionOk="0" h="120000" w="120000">
+              <a:path w="120000" h="120000" extrusionOk="0">
                 <a:moveTo>
                   <a:pt x="0" y="0"/>
                 </a:moveTo>
@@ -1169,9 +1214,11 @@
       <p:sp>
         <p:nvSpPr>
           <p:cNvPr id="147" name="Google Shape;147;g2e8544c7fb0_0_40:notes"/>
-          <p:cNvSpPr txBox="1"/>
+          <p:cNvSpPr txBox="1">
+            <a:spLocks noGrp="1"/>
+          </p:cNvSpPr>
           <p:nvPr>
-            <p:ph idx="1" type="body"/>
+            <p:ph type="body" idx="1"/>
           </p:nvPr>
         </p:nvSpPr>
         <p:spPr>
@@ -1184,12 +1231,12 @@
           </a:prstGeom>
         </p:spPr>
         <p:txBody>
-          <a:bodyPr anchorCtr="0" anchor="t" bIns="91425" lIns="91425" spcFirstLastPara="1" rIns="91425" wrap="square" tIns="91425">
+          <a:bodyPr spcFirstLastPara="1" wrap="square" lIns="91425" tIns="91425" rIns="91425" bIns="91425" anchor="t" anchorCtr="0">
             <a:noAutofit/>
           </a:bodyPr>
           <a:lstStyle/>
           <a:p>
-            <a:pPr indent="0" lvl="0" marL="0" rtl="0" algn="l">
+            <a:pPr marL="0" lvl="0" indent="0" algn="l" rtl="0">
               <a:spcBef>
                 <a:spcPts val="0"/>
               </a:spcBef>
@@ -1198,9 +1245,6 @@
               </a:spcAft>
               <a:buNone/>
             </a:pPr>
-            <a:r>
-              <a:t/>
-            </a:r>
             <a:endParaRPr/>
           </a:p>
         </p:txBody>
@@ -1214,11 +1258,11 @@
 </file>
 
 <file path=ppt/notesSlides/notesSlide14.xml><?xml version="1.0" encoding="utf-8"?>
-<p:notes xmlns:a="http://schemas.openxmlformats.org/drawingml/2006/main" xmlns:r="http://schemas.openxmlformats.org/officeDocument/2006/relationships" xmlns:mc="http://schemas.openxmlformats.org/markup-compatibility/2006" xmlns:mv="urn:schemas-microsoft-com:mac:vml" xmlns:p="http://schemas.openxmlformats.org/presentationml/2006/main" xmlns:c="http://schemas.openxmlformats.org/drawingml/2006/chart" xmlns:dgm="http://schemas.openxmlformats.org/drawingml/2006/diagram" xmlns:o="urn:schemas-microsoft-com:office:office" xmlns:v="urn:schemas-microsoft-com:vml" xmlns:pvml="urn:schemas-microsoft-com:office:powerpoint" xmlns:com="http://schemas.openxmlformats.org/drawingml/2006/compatibility" xmlns:p14="http://schemas.microsoft.com/office/powerpoint/2010/main" xmlns:p15="http://schemas.microsoft.com/office/powerpoint/2012/main" xmlns:ahyp="http://schemas.microsoft.com/office/drawing/2018/hyperlinkcolor" showMasterPhAnim="0" showMasterSp="0">
+<p:notes xmlns:a="http://schemas.openxmlformats.org/drawingml/2006/main" xmlns:r="http://schemas.openxmlformats.org/officeDocument/2006/relationships" xmlns:p="http://schemas.openxmlformats.org/presentationml/2006/main" showMasterSp="0" showMasterPhAnim="0">
   <p:cSld>
     <p:spTree>
       <p:nvGrpSpPr>
-        <p:cNvPr id="153" name="Shape 153"/>
+        <p:cNvPr id="1" name="Shape 153"/>
         <p:cNvGrpSpPr/>
         <p:nvPr/>
       </p:nvGrpSpPr>
@@ -1233,9 +1277,11 @@
       <p:sp>
         <p:nvSpPr>
           <p:cNvPr id="154" name="Google Shape;154;g2e7e0608662_0_772:notes"/>
-          <p:cNvSpPr/>
+          <p:cNvSpPr>
+            <a:spLocks noGrp="1" noRot="1" noChangeAspect="1"/>
+          </p:cNvSpPr>
           <p:nvPr>
-            <p:ph idx="2" type="sldImg"/>
+            <p:ph type="sldImg" idx="2"/>
           </p:nvPr>
         </p:nvSpPr>
         <p:spPr>
@@ -1244,9 +1290,13 @@
             <a:ext cx="6096000" cy="3429000"/>
           </a:xfrm>
           <a:custGeom>
-            <a:rect b="b" l="l" r="r" t="t"/>
+            <a:avLst/>
+            <a:gdLst/>
+            <a:ahLst/>
+            <a:cxnLst/>
+            <a:rect l="l" t="t" r="r" b="b"/>
             <a:pathLst>
-              <a:path extrusionOk="0" h="120000" w="120000">
+              <a:path w="120000" h="120000" extrusionOk="0">
                 <a:moveTo>
                   <a:pt x="0" y="0"/>
                 </a:moveTo>
@@ -1268,9 +1318,11 @@
       <p:sp>
         <p:nvSpPr>
           <p:cNvPr id="155" name="Google Shape;155;g2e7e0608662_0_772:notes"/>
-          <p:cNvSpPr txBox="1"/>
+          <p:cNvSpPr txBox="1">
+            <a:spLocks noGrp="1"/>
+          </p:cNvSpPr>
           <p:nvPr>
-            <p:ph idx="1" type="body"/>
+            <p:ph type="body" idx="1"/>
           </p:nvPr>
         </p:nvSpPr>
         <p:spPr>
@@ -1283,12 +1335,12 @@
           </a:prstGeom>
         </p:spPr>
         <p:txBody>
-          <a:bodyPr anchorCtr="0" anchor="t" bIns="91425" lIns="91425" spcFirstLastPara="1" rIns="91425" wrap="square" tIns="91425">
+          <a:bodyPr spcFirstLastPara="1" wrap="square" lIns="91425" tIns="91425" rIns="91425" bIns="91425" anchor="t" anchorCtr="0">
             <a:noAutofit/>
           </a:bodyPr>
           <a:lstStyle/>
           <a:p>
-            <a:pPr indent="0" lvl="0" marL="0" rtl="0" algn="l">
+            <a:pPr marL="0" lvl="0" indent="0" algn="l" rtl="0">
               <a:spcBef>
                 <a:spcPts val="0"/>
               </a:spcBef>
@@ -1297,9 +1349,6 @@
               </a:spcAft>
               <a:buNone/>
             </a:pPr>
-            <a:r>
-              <a:t/>
-            </a:r>
             <a:endParaRPr/>
           </a:p>
         </p:txBody>
@@ -1313,11 +1362,11 @@
 </file>
 
 <file path=ppt/notesSlides/notesSlide15.xml><?xml version="1.0" encoding="utf-8"?>
-<p:notes xmlns:a="http://schemas.openxmlformats.org/drawingml/2006/main" xmlns:r="http://schemas.openxmlformats.org/officeDocument/2006/relationships" xmlns:mc="http://schemas.openxmlformats.org/markup-compatibility/2006" xmlns:mv="urn:schemas-microsoft-com:mac:vml" xmlns:p="http://schemas.openxmlformats.org/presentationml/2006/main" xmlns:c="http://schemas.openxmlformats.org/drawingml/2006/chart" xmlns:dgm="http://schemas.openxmlformats.org/drawingml/2006/diagram" xmlns:o="urn:schemas-microsoft-com:office:office" xmlns:v="urn:schemas-microsoft-com:vml" xmlns:pvml="urn:schemas-microsoft-com:office:powerpoint" xmlns:com="http://schemas.openxmlformats.org/drawingml/2006/compatibility" xmlns:p14="http://schemas.microsoft.com/office/powerpoint/2010/main" xmlns:p15="http://schemas.microsoft.com/office/powerpoint/2012/main" xmlns:ahyp="http://schemas.microsoft.com/office/drawing/2018/hyperlinkcolor" showMasterPhAnim="0" showMasterSp="0">
+<p:notes xmlns:a="http://schemas.openxmlformats.org/drawingml/2006/main" xmlns:r="http://schemas.openxmlformats.org/officeDocument/2006/relationships" xmlns:p="http://schemas.openxmlformats.org/presentationml/2006/main" showMasterSp="0" showMasterPhAnim="0">
   <p:cSld>
     <p:spTree>
       <p:nvGrpSpPr>
-        <p:cNvPr id="160" name="Shape 160"/>
+        <p:cNvPr id="1" name="Shape 160"/>
         <p:cNvGrpSpPr/>
         <p:nvPr/>
       </p:nvGrpSpPr>
@@ -1332,9 +1381,11 @@
       <p:sp>
         <p:nvSpPr>
           <p:cNvPr id="161" name="Google Shape;161;g2e8544c7fb0_0_71:notes"/>
-          <p:cNvSpPr/>
+          <p:cNvSpPr>
+            <a:spLocks noGrp="1" noRot="1" noChangeAspect="1"/>
+          </p:cNvSpPr>
           <p:nvPr>
-            <p:ph idx="2" type="sldImg"/>
+            <p:ph type="sldImg" idx="2"/>
           </p:nvPr>
         </p:nvSpPr>
         <p:spPr>
@@ -1343,9 +1394,13 @@
             <a:ext cx="6096000" cy="3429000"/>
           </a:xfrm>
           <a:custGeom>
-            <a:rect b="b" l="l" r="r" t="t"/>
+            <a:avLst/>
+            <a:gdLst/>
+            <a:ahLst/>
+            <a:cxnLst/>
+            <a:rect l="l" t="t" r="r" b="b"/>
             <a:pathLst>
-              <a:path extrusionOk="0" h="120000" w="120000">
+              <a:path w="120000" h="120000" extrusionOk="0">
                 <a:moveTo>
                   <a:pt x="0" y="0"/>
                 </a:moveTo>
@@ -1367,9 +1422,11 @@
       <p:sp>
         <p:nvSpPr>
           <p:cNvPr id="162" name="Google Shape;162;g2e8544c7fb0_0_71:notes"/>
-          <p:cNvSpPr txBox="1"/>
+          <p:cNvSpPr txBox="1">
+            <a:spLocks noGrp="1"/>
+          </p:cNvSpPr>
           <p:nvPr>
-            <p:ph idx="1" type="body"/>
+            <p:ph type="body" idx="1"/>
           </p:nvPr>
         </p:nvSpPr>
         <p:spPr>
@@ -1382,12 +1439,12 @@
           </a:prstGeom>
         </p:spPr>
         <p:txBody>
-          <a:bodyPr anchorCtr="0" anchor="t" bIns="91425" lIns="91425" spcFirstLastPara="1" rIns="91425" wrap="square" tIns="91425">
+          <a:bodyPr spcFirstLastPara="1" wrap="square" lIns="91425" tIns="91425" rIns="91425" bIns="91425" anchor="t" anchorCtr="0">
             <a:noAutofit/>
           </a:bodyPr>
           <a:lstStyle/>
           <a:p>
-            <a:pPr indent="0" lvl="0" marL="0" rtl="0" algn="l">
+            <a:pPr marL="0" lvl="0" indent="0" algn="l" rtl="0">
               <a:spcBef>
                 <a:spcPts val="0"/>
               </a:spcBef>
@@ -1396,9 +1453,6 @@
               </a:spcAft>
               <a:buNone/>
             </a:pPr>
-            <a:r>
-              <a:t/>
-            </a:r>
             <a:endParaRPr/>
           </a:p>
         </p:txBody>
@@ -1412,11 +1466,11 @@
 </file>
 
 <file path=ppt/notesSlides/notesSlide16.xml><?xml version="1.0" encoding="utf-8"?>
-<p:notes xmlns:a="http://schemas.openxmlformats.org/drawingml/2006/main" xmlns:r="http://schemas.openxmlformats.org/officeDocument/2006/relationships" xmlns:mc="http://schemas.openxmlformats.org/markup-compatibility/2006" xmlns:mv="urn:schemas-microsoft-com:mac:vml" xmlns:p="http://schemas.openxmlformats.org/presentationml/2006/main" xmlns:c="http://schemas.openxmlformats.org/drawingml/2006/chart" xmlns:dgm="http://schemas.openxmlformats.org/drawingml/2006/diagram" xmlns:o="urn:schemas-microsoft-com:office:office" xmlns:v="urn:schemas-microsoft-com:vml" xmlns:pvml="urn:schemas-microsoft-com:office:powerpoint" xmlns:com="http://schemas.openxmlformats.org/drawingml/2006/compatibility" xmlns:p14="http://schemas.microsoft.com/office/powerpoint/2010/main" xmlns:p15="http://schemas.microsoft.com/office/powerpoint/2012/main" xmlns:ahyp="http://schemas.microsoft.com/office/drawing/2018/hyperlinkcolor" showMasterPhAnim="0" showMasterSp="0">
+<p:notes xmlns:a="http://schemas.openxmlformats.org/drawingml/2006/main" xmlns:r="http://schemas.openxmlformats.org/officeDocument/2006/relationships" xmlns:p="http://schemas.openxmlformats.org/presentationml/2006/main" showMasterSp="0" showMasterPhAnim="0">
   <p:cSld>
     <p:spTree>
       <p:nvGrpSpPr>
-        <p:cNvPr id="165" name="Shape 165"/>
+        <p:cNvPr id="1" name="Shape 165"/>
         <p:cNvGrpSpPr/>
         <p:nvPr/>
       </p:nvGrpSpPr>
@@ -1431,9 +1485,11 @@
       <p:sp>
         <p:nvSpPr>
           <p:cNvPr id="166" name="Google Shape;166;g2e7e0608662_0_626:notes"/>
-          <p:cNvSpPr/>
+          <p:cNvSpPr>
+            <a:spLocks noGrp="1" noRot="1" noChangeAspect="1"/>
+          </p:cNvSpPr>
           <p:nvPr>
-            <p:ph idx="2" type="sldImg"/>
+            <p:ph type="sldImg" idx="2"/>
           </p:nvPr>
         </p:nvSpPr>
         <p:spPr>
@@ -1442,9 +1498,13 @@
             <a:ext cx="6096000" cy="3429000"/>
           </a:xfrm>
           <a:custGeom>
-            <a:rect b="b" l="l" r="r" t="t"/>
+            <a:avLst/>
+            <a:gdLst/>
+            <a:ahLst/>
+            <a:cxnLst/>
+            <a:rect l="l" t="t" r="r" b="b"/>
             <a:pathLst>
-              <a:path extrusionOk="0" h="120000" w="120000">
+              <a:path w="120000" h="120000" extrusionOk="0">
                 <a:moveTo>
                   <a:pt x="0" y="0"/>
                 </a:moveTo>
@@ -1466,9 +1526,11 @@
       <p:sp>
         <p:nvSpPr>
           <p:cNvPr id="167" name="Google Shape;167;g2e7e0608662_0_626:notes"/>
-          <p:cNvSpPr txBox="1"/>
+          <p:cNvSpPr txBox="1">
+            <a:spLocks noGrp="1"/>
+          </p:cNvSpPr>
           <p:nvPr>
-            <p:ph idx="1" type="body"/>
+            <p:ph type="body" idx="1"/>
           </p:nvPr>
         </p:nvSpPr>
         <p:spPr>
@@ -1481,12 +1543,12 @@
           </a:prstGeom>
         </p:spPr>
         <p:txBody>
-          <a:bodyPr anchorCtr="0" anchor="t" bIns="91425" lIns="91425" spcFirstLastPara="1" rIns="91425" wrap="square" tIns="91425">
+          <a:bodyPr spcFirstLastPara="1" wrap="square" lIns="91425" tIns="91425" rIns="91425" bIns="91425" anchor="t" anchorCtr="0">
             <a:noAutofit/>
           </a:bodyPr>
           <a:lstStyle/>
           <a:p>
-            <a:pPr indent="0" lvl="0" marL="0" rtl="0" algn="l">
+            <a:pPr marL="0" lvl="0" indent="0" algn="l" rtl="0">
               <a:spcBef>
                 <a:spcPts val="0"/>
               </a:spcBef>
@@ -1495,9 +1557,6 @@
               </a:spcAft>
               <a:buNone/>
             </a:pPr>
-            <a:r>
-              <a:t/>
-            </a:r>
             <a:endParaRPr/>
           </a:p>
         </p:txBody>
@@ -1511,11 +1570,11 @@
 </file>
 
 <file path=ppt/notesSlides/notesSlide17.xml><?xml version="1.0" encoding="utf-8"?>
-<p:notes xmlns:a="http://schemas.openxmlformats.org/drawingml/2006/main" xmlns:r="http://schemas.openxmlformats.org/officeDocument/2006/relationships" xmlns:mc="http://schemas.openxmlformats.org/markup-compatibility/2006" xmlns:mv="urn:schemas-microsoft-com:mac:vml" xmlns:p="http://schemas.openxmlformats.org/presentationml/2006/main" xmlns:c="http://schemas.openxmlformats.org/drawingml/2006/chart" xmlns:dgm="http://schemas.openxmlformats.org/drawingml/2006/diagram" xmlns:o="urn:schemas-microsoft-com:office:office" xmlns:v="urn:schemas-microsoft-com:vml" xmlns:pvml="urn:schemas-microsoft-com:office:powerpoint" xmlns:com="http://schemas.openxmlformats.org/drawingml/2006/compatibility" xmlns:p14="http://schemas.microsoft.com/office/powerpoint/2010/main" xmlns:p15="http://schemas.microsoft.com/office/powerpoint/2012/main" xmlns:ahyp="http://schemas.microsoft.com/office/drawing/2018/hyperlinkcolor" showMasterPhAnim="0" showMasterSp="0">
+<p:notes xmlns:a="http://schemas.openxmlformats.org/drawingml/2006/main" xmlns:r="http://schemas.openxmlformats.org/officeDocument/2006/relationships" xmlns:p="http://schemas.openxmlformats.org/presentationml/2006/main" showMasterSp="0" showMasterPhAnim="0">
   <p:cSld>
     <p:spTree>
       <p:nvGrpSpPr>
-        <p:cNvPr id="172" name="Shape 172"/>
+        <p:cNvPr id="1" name="Shape 172"/>
         <p:cNvGrpSpPr/>
         <p:nvPr/>
       </p:nvGrpSpPr>
@@ -1530,9 +1589,11 @@
       <p:sp>
         <p:nvSpPr>
           <p:cNvPr id="173" name="Google Shape;173;g2e8544c7fb0_0_59:notes"/>
-          <p:cNvSpPr/>
+          <p:cNvSpPr>
+            <a:spLocks noGrp="1" noRot="1" noChangeAspect="1"/>
+          </p:cNvSpPr>
           <p:nvPr>
-            <p:ph idx="2" type="sldImg"/>
+            <p:ph type="sldImg" idx="2"/>
           </p:nvPr>
         </p:nvSpPr>
         <p:spPr>
@@ -1541,9 +1602,13 @@
             <a:ext cx="6096000" cy="3429000"/>
           </a:xfrm>
           <a:custGeom>
-            <a:rect b="b" l="l" r="r" t="t"/>
+            <a:avLst/>
+            <a:gdLst/>
+            <a:ahLst/>
+            <a:cxnLst/>
+            <a:rect l="l" t="t" r="r" b="b"/>
             <a:pathLst>
-              <a:path extrusionOk="0" h="120000" w="120000">
+              <a:path w="120000" h="120000" extrusionOk="0">
                 <a:moveTo>
                   <a:pt x="0" y="0"/>
                 </a:moveTo>
@@ -1565,9 +1630,11 @@
       <p:sp>
         <p:nvSpPr>
           <p:cNvPr id="174" name="Google Shape;174;g2e8544c7fb0_0_59:notes"/>
-          <p:cNvSpPr txBox="1"/>
+          <p:cNvSpPr txBox="1">
+            <a:spLocks noGrp="1"/>
+          </p:cNvSpPr>
           <p:nvPr>
-            <p:ph idx="1" type="body"/>
+            <p:ph type="body" idx="1"/>
           </p:nvPr>
         </p:nvSpPr>
         <p:spPr>
@@ -1580,12 +1647,12 @@
           </a:prstGeom>
         </p:spPr>
         <p:txBody>
-          <a:bodyPr anchorCtr="0" anchor="t" bIns="91425" lIns="91425" spcFirstLastPara="1" rIns="91425" wrap="square" tIns="91425">
+          <a:bodyPr spcFirstLastPara="1" wrap="square" lIns="91425" tIns="91425" rIns="91425" bIns="91425" anchor="t" anchorCtr="0">
             <a:noAutofit/>
           </a:bodyPr>
           <a:lstStyle/>
           <a:p>
-            <a:pPr indent="0" lvl="0" marL="0" rtl="0" algn="l">
+            <a:pPr marL="0" lvl="0" indent="0" algn="l" rtl="0">
               <a:spcBef>
                 <a:spcPts val="0"/>
               </a:spcBef>
@@ -1594,9 +1661,6 @@
               </a:spcAft>
               <a:buNone/>
             </a:pPr>
-            <a:r>
-              <a:t/>
-            </a:r>
             <a:endParaRPr/>
           </a:p>
         </p:txBody>
@@ -1610,11 +1674,11 @@
 </file>
 
 <file path=ppt/notesSlides/notesSlide18.xml><?xml version="1.0" encoding="utf-8"?>
-<p:notes xmlns:a="http://schemas.openxmlformats.org/drawingml/2006/main" xmlns:r="http://schemas.openxmlformats.org/officeDocument/2006/relationships" xmlns:mc="http://schemas.openxmlformats.org/markup-compatibility/2006" xmlns:mv="urn:schemas-microsoft-com:mac:vml" xmlns:p="http://schemas.openxmlformats.org/presentationml/2006/main" xmlns:c="http://schemas.openxmlformats.org/drawingml/2006/chart" xmlns:dgm="http://schemas.openxmlformats.org/drawingml/2006/diagram" xmlns:o="urn:schemas-microsoft-com:office:office" xmlns:v="urn:schemas-microsoft-com:vml" xmlns:pvml="urn:schemas-microsoft-com:office:powerpoint" xmlns:com="http://schemas.openxmlformats.org/drawingml/2006/compatibility" xmlns:p14="http://schemas.microsoft.com/office/powerpoint/2010/main" xmlns:p15="http://schemas.microsoft.com/office/powerpoint/2012/main" xmlns:ahyp="http://schemas.microsoft.com/office/drawing/2018/hyperlinkcolor" showMasterPhAnim="0" showMasterSp="0">
+<p:notes xmlns:a="http://schemas.openxmlformats.org/drawingml/2006/main" xmlns:r="http://schemas.openxmlformats.org/officeDocument/2006/relationships" xmlns:p="http://schemas.openxmlformats.org/presentationml/2006/main" showMasterSp="0" showMasterPhAnim="0">
   <p:cSld>
     <p:spTree>
       <p:nvGrpSpPr>
-        <p:cNvPr id="180" name="Shape 180"/>
+        <p:cNvPr id="1" name="Shape 180"/>
         <p:cNvGrpSpPr/>
         <p:nvPr/>
       </p:nvGrpSpPr>
@@ -1629,9 +1693,11 @@
       <p:sp>
         <p:nvSpPr>
           <p:cNvPr id="181" name="Google Shape;181;g2e8544c7fb0_0_84:notes"/>
-          <p:cNvSpPr/>
+          <p:cNvSpPr>
+            <a:spLocks noGrp="1" noRot="1" noChangeAspect="1"/>
+          </p:cNvSpPr>
           <p:nvPr>
-            <p:ph idx="2" type="sldImg"/>
+            <p:ph type="sldImg" idx="2"/>
           </p:nvPr>
         </p:nvSpPr>
         <p:spPr>
@@ -1640,9 +1706,13 @@
             <a:ext cx="6096000" cy="3429000"/>
           </a:xfrm>
           <a:custGeom>
-            <a:rect b="b" l="l" r="r" t="t"/>
+            <a:avLst/>
+            <a:gdLst/>
+            <a:ahLst/>
+            <a:cxnLst/>
+            <a:rect l="l" t="t" r="r" b="b"/>
             <a:pathLst>
-              <a:path extrusionOk="0" h="120000" w="120000">
+              <a:path w="120000" h="120000" extrusionOk="0">
                 <a:moveTo>
                   <a:pt x="0" y="0"/>
                 </a:moveTo>
@@ -1664,9 +1734,11 @@
       <p:sp>
         <p:nvSpPr>
           <p:cNvPr id="182" name="Google Shape;182;g2e8544c7fb0_0_84:notes"/>
-          <p:cNvSpPr txBox="1"/>
+          <p:cNvSpPr txBox="1">
+            <a:spLocks noGrp="1"/>
+          </p:cNvSpPr>
           <p:nvPr>
-            <p:ph idx="1" type="body"/>
+            <p:ph type="body" idx="1"/>
           </p:nvPr>
         </p:nvSpPr>
         <p:spPr>
@@ -1679,12 +1751,12 @@
           </a:prstGeom>
         </p:spPr>
         <p:txBody>
-          <a:bodyPr anchorCtr="0" anchor="t" bIns="91425" lIns="91425" spcFirstLastPara="1" rIns="91425" wrap="square" tIns="91425">
+          <a:bodyPr spcFirstLastPara="1" wrap="square" lIns="91425" tIns="91425" rIns="91425" bIns="91425" anchor="t" anchorCtr="0">
             <a:noAutofit/>
           </a:bodyPr>
           <a:lstStyle/>
           <a:p>
-            <a:pPr indent="0" lvl="0" marL="0" rtl="0" algn="l">
+            <a:pPr marL="0" lvl="0" indent="0" algn="l" rtl="0">
               <a:spcBef>
                 <a:spcPts val="0"/>
               </a:spcBef>
@@ -1693,9 +1765,6 @@
               </a:spcAft>
               <a:buNone/>
             </a:pPr>
-            <a:r>
-              <a:t/>
-            </a:r>
             <a:endParaRPr/>
           </a:p>
         </p:txBody>
@@ -1709,11 +1778,11 @@
 </file>
 
 <file path=ppt/notesSlides/notesSlide19.xml><?xml version="1.0" encoding="utf-8"?>
-<p:notes xmlns:a="http://schemas.openxmlformats.org/drawingml/2006/main" xmlns:r="http://schemas.openxmlformats.org/officeDocument/2006/relationships" xmlns:mc="http://schemas.openxmlformats.org/markup-compatibility/2006" xmlns:mv="urn:schemas-microsoft-com:mac:vml" xmlns:p="http://schemas.openxmlformats.org/presentationml/2006/main" xmlns:c="http://schemas.openxmlformats.org/drawingml/2006/chart" xmlns:dgm="http://schemas.openxmlformats.org/drawingml/2006/diagram" xmlns:o="urn:schemas-microsoft-com:office:office" xmlns:v="urn:schemas-microsoft-com:vml" xmlns:pvml="urn:schemas-microsoft-com:office:powerpoint" xmlns:com="http://schemas.openxmlformats.org/drawingml/2006/compatibility" xmlns:p14="http://schemas.microsoft.com/office/powerpoint/2010/main" xmlns:p15="http://schemas.microsoft.com/office/powerpoint/2012/main" xmlns:ahyp="http://schemas.microsoft.com/office/drawing/2018/hyperlinkcolor" showMasterPhAnim="0" showMasterSp="0">
+<p:notes xmlns:a="http://schemas.openxmlformats.org/drawingml/2006/main" xmlns:r="http://schemas.openxmlformats.org/officeDocument/2006/relationships" xmlns:p="http://schemas.openxmlformats.org/presentationml/2006/main" showMasterSp="0" showMasterPhAnim="0">
   <p:cSld>
     <p:spTree>
       <p:nvGrpSpPr>
-        <p:cNvPr id="185" name="Shape 185"/>
+        <p:cNvPr id="1" name="Shape 185"/>
         <p:cNvGrpSpPr/>
         <p:nvPr/>
       </p:nvGrpSpPr>
@@ -1728,9 +1797,11 @@
       <p:sp>
         <p:nvSpPr>
           <p:cNvPr id="186" name="Google Shape;186;g2e7e0608662_0_757:notes"/>
-          <p:cNvSpPr/>
+          <p:cNvSpPr>
+            <a:spLocks noGrp="1" noRot="1" noChangeAspect="1"/>
+          </p:cNvSpPr>
           <p:nvPr>
-            <p:ph idx="2" type="sldImg"/>
+            <p:ph type="sldImg" idx="2"/>
           </p:nvPr>
         </p:nvSpPr>
         <p:spPr>
@@ -1739,9 +1810,13 @@
             <a:ext cx="6096000" cy="3429000"/>
           </a:xfrm>
           <a:custGeom>
-            <a:rect b="b" l="l" r="r" t="t"/>
+            <a:avLst/>
+            <a:gdLst/>
+            <a:ahLst/>
+            <a:cxnLst/>
+            <a:rect l="l" t="t" r="r" b="b"/>
             <a:pathLst>
-              <a:path extrusionOk="0" h="120000" w="120000">
+              <a:path w="120000" h="120000" extrusionOk="0">
                 <a:moveTo>
                   <a:pt x="0" y="0"/>
                 </a:moveTo>
@@ -1763,9 +1838,11 @@
       <p:sp>
         <p:nvSpPr>
           <p:cNvPr id="187" name="Google Shape;187;g2e7e0608662_0_757:notes"/>
-          <p:cNvSpPr txBox="1"/>
+          <p:cNvSpPr txBox="1">
+            <a:spLocks noGrp="1"/>
+          </p:cNvSpPr>
           <p:nvPr>
-            <p:ph idx="1" type="body"/>
+            <p:ph type="body" idx="1"/>
           </p:nvPr>
         </p:nvSpPr>
         <p:spPr>
@@ -1778,12 +1855,12 @@
           </a:prstGeom>
         </p:spPr>
         <p:txBody>
-          <a:bodyPr anchorCtr="0" anchor="t" bIns="91425" lIns="91425" spcFirstLastPara="1" rIns="91425" wrap="square" tIns="91425">
+          <a:bodyPr spcFirstLastPara="1" wrap="square" lIns="91425" tIns="91425" rIns="91425" bIns="91425" anchor="t" anchorCtr="0">
             <a:noAutofit/>
           </a:bodyPr>
           <a:lstStyle/>
           <a:p>
-            <a:pPr indent="0" lvl="0" marL="0" rtl="0" algn="l">
+            <a:pPr marL="0" lvl="0" indent="0" algn="l" rtl="0">
               <a:spcBef>
                 <a:spcPts val="0"/>
               </a:spcBef>
@@ -1792,9 +1869,6 @@
               </a:spcAft>
               <a:buNone/>
             </a:pPr>
-            <a:r>
-              <a:t/>
-            </a:r>
             <a:endParaRPr/>
           </a:p>
         </p:txBody>
@@ -1808,11 +1882,11 @@
 </file>
 
 <file path=ppt/notesSlides/notesSlide2.xml><?xml version="1.0" encoding="utf-8"?>
-<p:notes xmlns:a="http://schemas.openxmlformats.org/drawingml/2006/main" xmlns:r="http://schemas.openxmlformats.org/officeDocument/2006/relationships" xmlns:mc="http://schemas.openxmlformats.org/markup-compatibility/2006" xmlns:mv="urn:schemas-microsoft-com:mac:vml" xmlns:p="http://schemas.openxmlformats.org/presentationml/2006/main" xmlns:c="http://schemas.openxmlformats.org/drawingml/2006/chart" xmlns:dgm="http://schemas.openxmlformats.org/drawingml/2006/diagram" xmlns:o="urn:schemas-microsoft-com:office:office" xmlns:v="urn:schemas-microsoft-com:vml" xmlns:pvml="urn:schemas-microsoft-com:office:powerpoint" xmlns:com="http://schemas.openxmlformats.org/drawingml/2006/compatibility" xmlns:p14="http://schemas.microsoft.com/office/powerpoint/2010/main" xmlns:p15="http://schemas.microsoft.com/office/powerpoint/2012/main" xmlns:ahyp="http://schemas.microsoft.com/office/drawing/2018/hyperlinkcolor" showMasterPhAnim="0" showMasterSp="0">
+<p:notes xmlns:a="http://schemas.openxmlformats.org/drawingml/2006/main" xmlns:r="http://schemas.openxmlformats.org/officeDocument/2006/relationships" xmlns:p="http://schemas.openxmlformats.org/presentationml/2006/main" showMasterSp="0" showMasterPhAnim="0">
   <p:cSld>
     <p:spTree>
       <p:nvGrpSpPr>
-        <p:cNvPr id="68" name="Shape 68"/>
+        <p:cNvPr id="1" name="Shape 68"/>
         <p:cNvGrpSpPr/>
         <p:nvPr/>
       </p:nvGrpSpPr>
@@ -1827,9 +1901,11 @@
       <p:sp>
         <p:nvSpPr>
           <p:cNvPr id="69" name="Google Shape;69;g2e7e0608662_0_611:notes"/>
-          <p:cNvSpPr/>
+          <p:cNvSpPr>
+            <a:spLocks noGrp="1" noRot="1" noChangeAspect="1"/>
+          </p:cNvSpPr>
           <p:nvPr>
-            <p:ph idx="2" type="sldImg"/>
+            <p:ph type="sldImg" idx="2"/>
           </p:nvPr>
         </p:nvSpPr>
         <p:spPr>
@@ -1838,9 +1914,13 @@
             <a:ext cx="6096000" cy="3429000"/>
           </a:xfrm>
           <a:custGeom>
-            <a:rect b="b" l="l" r="r" t="t"/>
+            <a:avLst/>
+            <a:gdLst/>
+            <a:ahLst/>
+            <a:cxnLst/>
+            <a:rect l="l" t="t" r="r" b="b"/>
             <a:pathLst>
-              <a:path extrusionOk="0" h="120000" w="120000">
+              <a:path w="120000" h="120000" extrusionOk="0">
                 <a:moveTo>
                   <a:pt x="0" y="0"/>
                 </a:moveTo>
@@ -1862,9 +1942,11 @@
       <p:sp>
         <p:nvSpPr>
           <p:cNvPr id="70" name="Google Shape;70;g2e7e0608662_0_611:notes"/>
-          <p:cNvSpPr txBox="1"/>
+          <p:cNvSpPr txBox="1">
+            <a:spLocks noGrp="1"/>
+          </p:cNvSpPr>
           <p:nvPr>
-            <p:ph idx="1" type="body"/>
+            <p:ph type="body" idx="1"/>
           </p:nvPr>
         </p:nvSpPr>
         <p:spPr>
@@ -1877,12 +1959,12 @@
           </a:prstGeom>
         </p:spPr>
         <p:txBody>
-          <a:bodyPr anchorCtr="0" anchor="t" bIns="91425" lIns="91425" spcFirstLastPara="1" rIns="91425" wrap="square" tIns="91425">
+          <a:bodyPr spcFirstLastPara="1" wrap="square" lIns="91425" tIns="91425" rIns="91425" bIns="91425" anchor="t" anchorCtr="0">
             <a:noAutofit/>
           </a:bodyPr>
           <a:lstStyle/>
           <a:p>
-            <a:pPr indent="0" lvl="0" marL="0" rtl="0" algn="l">
+            <a:pPr marL="0" lvl="0" indent="0" algn="l" rtl="0">
               <a:spcBef>
                 <a:spcPts val="0"/>
               </a:spcBef>
@@ -1891,9 +1973,6 @@
               </a:spcAft>
               <a:buNone/>
             </a:pPr>
-            <a:r>
-              <a:t/>
-            </a:r>
             <a:endParaRPr/>
           </a:p>
         </p:txBody>
@@ -1907,11 +1986,11 @@
 </file>
 
 <file path=ppt/notesSlides/notesSlide3.xml><?xml version="1.0" encoding="utf-8"?>
-<p:notes xmlns:a="http://schemas.openxmlformats.org/drawingml/2006/main" xmlns:r="http://schemas.openxmlformats.org/officeDocument/2006/relationships" xmlns:mc="http://schemas.openxmlformats.org/markup-compatibility/2006" xmlns:mv="urn:schemas-microsoft-com:mac:vml" xmlns:p="http://schemas.openxmlformats.org/presentationml/2006/main" xmlns:c="http://schemas.openxmlformats.org/drawingml/2006/chart" xmlns:dgm="http://schemas.openxmlformats.org/drawingml/2006/diagram" xmlns:o="urn:schemas-microsoft-com:office:office" xmlns:v="urn:schemas-microsoft-com:vml" xmlns:pvml="urn:schemas-microsoft-com:office:powerpoint" xmlns:com="http://schemas.openxmlformats.org/drawingml/2006/compatibility" xmlns:p14="http://schemas.microsoft.com/office/powerpoint/2010/main" xmlns:p15="http://schemas.microsoft.com/office/powerpoint/2012/main" xmlns:ahyp="http://schemas.microsoft.com/office/drawing/2018/hyperlinkcolor" showMasterPhAnim="0" showMasterSp="0">
+<p:notes xmlns:a="http://schemas.openxmlformats.org/drawingml/2006/main" xmlns:r="http://schemas.openxmlformats.org/officeDocument/2006/relationships" xmlns:p="http://schemas.openxmlformats.org/presentationml/2006/main" showMasterSp="0" showMasterPhAnim="0">
   <p:cSld>
     <p:spTree>
       <p:nvGrpSpPr>
-        <p:cNvPr id="74" name="Shape 74"/>
+        <p:cNvPr id="1" name="Shape 74"/>
         <p:cNvGrpSpPr/>
         <p:nvPr/>
       </p:nvGrpSpPr>
@@ -1926,9 +2005,11 @@
       <p:sp>
         <p:nvSpPr>
           <p:cNvPr id="75" name="Google Shape;75;g2e8544c7fb0_0_88:notes"/>
-          <p:cNvSpPr/>
+          <p:cNvSpPr>
+            <a:spLocks noGrp="1" noRot="1" noChangeAspect="1"/>
+          </p:cNvSpPr>
           <p:nvPr>
-            <p:ph idx="2" type="sldImg"/>
+            <p:ph type="sldImg" idx="2"/>
           </p:nvPr>
         </p:nvSpPr>
         <p:spPr>
@@ -1937,9 +2018,13 @@
             <a:ext cx="6096000" cy="3429000"/>
           </a:xfrm>
           <a:custGeom>
-            <a:rect b="b" l="l" r="r" t="t"/>
+            <a:avLst/>
+            <a:gdLst/>
+            <a:ahLst/>
+            <a:cxnLst/>
+            <a:rect l="l" t="t" r="r" b="b"/>
             <a:pathLst>
-              <a:path extrusionOk="0" h="120000" w="120000">
+              <a:path w="120000" h="120000" extrusionOk="0">
                 <a:moveTo>
                   <a:pt x="0" y="0"/>
                 </a:moveTo>
@@ -1961,9 +2046,11 @@
       <p:sp>
         <p:nvSpPr>
           <p:cNvPr id="76" name="Google Shape;76;g2e8544c7fb0_0_88:notes"/>
-          <p:cNvSpPr txBox="1"/>
+          <p:cNvSpPr txBox="1">
+            <a:spLocks noGrp="1"/>
+          </p:cNvSpPr>
           <p:nvPr>
-            <p:ph idx="1" type="body"/>
+            <p:ph type="body" idx="1"/>
           </p:nvPr>
         </p:nvSpPr>
         <p:spPr>
@@ -1976,12 +2063,12 @@
           </a:prstGeom>
         </p:spPr>
         <p:txBody>
-          <a:bodyPr anchorCtr="0" anchor="t" bIns="91425" lIns="91425" spcFirstLastPara="1" rIns="91425" wrap="square" tIns="91425">
+          <a:bodyPr spcFirstLastPara="1" wrap="square" lIns="91425" tIns="91425" rIns="91425" bIns="91425" anchor="t" anchorCtr="0">
             <a:noAutofit/>
           </a:bodyPr>
           <a:lstStyle/>
           <a:p>
-            <a:pPr indent="0" lvl="0" marL="0" rtl="0" algn="l">
+            <a:pPr marL="0" lvl="0" indent="0" algn="l" rtl="0">
               <a:spcBef>
                 <a:spcPts val="0"/>
               </a:spcBef>
@@ -1990,9 +2077,6 @@
               </a:spcAft>
               <a:buNone/>
             </a:pPr>
-            <a:r>
-              <a:t/>
-            </a:r>
             <a:endParaRPr/>
           </a:p>
         </p:txBody>
@@ -2006,11 +2090,11 @@
 </file>
 
 <file path=ppt/notesSlides/notesSlide4.xml><?xml version="1.0" encoding="utf-8"?>
-<p:notes xmlns:a="http://schemas.openxmlformats.org/drawingml/2006/main" xmlns:r="http://schemas.openxmlformats.org/officeDocument/2006/relationships" xmlns:mc="http://schemas.openxmlformats.org/markup-compatibility/2006" xmlns:mv="urn:schemas-microsoft-com:mac:vml" xmlns:p="http://schemas.openxmlformats.org/presentationml/2006/main" xmlns:c="http://schemas.openxmlformats.org/drawingml/2006/chart" xmlns:dgm="http://schemas.openxmlformats.org/drawingml/2006/diagram" xmlns:o="urn:schemas-microsoft-com:office:office" xmlns:v="urn:schemas-microsoft-com:vml" xmlns:pvml="urn:schemas-microsoft-com:office:powerpoint" xmlns:com="http://schemas.openxmlformats.org/drawingml/2006/compatibility" xmlns:p14="http://schemas.microsoft.com/office/powerpoint/2010/main" xmlns:p15="http://schemas.microsoft.com/office/powerpoint/2012/main" xmlns:ahyp="http://schemas.microsoft.com/office/drawing/2018/hyperlinkcolor" showMasterPhAnim="0" showMasterSp="0">
+<p:notes xmlns:a="http://schemas.openxmlformats.org/drawingml/2006/main" xmlns:r="http://schemas.openxmlformats.org/officeDocument/2006/relationships" xmlns:p="http://schemas.openxmlformats.org/presentationml/2006/main" showMasterSp="0" showMasterPhAnim="0">
   <p:cSld>
     <p:spTree>
       <p:nvGrpSpPr>
-        <p:cNvPr id="79" name="Shape 79"/>
+        <p:cNvPr id="1" name="Shape 79"/>
         <p:cNvGrpSpPr/>
         <p:nvPr/>
       </p:nvGrpSpPr>
@@ -2025,9 +2109,11 @@
       <p:sp>
         <p:nvSpPr>
           <p:cNvPr id="80" name="Google Shape;80;g2e8b1026279_0_4:notes"/>
-          <p:cNvSpPr/>
+          <p:cNvSpPr>
+            <a:spLocks noGrp="1" noRot="1" noChangeAspect="1"/>
+          </p:cNvSpPr>
           <p:nvPr>
-            <p:ph idx="2" type="sldImg"/>
+            <p:ph type="sldImg" idx="2"/>
           </p:nvPr>
         </p:nvSpPr>
         <p:spPr>
@@ -2036,9 +2122,13 @@
             <a:ext cx="6096000" cy="3429000"/>
           </a:xfrm>
           <a:custGeom>
-            <a:rect b="b" l="l" r="r" t="t"/>
+            <a:avLst/>
+            <a:gdLst/>
+            <a:ahLst/>
+            <a:cxnLst/>
+            <a:rect l="l" t="t" r="r" b="b"/>
             <a:pathLst>
-              <a:path extrusionOk="0" h="120000" w="120000">
+              <a:path w="120000" h="120000" extrusionOk="0">
                 <a:moveTo>
                   <a:pt x="0" y="0"/>
                 </a:moveTo>
@@ -2060,9 +2150,11 @@
       <p:sp>
         <p:nvSpPr>
           <p:cNvPr id="81" name="Google Shape;81;g2e8b1026279_0_4:notes"/>
-          <p:cNvSpPr txBox="1"/>
+          <p:cNvSpPr txBox="1">
+            <a:spLocks noGrp="1"/>
+          </p:cNvSpPr>
           <p:nvPr>
-            <p:ph idx="1" type="body"/>
+            <p:ph type="body" idx="1"/>
           </p:nvPr>
         </p:nvSpPr>
         <p:spPr>
@@ -2075,12 +2167,12 @@
           </a:prstGeom>
         </p:spPr>
         <p:txBody>
-          <a:bodyPr anchorCtr="0" anchor="t" bIns="91425" lIns="91425" spcFirstLastPara="1" rIns="91425" wrap="square" tIns="91425">
+          <a:bodyPr spcFirstLastPara="1" wrap="square" lIns="91425" tIns="91425" rIns="91425" bIns="91425" anchor="t" anchorCtr="0">
             <a:noAutofit/>
           </a:bodyPr>
           <a:lstStyle/>
           <a:p>
-            <a:pPr indent="0" lvl="0" marL="0" rtl="0" algn="l">
+            <a:pPr marL="0" lvl="0" indent="0" algn="l" rtl="0">
               <a:spcBef>
                 <a:spcPts val="0"/>
               </a:spcBef>
@@ -2089,9 +2181,6 @@
               </a:spcAft>
               <a:buNone/>
             </a:pPr>
-            <a:r>
-              <a:t/>
-            </a:r>
             <a:endParaRPr/>
           </a:p>
         </p:txBody>
@@ -2105,11 +2194,11 @@
 </file>
 
 <file path=ppt/notesSlides/notesSlide5.xml><?xml version="1.0" encoding="utf-8"?>
-<p:notes xmlns:a="http://schemas.openxmlformats.org/drawingml/2006/main" xmlns:r="http://schemas.openxmlformats.org/officeDocument/2006/relationships" xmlns:mc="http://schemas.openxmlformats.org/markup-compatibility/2006" xmlns:mv="urn:schemas-microsoft-com:mac:vml" xmlns:p="http://schemas.openxmlformats.org/presentationml/2006/main" xmlns:c="http://schemas.openxmlformats.org/drawingml/2006/chart" xmlns:dgm="http://schemas.openxmlformats.org/drawingml/2006/diagram" xmlns:o="urn:schemas-microsoft-com:office:office" xmlns:v="urn:schemas-microsoft-com:vml" xmlns:pvml="urn:schemas-microsoft-com:office:powerpoint" xmlns:com="http://schemas.openxmlformats.org/drawingml/2006/compatibility" xmlns:p14="http://schemas.microsoft.com/office/powerpoint/2010/main" xmlns:p15="http://schemas.microsoft.com/office/powerpoint/2012/main" xmlns:ahyp="http://schemas.microsoft.com/office/drawing/2018/hyperlinkcolor" showMasterPhAnim="0" showMasterSp="0">
+<p:notes xmlns:a="http://schemas.openxmlformats.org/drawingml/2006/main" xmlns:r="http://schemas.openxmlformats.org/officeDocument/2006/relationships" xmlns:p="http://schemas.openxmlformats.org/presentationml/2006/main" showMasterSp="0" showMasterPhAnim="0">
   <p:cSld>
     <p:spTree>
       <p:nvGrpSpPr>
-        <p:cNvPr id="85" name="Shape 85"/>
+        <p:cNvPr id="1" name="Shape 85"/>
         <p:cNvGrpSpPr/>
         <p:nvPr/>
       </p:nvGrpSpPr>
@@ -2124,9 +2213,11 @@
       <p:sp>
         <p:nvSpPr>
           <p:cNvPr id="86" name="Google Shape;86;g2e7e0608662_0_636:notes"/>
-          <p:cNvSpPr/>
+          <p:cNvSpPr>
+            <a:spLocks noGrp="1" noRot="1" noChangeAspect="1"/>
+          </p:cNvSpPr>
           <p:nvPr>
-            <p:ph idx="2" type="sldImg"/>
+            <p:ph type="sldImg" idx="2"/>
           </p:nvPr>
         </p:nvSpPr>
         <p:spPr>
@@ -2135,9 +2226,13 @@
             <a:ext cx="6096000" cy="3429000"/>
           </a:xfrm>
           <a:custGeom>
-            <a:rect b="b" l="l" r="r" t="t"/>
+            <a:avLst/>
+            <a:gdLst/>
+            <a:ahLst/>
+            <a:cxnLst/>
+            <a:rect l="l" t="t" r="r" b="b"/>
             <a:pathLst>
-              <a:path extrusionOk="0" h="120000" w="120000">
+              <a:path w="120000" h="120000" extrusionOk="0">
                 <a:moveTo>
                   <a:pt x="0" y="0"/>
                 </a:moveTo>
@@ -2159,9 +2254,11 @@
       <p:sp>
         <p:nvSpPr>
           <p:cNvPr id="87" name="Google Shape;87;g2e7e0608662_0_636:notes"/>
-          <p:cNvSpPr txBox="1"/>
+          <p:cNvSpPr txBox="1">
+            <a:spLocks noGrp="1"/>
+          </p:cNvSpPr>
           <p:nvPr>
-            <p:ph idx="1" type="body"/>
+            <p:ph type="body" idx="1"/>
           </p:nvPr>
         </p:nvSpPr>
         <p:spPr>
@@ -2174,12 +2271,12 @@
           </a:prstGeom>
         </p:spPr>
         <p:txBody>
-          <a:bodyPr anchorCtr="0" anchor="t" bIns="91425" lIns="91425" spcFirstLastPara="1" rIns="91425" wrap="square" tIns="91425">
+          <a:bodyPr spcFirstLastPara="1" wrap="square" lIns="91425" tIns="91425" rIns="91425" bIns="91425" anchor="t" anchorCtr="0">
             <a:noAutofit/>
           </a:bodyPr>
           <a:lstStyle/>
           <a:p>
-            <a:pPr indent="0" lvl="0" marL="0" rtl="0" algn="l">
+            <a:pPr marL="0" lvl="0" indent="0" algn="l" rtl="0">
               <a:spcBef>
                 <a:spcPts val="0"/>
               </a:spcBef>
@@ -2188,9 +2285,6 @@
               </a:spcAft>
               <a:buNone/>
             </a:pPr>
-            <a:r>
-              <a:t/>
-            </a:r>
             <a:endParaRPr/>
           </a:p>
         </p:txBody>
@@ -2204,11 +2298,11 @@
 </file>
 
 <file path=ppt/notesSlides/notesSlide6.xml><?xml version="1.0" encoding="utf-8"?>
-<p:notes xmlns:a="http://schemas.openxmlformats.org/drawingml/2006/main" xmlns:r="http://schemas.openxmlformats.org/officeDocument/2006/relationships" xmlns:mc="http://schemas.openxmlformats.org/markup-compatibility/2006" xmlns:mv="urn:schemas-microsoft-com:mac:vml" xmlns:p="http://schemas.openxmlformats.org/presentationml/2006/main" xmlns:c="http://schemas.openxmlformats.org/drawingml/2006/chart" xmlns:dgm="http://schemas.openxmlformats.org/drawingml/2006/diagram" xmlns:o="urn:schemas-microsoft-com:office:office" xmlns:v="urn:schemas-microsoft-com:vml" xmlns:pvml="urn:schemas-microsoft-com:office:powerpoint" xmlns:com="http://schemas.openxmlformats.org/drawingml/2006/compatibility" xmlns:p14="http://schemas.microsoft.com/office/powerpoint/2010/main" xmlns:p15="http://schemas.microsoft.com/office/powerpoint/2012/main" xmlns:ahyp="http://schemas.microsoft.com/office/drawing/2018/hyperlinkcolor" showMasterPhAnim="0" showMasterSp="0">
+<p:notes xmlns:a="http://schemas.openxmlformats.org/drawingml/2006/main" xmlns:r="http://schemas.openxmlformats.org/officeDocument/2006/relationships" xmlns:p="http://schemas.openxmlformats.org/presentationml/2006/main" showMasterSp="0" showMasterPhAnim="0">
   <p:cSld>
     <p:spTree>
       <p:nvGrpSpPr>
-        <p:cNvPr id="91" name="Shape 91"/>
+        <p:cNvPr id="1" name="Shape 91"/>
         <p:cNvGrpSpPr/>
         <p:nvPr/>
       </p:nvGrpSpPr>
@@ -2223,9 +2317,11 @@
       <p:sp>
         <p:nvSpPr>
           <p:cNvPr id="92" name="Google Shape;92;g2e8544c7fb0_0_53:notes"/>
-          <p:cNvSpPr/>
+          <p:cNvSpPr>
+            <a:spLocks noGrp="1" noRot="1" noChangeAspect="1"/>
+          </p:cNvSpPr>
           <p:nvPr>
-            <p:ph idx="2" type="sldImg"/>
+            <p:ph type="sldImg" idx="2"/>
           </p:nvPr>
         </p:nvSpPr>
         <p:spPr>
@@ -2234,9 +2330,13 @@
             <a:ext cx="6096000" cy="3429000"/>
           </a:xfrm>
           <a:custGeom>
-            <a:rect b="b" l="l" r="r" t="t"/>
+            <a:avLst/>
+            <a:gdLst/>
+            <a:ahLst/>
+            <a:cxnLst/>
+            <a:rect l="l" t="t" r="r" b="b"/>
             <a:pathLst>
-              <a:path extrusionOk="0" h="120000" w="120000">
+              <a:path w="120000" h="120000" extrusionOk="0">
                 <a:moveTo>
                   <a:pt x="0" y="0"/>
                 </a:moveTo>
@@ -2258,9 +2358,11 @@
       <p:sp>
         <p:nvSpPr>
           <p:cNvPr id="93" name="Google Shape;93;g2e8544c7fb0_0_53:notes"/>
-          <p:cNvSpPr txBox="1"/>
+          <p:cNvSpPr txBox="1">
+            <a:spLocks noGrp="1"/>
+          </p:cNvSpPr>
           <p:nvPr>
-            <p:ph idx="1" type="body"/>
+            <p:ph type="body" idx="1"/>
           </p:nvPr>
         </p:nvSpPr>
         <p:spPr>
@@ -2273,12 +2375,12 @@
           </a:prstGeom>
         </p:spPr>
         <p:txBody>
-          <a:bodyPr anchorCtr="0" anchor="t" bIns="91425" lIns="91425" spcFirstLastPara="1" rIns="91425" wrap="square" tIns="91425">
+          <a:bodyPr spcFirstLastPara="1" wrap="square" lIns="91425" tIns="91425" rIns="91425" bIns="91425" anchor="t" anchorCtr="0">
             <a:noAutofit/>
           </a:bodyPr>
           <a:lstStyle/>
           <a:p>
-            <a:pPr indent="0" lvl="0" marL="0" rtl="0" algn="l">
+            <a:pPr marL="0" lvl="0" indent="0" algn="l" rtl="0">
               <a:spcBef>
                 <a:spcPts val="0"/>
               </a:spcBef>
@@ -2287,9 +2389,6 @@
               </a:spcAft>
               <a:buNone/>
             </a:pPr>
-            <a:r>
-              <a:t/>
-            </a:r>
             <a:endParaRPr/>
           </a:p>
         </p:txBody>
@@ -2303,11 +2402,11 @@
 </file>
 
 <file path=ppt/notesSlides/notesSlide7.xml><?xml version="1.0" encoding="utf-8"?>
-<p:notes xmlns:a="http://schemas.openxmlformats.org/drawingml/2006/main" xmlns:r="http://schemas.openxmlformats.org/officeDocument/2006/relationships" xmlns:mc="http://schemas.openxmlformats.org/markup-compatibility/2006" xmlns:mv="urn:schemas-microsoft-com:mac:vml" xmlns:p="http://schemas.openxmlformats.org/presentationml/2006/main" xmlns:c="http://schemas.openxmlformats.org/drawingml/2006/chart" xmlns:dgm="http://schemas.openxmlformats.org/drawingml/2006/diagram" xmlns:o="urn:schemas-microsoft-com:office:office" xmlns:v="urn:schemas-microsoft-com:vml" xmlns:pvml="urn:schemas-microsoft-com:office:powerpoint" xmlns:com="http://schemas.openxmlformats.org/drawingml/2006/compatibility" xmlns:p14="http://schemas.microsoft.com/office/powerpoint/2010/main" xmlns:p15="http://schemas.microsoft.com/office/powerpoint/2012/main" xmlns:ahyp="http://schemas.microsoft.com/office/drawing/2018/hyperlinkcolor" showMasterPhAnim="0" showMasterSp="0">
+<p:notes xmlns:a="http://schemas.openxmlformats.org/drawingml/2006/main" xmlns:r="http://schemas.openxmlformats.org/officeDocument/2006/relationships" xmlns:p="http://schemas.openxmlformats.org/presentationml/2006/main" showMasterSp="0" showMasterPhAnim="0">
   <p:cSld>
     <p:spTree>
       <p:nvGrpSpPr>
-        <p:cNvPr id="96" name="Shape 96"/>
+        <p:cNvPr id="1" name="Shape 96"/>
         <p:cNvGrpSpPr/>
         <p:nvPr/>
       </p:nvGrpSpPr>
@@ -2322,9 +2421,11 @@
       <p:sp>
         <p:nvSpPr>
           <p:cNvPr id="97" name="Google Shape;97;g2e7e0608662_0_762:notes"/>
-          <p:cNvSpPr/>
+          <p:cNvSpPr>
+            <a:spLocks noGrp="1" noRot="1" noChangeAspect="1"/>
+          </p:cNvSpPr>
           <p:nvPr>
-            <p:ph idx="2" type="sldImg"/>
+            <p:ph type="sldImg" idx="2"/>
           </p:nvPr>
         </p:nvSpPr>
         <p:spPr>
@@ -2333,9 +2434,13 @@
             <a:ext cx="6096000" cy="3429000"/>
           </a:xfrm>
           <a:custGeom>
-            <a:rect b="b" l="l" r="r" t="t"/>
+            <a:avLst/>
+            <a:gdLst/>
+            <a:ahLst/>
+            <a:cxnLst/>
+            <a:rect l="l" t="t" r="r" b="b"/>
             <a:pathLst>
-              <a:path extrusionOk="0" h="120000" w="120000">
+              <a:path w="120000" h="120000" extrusionOk="0">
                 <a:moveTo>
                   <a:pt x="0" y="0"/>
                 </a:moveTo>
@@ -2357,9 +2462,11 @@
       <p:sp>
         <p:nvSpPr>
           <p:cNvPr id="98" name="Google Shape;98;g2e7e0608662_0_762:notes"/>
-          <p:cNvSpPr txBox="1"/>
+          <p:cNvSpPr txBox="1">
+            <a:spLocks noGrp="1"/>
+          </p:cNvSpPr>
           <p:nvPr>
-            <p:ph idx="1" type="body"/>
+            <p:ph type="body" idx="1"/>
           </p:nvPr>
         </p:nvSpPr>
         <p:spPr>
@@ -2372,12 +2479,12 @@
           </a:prstGeom>
         </p:spPr>
         <p:txBody>
-          <a:bodyPr anchorCtr="0" anchor="t" bIns="91425" lIns="91425" spcFirstLastPara="1" rIns="91425" wrap="square" tIns="91425">
+          <a:bodyPr spcFirstLastPara="1" wrap="square" lIns="91425" tIns="91425" rIns="91425" bIns="91425" anchor="t" anchorCtr="0">
             <a:noAutofit/>
           </a:bodyPr>
           <a:lstStyle/>
           <a:p>
-            <a:pPr indent="0" lvl="0" marL="0" rtl="0" algn="l">
+            <a:pPr marL="0" lvl="0" indent="0" algn="l" rtl="0">
               <a:spcBef>
                 <a:spcPts val="0"/>
               </a:spcBef>
@@ -2386,9 +2493,6 @@
               </a:spcAft>
               <a:buNone/>
             </a:pPr>
-            <a:r>
-              <a:t/>
-            </a:r>
             <a:endParaRPr/>
           </a:p>
         </p:txBody>
@@ -2402,11 +2506,11 @@
 </file>
 
 <file path=ppt/notesSlides/notesSlide8.xml><?xml version="1.0" encoding="utf-8"?>
-<p:notes xmlns:a="http://schemas.openxmlformats.org/drawingml/2006/main" xmlns:r="http://schemas.openxmlformats.org/officeDocument/2006/relationships" xmlns:mc="http://schemas.openxmlformats.org/markup-compatibility/2006" xmlns:mv="urn:schemas-microsoft-com:mac:vml" xmlns:p="http://schemas.openxmlformats.org/presentationml/2006/main" xmlns:c="http://schemas.openxmlformats.org/drawingml/2006/chart" xmlns:dgm="http://schemas.openxmlformats.org/drawingml/2006/diagram" xmlns:o="urn:schemas-microsoft-com:office:office" xmlns:v="urn:schemas-microsoft-com:vml" xmlns:pvml="urn:schemas-microsoft-com:office:powerpoint" xmlns:com="http://schemas.openxmlformats.org/drawingml/2006/compatibility" xmlns:p14="http://schemas.microsoft.com/office/powerpoint/2010/main" xmlns:p15="http://schemas.microsoft.com/office/powerpoint/2012/main" xmlns:ahyp="http://schemas.microsoft.com/office/drawing/2018/hyperlinkcolor" showMasterPhAnim="0" showMasterSp="0">
+<p:notes xmlns:a="http://schemas.openxmlformats.org/drawingml/2006/main" xmlns:r="http://schemas.openxmlformats.org/officeDocument/2006/relationships" xmlns:p="http://schemas.openxmlformats.org/presentationml/2006/main" showMasterSp="0" showMasterPhAnim="0">
   <p:cSld>
     <p:spTree>
       <p:nvGrpSpPr>
-        <p:cNvPr id="105" name="Shape 105"/>
+        <p:cNvPr id="1" name="Shape 105"/>
         <p:cNvGrpSpPr/>
         <p:nvPr/>
       </p:nvGrpSpPr>
@@ -2421,20 +2525,26 @@
       <p:sp>
         <p:nvSpPr>
           <p:cNvPr id="106" name="Google Shape;106;g2e7e0608662_0_767:notes"/>
-          <p:cNvSpPr/>
+          <p:cNvSpPr>
+            <a:spLocks noGrp="1" noRot="1" noChangeAspect="1"/>
+          </p:cNvSpPr>
           <p:nvPr>
-            <p:ph idx="2" type="sldImg"/>
+            <p:ph type="sldImg" idx="2"/>
           </p:nvPr>
         </p:nvSpPr>
         <p:spPr>
           <a:xfrm>
-            <a:off x="381300" y="685800"/>
+            <a:off x="381000" y="685800"/>
             <a:ext cx="6096000" cy="3429000"/>
           </a:xfrm>
           <a:custGeom>
-            <a:rect b="b" l="l" r="r" t="t"/>
+            <a:avLst/>
+            <a:gdLst/>
+            <a:ahLst/>
+            <a:cxnLst/>
+            <a:rect l="l" t="t" r="r" b="b"/>
             <a:pathLst>
-              <a:path extrusionOk="0" h="120000" w="120000">
+              <a:path w="120000" h="120000" extrusionOk="0">
                 <a:moveTo>
                   <a:pt x="0" y="0"/>
                 </a:moveTo>
@@ -2456,9 +2566,11 @@
       <p:sp>
         <p:nvSpPr>
           <p:cNvPr id="107" name="Google Shape;107;g2e7e0608662_0_767:notes"/>
-          <p:cNvSpPr txBox="1"/>
+          <p:cNvSpPr txBox="1">
+            <a:spLocks noGrp="1"/>
+          </p:cNvSpPr>
           <p:nvPr>
-            <p:ph idx="1" type="body"/>
+            <p:ph type="body" idx="1"/>
           </p:nvPr>
         </p:nvSpPr>
         <p:spPr>
@@ -2471,12 +2583,12 @@
           </a:prstGeom>
         </p:spPr>
         <p:txBody>
-          <a:bodyPr anchorCtr="0" anchor="t" bIns="91425" lIns="91425" spcFirstLastPara="1" rIns="91425" wrap="square" tIns="91425">
+          <a:bodyPr spcFirstLastPara="1" wrap="square" lIns="91425" tIns="91425" rIns="91425" bIns="91425" anchor="t" anchorCtr="0">
             <a:noAutofit/>
           </a:bodyPr>
           <a:lstStyle/>
           <a:p>
-            <a:pPr indent="0" lvl="0" marL="0" rtl="0" algn="l">
+            <a:pPr marL="0" lvl="0" indent="0" algn="l" rtl="0">
               <a:spcBef>
                 <a:spcPts val="0"/>
               </a:spcBef>
@@ -2485,9 +2597,6 @@
               </a:spcAft>
               <a:buNone/>
             </a:pPr>
-            <a:r>
-              <a:t/>
-            </a:r>
             <a:endParaRPr/>
           </a:p>
         </p:txBody>
@@ -2501,11 +2610,11 @@
 </file>
 
 <file path=ppt/notesSlides/notesSlide9.xml><?xml version="1.0" encoding="utf-8"?>
-<p:notes xmlns:a="http://schemas.openxmlformats.org/drawingml/2006/main" xmlns:r="http://schemas.openxmlformats.org/officeDocument/2006/relationships" xmlns:mc="http://schemas.openxmlformats.org/markup-compatibility/2006" xmlns:mv="urn:schemas-microsoft-com:mac:vml" xmlns:p="http://schemas.openxmlformats.org/presentationml/2006/main" xmlns:c="http://schemas.openxmlformats.org/drawingml/2006/chart" xmlns:dgm="http://schemas.openxmlformats.org/drawingml/2006/diagram" xmlns:o="urn:schemas-microsoft-com:office:office" xmlns:v="urn:schemas-microsoft-com:vml" xmlns:pvml="urn:schemas-microsoft-com:office:powerpoint" xmlns:com="http://schemas.openxmlformats.org/drawingml/2006/compatibility" xmlns:p14="http://schemas.microsoft.com/office/powerpoint/2010/main" xmlns:p15="http://schemas.microsoft.com/office/powerpoint/2012/main" xmlns:ahyp="http://schemas.microsoft.com/office/drawing/2018/hyperlinkcolor" showMasterPhAnim="0" showMasterSp="0">
+<p:notes xmlns:a="http://schemas.openxmlformats.org/drawingml/2006/main" xmlns:r="http://schemas.openxmlformats.org/officeDocument/2006/relationships" xmlns:p="http://schemas.openxmlformats.org/presentationml/2006/main" showMasterSp="0" showMasterPhAnim="0">
   <p:cSld>
     <p:spTree>
       <p:nvGrpSpPr>
-        <p:cNvPr id="112" name="Shape 112"/>
+        <p:cNvPr id="1" name="Shape 112"/>
         <p:cNvGrpSpPr/>
         <p:nvPr/>
       </p:nvGrpSpPr>
@@ -2520,9 +2629,11 @@
       <p:sp>
         <p:nvSpPr>
           <p:cNvPr id="113" name="Google Shape;113;g2e8544c7fb0_0_16:notes"/>
-          <p:cNvSpPr/>
+          <p:cNvSpPr>
+            <a:spLocks noGrp="1" noRot="1" noChangeAspect="1"/>
+          </p:cNvSpPr>
           <p:nvPr>
-            <p:ph idx="2" type="sldImg"/>
+            <p:ph type="sldImg" idx="2"/>
           </p:nvPr>
         </p:nvSpPr>
         <p:spPr>
@@ -2531,9 +2642,13 @@
             <a:ext cx="6096000" cy="3429000"/>
           </a:xfrm>
           <a:custGeom>
-            <a:rect b="b" l="l" r="r" t="t"/>
+            <a:avLst/>
+            <a:gdLst/>
+            <a:ahLst/>
+            <a:cxnLst/>
+            <a:rect l="l" t="t" r="r" b="b"/>
             <a:pathLst>
-              <a:path extrusionOk="0" h="120000" w="120000">
+              <a:path w="120000" h="120000" extrusionOk="0">
                 <a:moveTo>
                   <a:pt x="0" y="0"/>
                 </a:moveTo>
@@ -2555,9 +2670,11 @@
       <p:sp>
         <p:nvSpPr>
           <p:cNvPr id="114" name="Google Shape;114;g2e8544c7fb0_0_16:notes"/>
-          <p:cNvSpPr txBox="1"/>
+          <p:cNvSpPr txBox="1">
+            <a:spLocks noGrp="1"/>
+          </p:cNvSpPr>
           <p:nvPr>
-            <p:ph idx="1" type="body"/>
+            <p:ph type="body" idx="1"/>
           </p:nvPr>
         </p:nvSpPr>
         <p:spPr>
@@ -2570,12 +2687,12 @@
           </a:prstGeom>
         </p:spPr>
         <p:txBody>
-          <a:bodyPr anchorCtr="0" anchor="t" bIns="91425" lIns="91425" spcFirstLastPara="1" rIns="91425" wrap="square" tIns="91425">
+          <a:bodyPr spcFirstLastPara="1" wrap="square" lIns="91425" tIns="91425" rIns="91425" bIns="91425" anchor="t" anchorCtr="0">
             <a:noAutofit/>
           </a:bodyPr>
           <a:lstStyle/>
           <a:p>
-            <a:pPr indent="0" lvl="0" marL="0" rtl="0" algn="l">
+            <a:pPr marL="0" lvl="0" indent="0" algn="l" rtl="0">
               <a:spcBef>
                 <a:spcPts val="0"/>
               </a:spcBef>
@@ -2584,9 +2701,6 @@
               </a:spcAft>
               <a:buNone/>
             </a:pPr>
-            <a:r>
-              <a:t/>
-            </a:r>
             <a:endParaRPr/>
           </a:p>
         </p:txBody>
@@ -2600,11 +2714,11 @@
 </file>
 
 <file path=ppt/slideLayouts/slideLayout1.xml><?xml version="1.0" encoding="utf-8"?>
-<p:sldLayout xmlns:a="http://schemas.openxmlformats.org/drawingml/2006/main" xmlns:r="http://schemas.openxmlformats.org/officeDocument/2006/relationships" xmlns:mc="http://schemas.openxmlformats.org/markup-compatibility/2006" xmlns:mv="urn:schemas-microsoft-com:mac:vml" xmlns:p="http://schemas.openxmlformats.org/presentationml/2006/main" xmlns:c="http://schemas.openxmlformats.org/drawingml/2006/chart" xmlns:dgm="http://schemas.openxmlformats.org/drawingml/2006/diagram" xmlns:o="urn:schemas-microsoft-com:office:office" xmlns:v="urn:schemas-microsoft-com:vml" xmlns:pvml="urn:schemas-microsoft-com:office:powerpoint" xmlns:com="http://schemas.openxmlformats.org/drawingml/2006/compatibility" xmlns:p14="http://schemas.microsoft.com/office/powerpoint/2010/main" xmlns:p15="http://schemas.microsoft.com/office/powerpoint/2012/main" xmlns:ahyp="http://schemas.microsoft.com/office/drawing/2018/hyperlinkcolor" matchingName="Title slide" type="title">
+<p:sldLayout xmlns:a="http://schemas.openxmlformats.org/drawingml/2006/main" xmlns:r="http://schemas.openxmlformats.org/officeDocument/2006/relationships" xmlns:p="http://schemas.openxmlformats.org/presentationml/2006/main" matchingName="Title slide" type="title">
   <p:cSld name="TITLE">
     <p:spTree>
       <p:nvGrpSpPr>
-        <p:cNvPr id="9" name="Shape 9"/>
+        <p:cNvPr id="1" name="Shape 9"/>
         <p:cNvGrpSpPr/>
         <p:nvPr/>
       </p:nvGrpSpPr>
@@ -2631,14 +2745,14 @@
             <a:avLst/>
           </a:prstGeom>
           <a:noFill/>
-          <a:ln cap="flat" cmpd="sng" w="76200">
+          <a:ln w="76200" cap="flat" cmpd="sng">
             <a:solidFill>
               <a:schemeClr val="lt2"/>
             </a:solidFill>
             <a:prstDash val="solid"/>
             <a:round/>
-            <a:headEnd len="sm" w="sm" type="none"/>
-            <a:tailEnd len="sm" w="sm" type="none"/>
+            <a:headEnd type="none" w="sm" len="sm"/>
+            <a:tailEnd type="none" w="sm" len="sm"/>
           </a:ln>
         </p:spPr>
       </p:cxnSp>
@@ -2657,14 +2771,14 @@
             <a:avLst/>
           </a:prstGeom>
           <a:noFill/>
-          <a:ln cap="flat" cmpd="sng" w="76200">
+          <a:ln w="76200" cap="flat" cmpd="sng">
             <a:solidFill>
               <a:schemeClr val="lt2"/>
             </a:solidFill>
             <a:prstDash val="solid"/>
             <a:round/>
-            <a:headEnd len="sm" w="sm" type="none"/>
-            <a:tailEnd len="sm" w="sm" type="none"/>
+            <a:headEnd type="none" w="sm" len="sm"/>
+            <a:tailEnd type="none" w="sm" len="sm"/>
           </a:ln>
         </p:spPr>
       </p:cxnSp>
@@ -2697,14 +2811,14 @@
               <a:avLst/>
             </a:prstGeom>
             <a:noFill/>
-            <a:ln cap="flat" cmpd="sng" w="76200">
+            <a:ln w="76200" cap="flat" cmpd="sng">
               <a:solidFill>
                 <a:schemeClr val="accent3"/>
               </a:solidFill>
               <a:prstDash val="solid"/>
               <a:round/>
-              <a:headEnd len="sm" w="sm" type="none"/>
-              <a:tailEnd len="sm" w="sm" type="none"/>
+              <a:headEnd type="none" w="sm" len="sm"/>
+              <a:tailEnd type="none" w="sm" len="sm"/>
             </a:ln>
           </p:spPr>
         </p:cxnSp>
@@ -2723,14 +2837,14 @@
               <a:avLst/>
             </a:prstGeom>
             <a:noFill/>
-            <a:ln cap="flat" cmpd="sng" w="9525">
+            <a:ln w="9525" cap="flat" cmpd="sng">
               <a:solidFill>
                 <a:schemeClr val="accent3"/>
               </a:solidFill>
               <a:prstDash val="solid"/>
               <a:round/>
-              <a:headEnd len="sm" w="sm" type="none"/>
-              <a:tailEnd len="sm" w="sm" type="none"/>
+              <a:headEnd type="none" w="sm" len="sm"/>
+              <a:tailEnd type="none" w="sm" len="sm"/>
             </a:ln>
           </p:spPr>
         </p:cxnSp>
@@ -2764,14 +2878,14 @@
               <a:avLst/>
             </a:prstGeom>
             <a:noFill/>
-            <a:ln cap="flat" cmpd="sng" w="76200">
+            <a:ln w="76200" cap="flat" cmpd="sng">
               <a:solidFill>
                 <a:schemeClr val="accent3"/>
               </a:solidFill>
               <a:prstDash val="solid"/>
               <a:round/>
-              <a:headEnd len="sm" w="sm" type="none"/>
-              <a:tailEnd len="sm" w="sm" type="none"/>
+              <a:headEnd type="none" w="sm" len="sm"/>
+              <a:tailEnd type="none" w="sm" len="sm"/>
             </a:ln>
           </p:spPr>
         </p:cxnSp>
@@ -2790,14 +2904,14 @@
               <a:avLst/>
             </a:prstGeom>
             <a:noFill/>
-            <a:ln cap="flat" cmpd="sng" w="9525">
+            <a:ln w="9525" cap="flat" cmpd="sng">
               <a:solidFill>
                 <a:schemeClr val="accent3"/>
               </a:solidFill>
               <a:prstDash val="solid"/>
               <a:round/>
-              <a:headEnd len="sm" w="sm" type="none"/>
-              <a:tailEnd len="sm" w="sm" type="none"/>
+              <a:headEnd type="none" w="sm" len="sm"/>
+              <a:tailEnd type="none" w="sm" len="sm"/>
             </a:ln>
           </p:spPr>
         </p:cxnSp>
@@ -2805,7 +2919,9 @@
       <p:sp>
         <p:nvSpPr>
           <p:cNvPr id="18" name="Google Shape;18;p2"/>
-          <p:cNvSpPr txBox="1"/>
+          <p:cNvSpPr txBox="1">
+            <a:spLocks noGrp="1"/>
+          </p:cNvSpPr>
           <p:nvPr>
             <p:ph type="ctrTitle"/>
           </p:nvPr>
@@ -2820,7 +2936,7 @@
           </a:prstGeom>
         </p:spPr>
         <p:txBody>
-          <a:bodyPr anchorCtr="0" anchor="b" bIns="91425" lIns="91425" spcFirstLastPara="1" rIns="91425" wrap="square" tIns="91425">
+          <a:bodyPr spcFirstLastPara="1" wrap="square" lIns="91425" tIns="91425" rIns="91425" bIns="91425" anchor="b" anchorCtr="0">
             <a:normAutofit/>
           </a:bodyPr>
           <a:lstStyle>
@@ -2924,15 +3040,19 @@
               <a:defRPr sz="5400"/>
             </a:lvl9pPr>
           </a:lstStyle>
-          <a:p/>
+          <a:p>
+            <a:endParaRPr/>
+          </a:p>
         </p:txBody>
       </p:sp>
       <p:sp>
         <p:nvSpPr>
           <p:cNvPr id="19" name="Google Shape;19;p2"/>
-          <p:cNvSpPr txBox="1"/>
+          <p:cNvSpPr txBox="1">
+            <a:spLocks noGrp="1"/>
+          </p:cNvSpPr>
           <p:nvPr>
-            <p:ph idx="1" type="subTitle"/>
+            <p:ph type="subTitle" idx="1"/>
           </p:nvPr>
         </p:nvSpPr>
         <p:spPr>
@@ -2945,7 +3065,7 @@
           </a:prstGeom>
         </p:spPr>
         <p:txBody>
-          <a:bodyPr anchorCtr="0" anchor="t" bIns="91425" lIns="91425" spcFirstLastPara="1" rIns="91425" wrap="square" tIns="91425">
+          <a:bodyPr spcFirstLastPara="1" wrap="square" lIns="91425" tIns="91425" rIns="91425" bIns="91425" anchor="t" anchorCtr="0">
             <a:normAutofit/>
           </a:bodyPr>
           <a:lstStyle>
@@ -3076,15 +3196,19 @@
               <a:defRPr sz="2400"/>
             </a:lvl9pPr>
           </a:lstStyle>
-          <a:p/>
+          <a:p>
+            <a:endParaRPr/>
+          </a:p>
         </p:txBody>
       </p:sp>
       <p:sp>
         <p:nvSpPr>
           <p:cNvPr id="20" name="Google Shape;20;p2"/>
-          <p:cNvSpPr txBox="1"/>
+          <p:cNvSpPr txBox="1">
+            <a:spLocks noGrp="1"/>
+          </p:cNvSpPr>
           <p:nvPr>
-            <p:ph idx="12" type="sldNum"/>
+            <p:ph type="sldNum" idx="12"/>
           </p:nvPr>
         </p:nvSpPr>
         <p:spPr>
@@ -3097,7 +3221,7 @@
           </a:prstGeom>
         </p:spPr>
         <p:txBody>
-          <a:bodyPr anchorCtr="0" anchor="ctr" bIns="91425" lIns="91425" spcFirstLastPara="1" rIns="91425" wrap="square" tIns="91425">
+          <a:bodyPr spcFirstLastPara="1" wrap="square" lIns="91425" tIns="91425" rIns="91425" bIns="91425" anchor="ctr" anchorCtr="0">
             <a:normAutofit/>
           </a:bodyPr>
           <a:lstStyle>
@@ -3139,7 +3263,7 @@
             </a:lvl9pPr>
           </a:lstStyle>
           <a:p>
-            <a:pPr indent="0" lvl="0" marL="0" rtl="0" algn="r">
+            <a:pPr marL="0" lvl="0" indent="0" algn="r" rtl="0">
               <a:spcBef>
                 <a:spcPts val="0"/>
               </a:spcBef>
@@ -3165,11 +3289,11 @@
 </file>
 
 <file path=ppt/slideLayouts/slideLayout10.xml><?xml version="1.0" encoding="utf-8"?>
-<p:sldLayout xmlns:a="http://schemas.openxmlformats.org/drawingml/2006/main" xmlns:r="http://schemas.openxmlformats.org/officeDocument/2006/relationships" xmlns:mc="http://schemas.openxmlformats.org/markup-compatibility/2006" xmlns:mv="urn:schemas-microsoft-com:mac:vml" xmlns:p="http://schemas.openxmlformats.org/presentationml/2006/main" xmlns:c="http://schemas.openxmlformats.org/drawingml/2006/chart" xmlns:dgm="http://schemas.openxmlformats.org/drawingml/2006/diagram" xmlns:o="urn:schemas-microsoft-com:office:office" xmlns:v="urn:schemas-microsoft-com:vml" xmlns:pvml="urn:schemas-microsoft-com:office:powerpoint" xmlns:com="http://schemas.openxmlformats.org/drawingml/2006/compatibility" xmlns:p14="http://schemas.microsoft.com/office/powerpoint/2010/main" xmlns:p15="http://schemas.microsoft.com/office/powerpoint/2012/main" xmlns:ahyp="http://schemas.microsoft.com/office/drawing/2018/hyperlinkcolor" matchingName="Big number">
+<p:sldLayout xmlns:a="http://schemas.openxmlformats.org/drawingml/2006/main" xmlns:r="http://schemas.openxmlformats.org/officeDocument/2006/relationships" xmlns:p="http://schemas.openxmlformats.org/presentationml/2006/main" matchingName="Big number">
   <p:cSld name="BIG_NUMBER">
     <p:spTree>
       <p:nvGrpSpPr>
-        <p:cNvPr id="55" name="Shape 55"/>
+        <p:cNvPr id="1" name="Shape 55"/>
         <p:cNvGrpSpPr/>
         <p:nvPr/>
       </p:nvGrpSpPr>
@@ -3203,12 +3327,12 @@
           </a:ln>
         </p:spPr>
         <p:txBody>
-          <a:bodyPr anchorCtr="0" anchor="ctr" bIns="91425" lIns="91425" spcFirstLastPara="1" rIns="91425" wrap="square" tIns="91425">
+          <a:bodyPr spcFirstLastPara="1" wrap="square" lIns="91425" tIns="91425" rIns="91425" bIns="91425" anchor="ctr" anchorCtr="0">
             <a:noAutofit/>
           </a:bodyPr>
           <a:lstStyle/>
           <a:p>
-            <a:pPr indent="0" lvl="0" marL="0" rtl="0" algn="l">
+            <a:pPr marL="0" lvl="0" indent="0" algn="l" rtl="0">
               <a:spcBef>
                 <a:spcPts val="0"/>
               </a:spcBef>
@@ -3217,9 +3341,6 @@
               </a:spcAft>
               <a:buNone/>
             </a:pPr>
-            <a:r>
-              <a:t/>
-            </a:r>
             <a:endParaRPr/>
           </a:p>
         </p:txBody>
@@ -3227,9 +3348,11 @@
       <p:sp>
         <p:nvSpPr>
           <p:cNvPr id="57" name="Google Shape;57;p11"/>
-          <p:cNvSpPr txBox="1"/>
+          <p:cNvSpPr txBox="1">
+            <a:spLocks noGrp="1"/>
+          </p:cNvSpPr>
           <p:nvPr>
-            <p:ph hasCustomPrompt="1" type="title"/>
+            <p:ph type="title" hasCustomPrompt="1"/>
           </p:nvPr>
         </p:nvSpPr>
         <p:spPr>
@@ -3242,7 +3365,7 @@
           </a:prstGeom>
         </p:spPr>
         <p:txBody>
-          <a:bodyPr anchorCtr="0" anchor="ctr" bIns="91425" lIns="91425" spcFirstLastPara="1" rIns="91425" wrap="square" tIns="91425">
+          <a:bodyPr spcFirstLastPara="1" wrap="square" lIns="91425" tIns="91425" rIns="91425" bIns="91425" anchor="ctr" anchorCtr="0">
             <a:normAutofit/>
           </a:bodyPr>
           <a:lstStyle>
@@ -3419,9 +3542,11 @@
       <p:sp>
         <p:nvSpPr>
           <p:cNvPr id="58" name="Google Shape;58;p11"/>
-          <p:cNvSpPr txBox="1"/>
+          <p:cNvSpPr txBox="1">
+            <a:spLocks noGrp="1"/>
+          </p:cNvSpPr>
           <p:nvPr>
-            <p:ph idx="1" type="body"/>
+            <p:ph type="body" idx="1"/>
           </p:nvPr>
         </p:nvSpPr>
         <p:spPr>
@@ -3434,11 +3559,11 @@
           </a:prstGeom>
         </p:spPr>
         <p:txBody>
-          <a:bodyPr anchorCtr="0" anchor="t" bIns="91425" lIns="91425" spcFirstLastPara="1" rIns="91425" wrap="square" tIns="91425">
+          <a:bodyPr spcFirstLastPara="1" wrap="square" lIns="91425" tIns="91425" rIns="91425" bIns="91425" anchor="t" anchorCtr="0">
             <a:normAutofit/>
           </a:bodyPr>
           <a:lstStyle>
-            <a:lvl1pPr indent="-342900" lvl="0" marL="457200" algn="ctr">
+            <a:lvl1pPr marL="457200" lvl="0" indent="-342900" algn="ctr">
               <a:spcBef>
                 <a:spcPts val="0"/>
               </a:spcBef>
@@ -3449,7 +3574,7 @@
               <a:buChar char="●"/>
               <a:defRPr/>
             </a:lvl1pPr>
-            <a:lvl2pPr indent="-317500" lvl="1" marL="914400" algn="ctr">
+            <a:lvl2pPr marL="914400" lvl="1" indent="-317500" algn="ctr">
               <a:spcBef>
                 <a:spcPts val="0"/>
               </a:spcBef>
@@ -3460,7 +3585,7 @@
               <a:buChar char="○"/>
               <a:defRPr/>
             </a:lvl2pPr>
-            <a:lvl3pPr indent="-317500" lvl="2" marL="1371600" algn="ctr">
+            <a:lvl3pPr marL="1371600" lvl="2" indent="-317500" algn="ctr">
               <a:spcBef>
                 <a:spcPts val="0"/>
               </a:spcBef>
@@ -3471,7 +3596,7 @@
               <a:buChar char="■"/>
               <a:defRPr/>
             </a:lvl3pPr>
-            <a:lvl4pPr indent="-317500" lvl="3" marL="1828800" algn="ctr">
+            <a:lvl4pPr marL="1828800" lvl="3" indent="-317500" algn="ctr">
               <a:spcBef>
                 <a:spcPts val="0"/>
               </a:spcBef>
@@ -3482,7 +3607,7 @@
               <a:buChar char="●"/>
               <a:defRPr/>
             </a:lvl4pPr>
-            <a:lvl5pPr indent="-317500" lvl="4" marL="2286000" algn="ctr">
+            <a:lvl5pPr marL="2286000" lvl="4" indent="-317500" algn="ctr">
               <a:spcBef>
                 <a:spcPts val="0"/>
               </a:spcBef>
@@ -3493,7 +3618,7 @@
               <a:buChar char="○"/>
               <a:defRPr/>
             </a:lvl5pPr>
-            <a:lvl6pPr indent="-317500" lvl="5" marL="2743200" algn="ctr">
+            <a:lvl6pPr marL="2743200" lvl="5" indent="-317500" algn="ctr">
               <a:spcBef>
                 <a:spcPts val="0"/>
               </a:spcBef>
@@ -3504,7 +3629,7 @@
               <a:buChar char="■"/>
               <a:defRPr/>
             </a:lvl6pPr>
-            <a:lvl7pPr indent="-317500" lvl="6" marL="3200400" algn="ctr">
+            <a:lvl7pPr marL="3200400" lvl="6" indent="-317500" algn="ctr">
               <a:spcBef>
                 <a:spcPts val="0"/>
               </a:spcBef>
@@ -3515,7 +3640,7 @@
               <a:buChar char="●"/>
               <a:defRPr/>
             </a:lvl7pPr>
-            <a:lvl8pPr indent="-317500" lvl="7" marL="3657600" algn="ctr">
+            <a:lvl8pPr marL="3657600" lvl="7" indent="-317500" algn="ctr">
               <a:spcBef>
                 <a:spcPts val="0"/>
               </a:spcBef>
@@ -3526,7 +3651,7 @@
               <a:buChar char="○"/>
               <a:defRPr/>
             </a:lvl8pPr>
-            <a:lvl9pPr indent="-317500" lvl="8" marL="4114800" algn="ctr">
+            <a:lvl9pPr marL="4114800" lvl="8" indent="-317500" algn="ctr">
               <a:spcBef>
                 <a:spcPts val="0"/>
               </a:spcBef>
@@ -3538,15 +3663,19 @@
               <a:defRPr/>
             </a:lvl9pPr>
           </a:lstStyle>
-          <a:p/>
+          <a:p>
+            <a:endParaRPr/>
+          </a:p>
         </p:txBody>
       </p:sp>
       <p:sp>
         <p:nvSpPr>
           <p:cNvPr id="59" name="Google Shape;59;p11"/>
-          <p:cNvSpPr txBox="1"/>
+          <p:cNvSpPr txBox="1">
+            <a:spLocks noGrp="1"/>
+          </p:cNvSpPr>
           <p:nvPr>
-            <p:ph idx="12" type="sldNum"/>
+            <p:ph type="sldNum" idx="12"/>
           </p:nvPr>
         </p:nvSpPr>
         <p:spPr>
@@ -3559,7 +3688,7 @@
           </a:prstGeom>
         </p:spPr>
         <p:txBody>
-          <a:bodyPr anchorCtr="0" anchor="ctr" bIns="91425" lIns="91425" spcFirstLastPara="1" rIns="91425" wrap="square" tIns="91425">
+          <a:bodyPr spcFirstLastPara="1" wrap="square" lIns="91425" tIns="91425" rIns="91425" bIns="91425" anchor="ctr" anchorCtr="0">
             <a:normAutofit/>
           </a:bodyPr>
           <a:lstStyle>
@@ -3601,7 +3730,7 @@
             </a:lvl9pPr>
           </a:lstStyle>
           <a:p>
-            <a:pPr indent="0" lvl="0" marL="0" rtl="0" algn="r">
+            <a:pPr marL="0" lvl="0" indent="0" algn="r" rtl="0">
               <a:spcBef>
                 <a:spcPts val="0"/>
               </a:spcBef>
@@ -3627,11 +3756,11 @@
 </file>
 
 <file path=ppt/slideLayouts/slideLayout11.xml><?xml version="1.0" encoding="utf-8"?>
-<p:sldLayout xmlns:a="http://schemas.openxmlformats.org/drawingml/2006/main" xmlns:r="http://schemas.openxmlformats.org/officeDocument/2006/relationships" xmlns:mc="http://schemas.openxmlformats.org/markup-compatibility/2006" xmlns:mv="urn:schemas-microsoft-com:mac:vml" xmlns:p="http://schemas.openxmlformats.org/presentationml/2006/main" xmlns:c="http://schemas.openxmlformats.org/drawingml/2006/chart" xmlns:dgm="http://schemas.openxmlformats.org/drawingml/2006/diagram" xmlns:o="urn:schemas-microsoft-com:office:office" xmlns:v="urn:schemas-microsoft-com:vml" xmlns:pvml="urn:schemas-microsoft-com:office:powerpoint" xmlns:com="http://schemas.openxmlformats.org/drawingml/2006/compatibility" xmlns:p14="http://schemas.microsoft.com/office/powerpoint/2010/main" xmlns:p15="http://schemas.microsoft.com/office/powerpoint/2012/main" xmlns:ahyp="http://schemas.microsoft.com/office/drawing/2018/hyperlinkcolor" matchingName="Blank" type="blank">
+<p:sldLayout xmlns:a="http://schemas.openxmlformats.org/drawingml/2006/main" xmlns:r="http://schemas.openxmlformats.org/officeDocument/2006/relationships" xmlns:p="http://schemas.openxmlformats.org/presentationml/2006/main" matchingName="Blank" type="blank">
   <p:cSld name="BLANK">
     <p:spTree>
       <p:nvGrpSpPr>
-        <p:cNvPr id="60" name="Shape 60"/>
+        <p:cNvPr id="1" name="Shape 60"/>
         <p:cNvGrpSpPr/>
         <p:nvPr/>
       </p:nvGrpSpPr>
@@ -3646,9 +3775,11 @@
       <p:sp>
         <p:nvSpPr>
           <p:cNvPr id="61" name="Google Shape;61;p12"/>
-          <p:cNvSpPr txBox="1"/>
+          <p:cNvSpPr txBox="1">
+            <a:spLocks noGrp="1"/>
+          </p:cNvSpPr>
           <p:nvPr>
-            <p:ph idx="12" type="sldNum"/>
+            <p:ph type="sldNum" idx="12"/>
           </p:nvPr>
         </p:nvSpPr>
         <p:spPr>
@@ -3661,7 +3792,7 @@
           </a:prstGeom>
         </p:spPr>
         <p:txBody>
-          <a:bodyPr anchorCtr="0" anchor="ctr" bIns="91425" lIns="91425" spcFirstLastPara="1" rIns="91425" wrap="square" tIns="91425">
+          <a:bodyPr spcFirstLastPara="1" wrap="square" lIns="91425" tIns="91425" rIns="91425" bIns="91425" anchor="ctr" anchorCtr="0">
             <a:normAutofit/>
           </a:bodyPr>
           <a:lstStyle>
@@ -3703,7 +3834,7 @@
             </a:lvl9pPr>
           </a:lstStyle>
           <a:p>
-            <a:pPr indent="0" lvl="0" marL="0" rtl="0" algn="r">
+            <a:pPr marL="0" lvl="0" indent="0" algn="r" rtl="0">
               <a:spcBef>
                 <a:spcPts val="0"/>
               </a:spcBef>
@@ -3729,11 +3860,11 @@
 </file>
 
 <file path=ppt/slideLayouts/slideLayout2.xml><?xml version="1.0" encoding="utf-8"?>
-<p:sldLayout xmlns:a="http://schemas.openxmlformats.org/drawingml/2006/main" xmlns:r="http://schemas.openxmlformats.org/officeDocument/2006/relationships" xmlns:mc="http://schemas.openxmlformats.org/markup-compatibility/2006" xmlns:mv="urn:schemas-microsoft-com:mac:vml" xmlns:p="http://schemas.openxmlformats.org/presentationml/2006/main" xmlns:c="http://schemas.openxmlformats.org/drawingml/2006/chart" xmlns:dgm="http://schemas.openxmlformats.org/drawingml/2006/diagram" xmlns:o="urn:schemas-microsoft-com:office:office" xmlns:v="urn:schemas-microsoft-com:vml" xmlns:pvml="urn:schemas-microsoft-com:office:powerpoint" xmlns:com="http://schemas.openxmlformats.org/drawingml/2006/compatibility" xmlns:p14="http://schemas.microsoft.com/office/powerpoint/2010/main" xmlns:p15="http://schemas.microsoft.com/office/powerpoint/2012/main" xmlns:ahyp="http://schemas.microsoft.com/office/drawing/2018/hyperlinkcolor" matchingName="Section header" type="secHead">
+<p:sldLayout xmlns:a="http://schemas.openxmlformats.org/drawingml/2006/main" xmlns:r="http://schemas.openxmlformats.org/officeDocument/2006/relationships" xmlns:p="http://schemas.openxmlformats.org/presentationml/2006/main" matchingName="Section header" type="secHead">
   <p:cSld name="SECTION_HEADER">
     <p:spTree>
       <p:nvGrpSpPr>
-        <p:cNvPr id="21" name="Shape 21"/>
+        <p:cNvPr id="1" name="Shape 21"/>
         <p:cNvGrpSpPr/>
         <p:nvPr/>
       </p:nvGrpSpPr>
@@ -3767,12 +3898,12 @@
           </a:ln>
         </p:spPr>
         <p:txBody>
-          <a:bodyPr anchorCtr="0" anchor="ctr" bIns="91425" lIns="91425" spcFirstLastPara="1" rIns="91425" wrap="square" tIns="91425">
+          <a:bodyPr spcFirstLastPara="1" wrap="square" lIns="91425" tIns="91425" rIns="91425" bIns="91425" anchor="ctr" anchorCtr="0">
             <a:noAutofit/>
           </a:bodyPr>
           <a:lstStyle/>
           <a:p>
-            <a:pPr indent="0" lvl="0" marL="0" rtl="0" algn="l">
+            <a:pPr marL="0" lvl="0" indent="0" algn="l" rtl="0">
               <a:spcBef>
                 <a:spcPts val="0"/>
               </a:spcBef>
@@ -3781,9 +3912,6 @@
               </a:spcAft>
               <a:buNone/>
             </a:pPr>
-            <a:r>
-              <a:t/>
-            </a:r>
             <a:endParaRPr/>
           </a:p>
         </p:txBody>
@@ -3791,7 +3919,9 @@
       <p:sp>
         <p:nvSpPr>
           <p:cNvPr id="23" name="Google Shape;23;p3"/>
-          <p:cNvSpPr txBox="1"/>
+          <p:cNvSpPr txBox="1">
+            <a:spLocks noGrp="1"/>
+          </p:cNvSpPr>
           <p:nvPr>
             <p:ph type="title"/>
           </p:nvPr>
@@ -3806,7 +3936,7 @@
           </a:prstGeom>
         </p:spPr>
         <p:txBody>
-          <a:bodyPr anchorCtr="0" anchor="ctr" bIns="91425" lIns="91425" spcFirstLastPara="1" rIns="91425" wrap="square" tIns="91425">
+          <a:bodyPr spcFirstLastPara="1" wrap="square" lIns="91425" tIns="91425" rIns="91425" bIns="91425" anchor="ctr" anchorCtr="0">
             <a:normAutofit/>
           </a:bodyPr>
           <a:lstStyle>
@@ -3910,15 +4040,19 @@
               <a:defRPr/>
             </a:lvl9pPr>
           </a:lstStyle>
-          <a:p/>
+          <a:p>
+            <a:endParaRPr/>
+          </a:p>
         </p:txBody>
       </p:sp>
       <p:sp>
         <p:nvSpPr>
           <p:cNvPr id="24" name="Google Shape;24;p3"/>
-          <p:cNvSpPr txBox="1"/>
+          <p:cNvSpPr txBox="1">
+            <a:spLocks noGrp="1"/>
+          </p:cNvSpPr>
           <p:nvPr>
-            <p:ph idx="12" type="sldNum"/>
+            <p:ph type="sldNum" idx="12"/>
           </p:nvPr>
         </p:nvSpPr>
         <p:spPr>
@@ -3931,7 +4065,7 @@
           </a:prstGeom>
         </p:spPr>
         <p:txBody>
-          <a:bodyPr anchorCtr="0" anchor="ctr" bIns="91425" lIns="91425" spcFirstLastPara="1" rIns="91425" wrap="square" tIns="91425">
+          <a:bodyPr spcFirstLastPara="1" wrap="square" lIns="91425" tIns="91425" rIns="91425" bIns="91425" anchor="ctr" anchorCtr="0">
             <a:normAutofit/>
           </a:bodyPr>
           <a:lstStyle>
@@ -4009,7 +4143,7 @@
             </a:lvl9pPr>
           </a:lstStyle>
           <a:p>
-            <a:pPr indent="0" lvl="0" marL="0" rtl="0" algn="r">
+            <a:pPr marL="0" lvl="0" indent="0" algn="r" rtl="0">
               <a:spcBef>
                 <a:spcPts val="0"/>
               </a:spcBef>
@@ -4035,11 +4169,11 @@
 </file>
 
 <file path=ppt/slideLayouts/slideLayout3.xml><?xml version="1.0" encoding="utf-8"?>
-<p:sldLayout xmlns:a="http://schemas.openxmlformats.org/drawingml/2006/main" xmlns:r="http://schemas.openxmlformats.org/officeDocument/2006/relationships" xmlns:mc="http://schemas.openxmlformats.org/markup-compatibility/2006" xmlns:mv="urn:schemas-microsoft-com:mac:vml" xmlns:p="http://schemas.openxmlformats.org/presentationml/2006/main" xmlns:c="http://schemas.openxmlformats.org/drawingml/2006/chart" xmlns:dgm="http://schemas.openxmlformats.org/drawingml/2006/diagram" xmlns:o="urn:schemas-microsoft-com:office:office" xmlns:v="urn:schemas-microsoft-com:vml" xmlns:pvml="urn:schemas-microsoft-com:office:powerpoint" xmlns:com="http://schemas.openxmlformats.org/drawingml/2006/compatibility" xmlns:p14="http://schemas.microsoft.com/office/powerpoint/2010/main" xmlns:p15="http://schemas.microsoft.com/office/powerpoint/2012/main" xmlns:ahyp="http://schemas.microsoft.com/office/drawing/2018/hyperlinkcolor" matchingName="Title and body" type="tx">
+<p:sldLayout xmlns:a="http://schemas.openxmlformats.org/drawingml/2006/main" xmlns:r="http://schemas.openxmlformats.org/officeDocument/2006/relationships" xmlns:p="http://schemas.openxmlformats.org/presentationml/2006/main" matchingName="Title and body" type="tx">
   <p:cSld name="TITLE_AND_BODY">
     <p:spTree>
       <p:nvGrpSpPr>
-        <p:cNvPr id="25" name="Shape 25"/>
+        <p:cNvPr id="1" name="Shape 25"/>
         <p:cNvGrpSpPr/>
         <p:nvPr/>
       </p:nvGrpSpPr>
@@ -4073,12 +4207,12 @@
           </a:ln>
         </p:spPr>
         <p:txBody>
-          <a:bodyPr anchorCtr="0" anchor="ctr" bIns="91425" lIns="91425" spcFirstLastPara="1" rIns="91425" wrap="square" tIns="91425">
+          <a:bodyPr spcFirstLastPara="1" wrap="square" lIns="91425" tIns="91425" rIns="91425" bIns="91425" anchor="ctr" anchorCtr="0">
             <a:noAutofit/>
           </a:bodyPr>
           <a:lstStyle/>
           <a:p>
-            <a:pPr indent="0" lvl="0" marL="0" rtl="0" algn="l">
+            <a:pPr marL="0" lvl="0" indent="0" algn="l" rtl="0">
               <a:spcBef>
                 <a:spcPts val="0"/>
               </a:spcBef>
@@ -4087,9 +4221,6 @@
               </a:spcAft>
               <a:buNone/>
             </a:pPr>
-            <a:r>
-              <a:t/>
-            </a:r>
             <a:endParaRPr/>
           </a:p>
         </p:txBody>
@@ -4097,7 +4228,9 @@
       <p:sp>
         <p:nvSpPr>
           <p:cNvPr id="27" name="Google Shape;27;p4"/>
-          <p:cNvSpPr txBox="1"/>
+          <p:cNvSpPr txBox="1">
+            <a:spLocks noGrp="1"/>
+          </p:cNvSpPr>
           <p:nvPr>
             <p:ph type="title"/>
           </p:nvPr>
@@ -4112,7 +4245,7 @@
           </a:prstGeom>
         </p:spPr>
         <p:txBody>
-          <a:bodyPr anchorCtr="0" anchor="t" bIns="91425" lIns="91425" spcFirstLastPara="1" rIns="91425" wrap="square" tIns="91425">
+          <a:bodyPr spcFirstLastPara="1" wrap="square" lIns="91425" tIns="91425" rIns="91425" bIns="91425" anchor="t" anchorCtr="0">
             <a:normAutofit/>
           </a:bodyPr>
           <a:lstStyle>
@@ -4216,15 +4349,19 @@
               <a:defRPr/>
             </a:lvl9pPr>
           </a:lstStyle>
-          <a:p/>
+          <a:p>
+            <a:endParaRPr/>
+          </a:p>
         </p:txBody>
       </p:sp>
       <p:sp>
         <p:nvSpPr>
           <p:cNvPr id="28" name="Google Shape;28;p4"/>
-          <p:cNvSpPr txBox="1"/>
+          <p:cNvSpPr txBox="1">
+            <a:spLocks noGrp="1"/>
+          </p:cNvSpPr>
           <p:nvPr>
-            <p:ph idx="1" type="body"/>
+            <p:ph type="body" idx="1"/>
           </p:nvPr>
         </p:nvSpPr>
         <p:spPr>
@@ -4237,11 +4374,11 @@
           </a:prstGeom>
         </p:spPr>
         <p:txBody>
-          <a:bodyPr anchorCtr="0" anchor="t" bIns="91425" lIns="91425" spcFirstLastPara="1" rIns="91425" wrap="square" tIns="91425">
+          <a:bodyPr spcFirstLastPara="1" wrap="square" lIns="91425" tIns="91425" rIns="91425" bIns="91425" anchor="t" anchorCtr="0">
             <a:normAutofit/>
           </a:bodyPr>
           <a:lstStyle>
-            <a:lvl1pPr indent="-342900" lvl="0" marL="457200">
+            <a:lvl1pPr marL="457200" lvl="0" indent="-342900">
               <a:spcBef>
                 <a:spcPts val="0"/>
               </a:spcBef>
@@ -4252,7 +4389,7 @@
               <a:buChar char="●"/>
               <a:defRPr/>
             </a:lvl1pPr>
-            <a:lvl2pPr indent="-317500" lvl="1" marL="914400">
+            <a:lvl2pPr marL="914400" lvl="1" indent="-317500">
               <a:spcBef>
                 <a:spcPts val="0"/>
               </a:spcBef>
@@ -4263,7 +4400,7 @@
               <a:buChar char="○"/>
               <a:defRPr/>
             </a:lvl2pPr>
-            <a:lvl3pPr indent="-317500" lvl="2" marL="1371600">
+            <a:lvl3pPr marL="1371600" lvl="2" indent="-317500">
               <a:spcBef>
                 <a:spcPts val="0"/>
               </a:spcBef>
@@ -4274,7 +4411,7 @@
               <a:buChar char="■"/>
               <a:defRPr/>
             </a:lvl3pPr>
-            <a:lvl4pPr indent="-317500" lvl="3" marL="1828800">
+            <a:lvl4pPr marL="1828800" lvl="3" indent="-317500">
               <a:spcBef>
                 <a:spcPts val="0"/>
               </a:spcBef>
@@ -4285,7 +4422,7 @@
               <a:buChar char="●"/>
               <a:defRPr/>
             </a:lvl4pPr>
-            <a:lvl5pPr indent="-317500" lvl="4" marL="2286000">
+            <a:lvl5pPr marL="2286000" lvl="4" indent="-317500">
               <a:spcBef>
                 <a:spcPts val="0"/>
               </a:spcBef>
@@ -4296,7 +4433,7 @@
               <a:buChar char="○"/>
               <a:defRPr/>
             </a:lvl5pPr>
-            <a:lvl6pPr indent="-317500" lvl="5" marL="2743200">
+            <a:lvl6pPr marL="2743200" lvl="5" indent="-317500">
               <a:spcBef>
                 <a:spcPts val="0"/>
               </a:spcBef>
@@ -4307,7 +4444,7 @@
               <a:buChar char="■"/>
               <a:defRPr/>
             </a:lvl6pPr>
-            <a:lvl7pPr indent="-317500" lvl="6" marL="3200400">
+            <a:lvl7pPr marL="3200400" lvl="6" indent="-317500">
               <a:spcBef>
                 <a:spcPts val="0"/>
               </a:spcBef>
@@ -4318,7 +4455,7 @@
               <a:buChar char="●"/>
               <a:defRPr/>
             </a:lvl7pPr>
-            <a:lvl8pPr indent="-317500" lvl="7" marL="3657600">
+            <a:lvl8pPr marL="3657600" lvl="7" indent="-317500">
               <a:spcBef>
                 <a:spcPts val="0"/>
               </a:spcBef>
@@ -4329,7 +4466,7 @@
               <a:buChar char="○"/>
               <a:defRPr/>
             </a:lvl8pPr>
-            <a:lvl9pPr indent="-317500" lvl="8" marL="4114800">
+            <a:lvl9pPr marL="4114800" lvl="8" indent="-317500">
               <a:spcBef>
                 <a:spcPts val="0"/>
               </a:spcBef>
@@ -4341,15 +4478,19 @@
               <a:defRPr/>
             </a:lvl9pPr>
           </a:lstStyle>
-          <a:p/>
+          <a:p>
+            <a:endParaRPr/>
+          </a:p>
         </p:txBody>
       </p:sp>
       <p:sp>
         <p:nvSpPr>
           <p:cNvPr id="29" name="Google Shape;29;p4"/>
-          <p:cNvSpPr txBox="1"/>
+          <p:cNvSpPr txBox="1">
+            <a:spLocks noGrp="1"/>
+          </p:cNvSpPr>
           <p:nvPr>
-            <p:ph idx="12" type="sldNum"/>
+            <p:ph type="sldNum" idx="12"/>
           </p:nvPr>
         </p:nvSpPr>
         <p:spPr>
@@ -4362,7 +4503,7 @@
           </a:prstGeom>
         </p:spPr>
         <p:txBody>
-          <a:bodyPr anchorCtr="0" anchor="ctr" bIns="91425" lIns="91425" spcFirstLastPara="1" rIns="91425" wrap="square" tIns="91425">
+          <a:bodyPr spcFirstLastPara="1" wrap="square" lIns="91425" tIns="91425" rIns="91425" bIns="91425" anchor="ctr" anchorCtr="0">
             <a:normAutofit/>
           </a:bodyPr>
           <a:lstStyle>
@@ -4404,7 +4545,7 @@
             </a:lvl9pPr>
           </a:lstStyle>
           <a:p>
-            <a:pPr indent="0" lvl="0" marL="0" rtl="0" algn="r">
+            <a:pPr marL="0" lvl="0" indent="0" algn="r" rtl="0">
               <a:spcBef>
                 <a:spcPts val="0"/>
               </a:spcBef>
@@ -4430,11 +4571,11 @@
 </file>
 
 <file path=ppt/slideLayouts/slideLayout4.xml><?xml version="1.0" encoding="utf-8"?>
-<p:sldLayout xmlns:a="http://schemas.openxmlformats.org/drawingml/2006/main" xmlns:r="http://schemas.openxmlformats.org/officeDocument/2006/relationships" xmlns:mc="http://schemas.openxmlformats.org/markup-compatibility/2006" xmlns:mv="urn:schemas-microsoft-com:mac:vml" xmlns:p="http://schemas.openxmlformats.org/presentationml/2006/main" xmlns:c="http://schemas.openxmlformats.org/drawingml/2006/chart" xmlns:dgm="http://schemas.openxmlformats.org/drawingml/2006/diagram" xmlns:o="urn:schemas-microsoft-com:office:office" xmlns:v="urn:schemas-microsoft-com:vml" xmlns:pvml="urn:schemas-microsoft-com:office:powerpoint" xmlns:com="http://schemas.openxmlformats.org/drawingml/2006/compatibility" xmlns:p14="http://schemas.microsoft.com/office/powerpoint/2010/main" xmlns:p15="http://schemas.microsoft.com/office/powerpoint/2012/main" xmlns:ahyp="http://schemas.microsoft.com/office/drawing/2018/hyperlinkcolor" matchingName="Title and two columns" type="twoColTx">
+<p:sldLayout xmlns:a="http://schemas.openxmlformats.org/drawingml/2006/main" xmlns:r="http://schemas.openxmlformats.org/officeDocument/2006/relationships" xmlns:p="http://schemas.openxmlformats.org/presentationml/2006/main" matchingName="Title and two columns" type="twoColTx">
   <p:cSld name="TITLE_AND_TWO_COLUMNS">
     <p:spTree>
       <p:nvGrpSpPr>
-        <p:cNvPr id="30" name="Shape 30"/>
+        <p:cNvPr id="1" name="Shape 30"/>
         <p:cNvGrpSpPr/>
         <p:nvPr/>
       </p:nvGrpSpPr>
@@ -4449,7 +4590,9 @@
       <p:sp>
         <p:nvSpPr>
           <p:cNvPr id="31" name="Google Shape;31;p5"/>
-          <p:cNvSpPr txBox="1"/>
+          <p:cNvSpPr txBox="1">
+            <a:spLocks noGrp="1"/>
+          </p:cNvSpPr>
           <p:nvPr>
             <p:ph type="title"/>
           </p:nvPr>
@@ -4464,7 +4607,7 @@
           </a:prstGeom>
         </p:spPr>
         <p:txBody>
-          <a:bodyPr anchorCtr="0" anchor="t" bIns="91425" lIns="91425" spcFirstLastPara="1" rIns="91425" wrap="square" tIns="91425">
+          <a:bodyPr spcFirstLastPara="1" wrap="square" lIns="91425" tIns="91425" rIns="91425" bIns="91425" anchor="t" anchorCtr="0">
             <a:normAutofit/>
           </a:bodyPr>
           <a:lstStyle>
@@ -4568,15 +4711,19 @@
               <a:defRPr/>
             </a:lvl9pPr>
           </a:lstStyle>
-          <a:p/>
+          <a:p>
+            <a:endParaRPr/>
+          </a:p>
         </p:txBody>
       </p:sp>
       <p:sp>
         <p:nvSpPr>
           <p:cNvPr id="32" name="Google Shape;32;p5"/>
-          <p:cNvSpPr txBox="1"/>
+          <p:cNvSpPr txBox="1">
+            <a:spLocks noGrp="1"/>
+          </p:cNvSpPr>
           <p:nvPr>
-            <p:ph idx="1" type="body"/>
+            <p:ph type="body" idx="1"/>
           </p:nvPr>
         </p:nvSpPr>
         <p:spPr>
@@ -4589,11 +4736,11 @@
           </a:prstGeom>
         </p:spPr>
         <p:txBody>
-          <a:bodyPr anchorCtr="0" anchor="t" bIns="91425" lIns="91425" spcFirstLastPara="1" rIns="91425" wrap="square" tIns="91425">
+          <a:bodyPr spcFirstLastPara="1" wrap="square" lIns="91425" tIns="91425" rIns="91425" bIns="91425" anchor="t" anchorCtr="0">
             <a:normAutofit/>
           </a:bodyPr>
           <a:lstStyle>
-            <a:lvl1pPr indent="-317500" lvl="0" marL="457200">
+            <a:lvl1pPr marL="457200" lvl="0" indent="-317500">
               <a:spcBef>
                 <a:spcPts val="0"/>
               </a:spcBef>
@@ -4604,7 +4751,7 @@
               <a:buChar char="●"/>
               <a:defRPr sz="1400"/>
             </a:lvl1pPr>
-            <a:lvl2pPr indent="-304800" lvl="1" marL="914400">
+            <a:lvl2pPr marL="914400" lvl="1" indent="-304800">
               <a:spcBef>
                 <a:spcPts val="0"/>
               </a:spcBef>
@@ -4615,7 +4762,7 @@
               <a:buChar char="○"/>
               <a:defRPr sz="1200"/>
             </a:lvl2pPr>
-            <a:lvl3pPr indent="-304800" lvl="2" marL="1371600">
+            <a:lvl3pPr marL="1371600" lvl="2" indent="-304800">
               <a:spcBef>
                 <a:spcPts val="0"/>
               </a:spcBef>
@@ -4626,7 +4773,7 @@
               <a:buChar char="■"/>
               <a:defRPr sz="1200"/>
             </a:lvl3pPr>
-            <a:lvl4pPr indent="-304800" lvl="3" marL="1828800">
+            <a:lvl4pPr marL="1828800" lvl="3" indent="-304800">
               <a:spcBef>
                 <a:spcPts val="0"/>
               </a:spcBef>
@@ -4637,7 +4784,7 @@
               <a:buChar char="●"/>
               <a:defRPr sz="1200"/>
             </a:lvl4pPr>
-            <a:lvl5pPr indent="-304800" lvl="4" marL="2286000">
+            <a:lvl5pPr marL="2286000" lvl="4" indent="-304800">
               <a:spcBef>
                 <a:spcPts val="0"/>
               </a:spcBef>
@@ -4648,7 +4795,7 @@
               <a:buChar char="○"/>
               <a:defRPr sz="1200"/>
             </a:lvl5pPr>
-            <a:lvl6pPr indent="-304800" lvl="5" marL="2743200">
+            <a:lvl6pPr marL="2743200" lvl="5" indent="-304800">
               <a:spcBef>
                 <a:spcPts val="0"/>
               </a:spcBef>
@@ -4659,7 +4806,7 @@
               <a:buChar char="■"/>
               <a:defRPr sz="1200"/>
             </a:lvl6pPr>
-            <a:lvl7pPr indent="-304800" lvl="6" marL="3200400">
+            <a:lvl7pPr marL="3200400" lvl="6" indent="-304800">
               <a:spcBef>
                 <a:spcPts val="0"/>
               </a:spcBef>
@@ -4670,7 +4817,7 @@
               <a:buChar char="●"/>
               <a:defRPr sz="1200"/>
             </a:lvl7pPr>
-            <a:lvl8pPr indent="-304800" lvl="7" marL="3657600">
+            <a:lvl8pPr marL="3657600" lvl="7" indent="-304800">
               <a:spcBef>
                 <a:spcPts val="0"/>
               </a:spcBef>
@@ -4681,7 +4828,7 @@
               <a:buChar char="○"/>
               <a:defRPr sz="1200"/>
             </a:lvl8pPr>
-            <a:lvl9pPr indent="-304800" lvl="8" marL="4114800">
+            <a:lvl9pPr marL="4114800" lvl="8" indent="-304800">
               <a:spcBef>
                 <a:spcPts val="0"/>
               </a:spcBef>
@@ -4693,15 +4840,19 @@
               <a:defRPr sz="1200"/>
             </a:lvl9pPr>
           </a:lstStyle>
-          <a:p/>
+          <a:p>
+            <a:endParaRPr/>
+          </a:p>
         </p:txBody>
       </p:sp>
       <p:sp>
         <p:nvSpPr>
           <p:cNvPr id="33" name="Google Shape;33;p5"/>
-          <p:cNvSpPr txBox="1"/>
+          <p:cNvSpPr txBox="1">
+            <a:spLocks noGrp="1"/>
+          </p:cNvSpPr>
           <p:nvPr>
-            <p:ph idx="2" type="body"/>
+            <p:ph type="body" idx="2"/>
           </p:nvPr>
         </p:nvSpPr>
         <p:spPr>
@@ -4714,11 +4865,11 @@
           </a:prstGeom>
         </p:spPr>
         <p:txBody>
-          <a:bodyPr anchorCtr="0" anchor="t" bIns="91425" lIns="91425" spcFirstLastPara="1" rIns="91425" wrap="square" tIns="91425">
+          <a:bodyPr spcFirstLastPara="1" wrap="square" lIns="91425" tIns="91425" rIns="91425" bIns="91425" anchor="t" anchorCtr="0">
             <a:normAutofit/>
           </a:bodyPr>
           <a:lstStyle>
-            <a:lvl1pPr indent="-317500" lvl="0" marL="457200">
+            <a:lvl1pPr marL="457200" lvl="0" indent="-317500">
               <a:spcBef>
                 <a:spcPts val="0"/>
               </a:spcBef>
@@ -4729,7 +4880,7 @@
               <a:buChar char="●"/>
               <a:defRPr sz="1400"/>
             </a:lvl1pPr>
-            <a:lvl2pPr indent="-304800" lvl="1" marL="914400">
+            <a:lvl2pPr marL="914400" lvl="1" indent="-304800">
               <a:spcBef>
                 <a:spcPts val="0"/>
               </a:spcBef>
@@ -4740,7 +4891,7 @@
               <a:buChar char="○"/>
               <a:defRPr sz="1200"/>
             </a:lvl2pPr>
-            <a:lvl3pPr indent="-304800" lvl="2" marL="1371600">
+            <a:lvl3pPr marL="1371600" lvl="2" indent="-304800">
               <a:spcBef>
                 <a:spcPts val="0"/>
               </a:spcBef>
@@ -4751,7 +4902,7 @@
               <a:buChar char="■"/>
               <a:defRPr sz="1200"/>
             </a:lvl3pPr>
-            <a:lvl4pPr indent="-304800" lvl="3" marL="1828800">
+            <a:lvl4pPr marL="1828800" lvl="3" indent="-304800">
               <a:spcBef>
                 <a:spcPts val="0"/>
               </a:spcBef>
@@ -4762,7 +4913,7 @@
               <a:buChar char="●"/>
               <a:defRPr sz="1200"/>
             </a:lvl4pPr>
-            <a:lvl5pPr indent="-304800" lvl="4" marL="2286000">
+            <a:lvl5pPr marL="2286000" lvl="4" indent="-304800">
               <a:spcBef>
                 <a:spcPts val="0"/>
               </a:spcBef>
@@ -4773,7 +4924,7 @@
               <a:buChar char="○"/>
               <a:defRPr sz="1200"/>
             </a:lvl5pPr>
-            <a:lvl6pPr indent="-304800" lvl="5" marL="2743200">
+            <a:lvl6pPr marL="2743200" lvl="5" indent="-304800">
               <a:spcBef>
                 <a:spcPts val="0"/>
               </a:spcBef>
@@ -4784,7 +4935,7 @@
               <a:buChar char="■"/>
               <a:defRPr sz="1200"/>
             </a:lvl6pPr>
-            <a:lvl7pPr indent="-304800" lvl="6" marL="3200400">
+            <a:lvl7pPr marL="3200400" lvl="6" indent="-304800">
               <a:spcBef>
                 <a:spcPts val="0"/>
               </a:spcBef>
@@ -4795,7 +4946,7 @@
               <a:buChar char="●"/>
               <a:defRPr sz="1200"/>
             </a:lvl7pPr>
-            <a:lvl8pPr indent="-304800" lvl="7" marL="3657600">
+            <a:lvl8pPr marL="3657600" lvl="7" indent="-304800">
               <a:spcBef>
                 <a:spcPts val="0"/>
               </a:spcBef>
@@ -4806,7 +4957,7 @@
               <a:buChar char="○"/>
               <a:defRPr sz="1200"/>
             </a:lvl8pPr>
-            <a:lvl9pPr indent="-304800" lvl="8" marL="4114800">
+            <a:lvl9pPr marL="4114800" lvl="8" indent="-304800">
               <a:spcBef>
                 <a:spcPts val="0"/>
               </a:spcBef>
@@ -4818,15 +4969,19 @@
               <a:defRPr sz="1200"/>
             </a:lvl9pPr>
           </a:lstStyle>
-          <a:p/>
+          <a:p>
+            <a:endParaRPr/>
+          </a:p>
         </p:txBody>
       </p:sp>
       <p:sp>
         <p:nvSpPr>
           <p:cNvPr id="34" name="Google Shape;34;p5"/>
-          <p:cNvSpPr txBox="1"/>
+          <p:cNvSpPr txBox="1">
+            <a:spLocks noGrp="1"/>
+          </p:cNvSpPr>
           <p:nvPr>
-            <p:ph idx="12" type="sldNum"/>
+            <p:ph type="sldNum" idx="12"/>
           </p:nvPr>
         </p:nvSpPr>
         <p:spPr>
@@ -4839,7 +4994,7 @@
           </a:prstGeom>
         </p:spPr>
         <p:txBody>
-          <a:bodyPr anchorCtr="0" anchor="ctr" bIns="91425" lIns="91425" spcFirstLastPara="1" rIns="91425" wrap="square" tIns="91425">
+          <a:bodyPr spcFirstLastPara="1" wrap="square" lIns="91425" tIns="91425" rIns="91425" bIns="91425" anchor="ctr" anchorCtr="0">
             <a:normAutofit/>
           </a:bodyPr>
           <a:lstStyle>
@@ -4881,7 +5036,7 @@
             </a:lvl9pPr>
           </a:lstStyle>
           <a:p>
-            <a:pPr indent="0" lvl="0" marL="0" rtl="0" algn="r">
+            <a:pPr marL="0" lvl="0" indent="0" algn="r" rtl="0">
               <a:spcBef>
                 <a:spcPts val="0"/>
               </a:spcBef>
@@ -4907,11 +5062,11 @@
 </file>
 
 <file path=ppt/slideLayouts/slideLayout5.xml><?xml version="1.0" encoding="utf-8"?>
-<p:sldLayout xmlns:a="http://schemas.openxmlformats.org/drawingml/2006/main" xmlns:r="http://schemas.openxmlformats.org/officeDocument/2006/relationships" xmlns:mc="http://schemas.openxmlformats.org/markup-compatibility/2006" xmlns:mv="urn:schemas-microsoft-com:mac:vml" xmlns:p="http://schemas.openxmlformats.org/presentationml/2006/main" xmlns:c="http://schemas.openxmlformats.org/drawingml/2006/chart" xmlns:dgm="http://schemas.openxmlformats.org/drawingml/2006/diagram" xmlns:o="urn:schemas-microsoft-com:office:office" xmlns:v="urn:schemas-microsoft-com:vml" xmlns:pvml="urn:schemas-microsoft-com:office:powerpoint" xmlns:com="http://schemas.openxmlformats.org/drawingml/2006/compatibility" xmlns:p14="http://schemas.microsoft.com/office/powerpoint/2010/main" xmlns:p15="http://schemas.microsoft.com/office/powerpoint/2012/main" xmlns:ahyp="http://schemas.microsoft.com/office/drawing/2018/hyperlinkcolor" matchingName="Title only" type="titleOnly">
+<p:sldLayout xmlns:a="http://schemas.openxmlformats.org/drawingml/2006/main" xmlns:r="http://schemas.openxmlformats.org/officeDocument/2006/relationships" xmlns:p="http://schemas.openxmlformats.org/presentationml/2006/main" matchingName="Title only" type="titleOnly">
   <p:cSld name="TITLE_ONLY">
     <p:spTree>
       <p:nvGrpSpPr>
-        <p:cNvPr id="35" name="Shape 35"/>
+        <p:cNvPr id="1" name="Shape 35"/>
         <p:cNvGrpSpPr/>
         <p:nvPr/>
       </p:nvGrpSpPr>
@@ -4926,7 +5081,9 @@
       <p:sp>
         <p:nvSpPr>
           <p:cNvPr id="36" name="Google Shape;36;p6"/>
-          <p:cNvSpPr txBox="1"/>
+          <p:cNvSpPr txBox="1">
+            <a:spLocks noGrp="1"/>
+          </p:cNvSpPr>
           <p:nvPr>
             <p:ph type="title"/>
           </p:nvPr>
@@ -4941,7 +5098,7 @@
           </a:prstGeom>
         </p:spPr>
         <p:txBody>
-          <a:bodyPr anchorCtr="0" anchor="t" bIns="91425" lIns="91425" spcFirstLastPara="1" rIns="91425" wrap="square" tIns="91425">
+          <a:bodyPr spcFirstLastPara="1" wrap="square" lIns="91425" tIns="91425" rIns="91425" bIns="91425" anchor="t" anchorCtr="0">
             <a:normAutofit/>
           </a:bodyPr>
           <a:lstStyle>
@@ -5045,15 +5202,19 @@
               <a:defRPr/>
             </a:lvl9pPr>
           </a:lstStyle>
-          <a:p/>
+          <a:p>
+            <a:endParaRPr/>
+          </a:p>
         </p:txBody>
       </p:sp>
       <p:sp>
         <p:nvSpPr>
           <p:cNvPr id="37" name="Google Shape;37;p6"/>
-          <p:cNvSpPr txBox="1"/>
+          <p:cNvSpPr txBox="1">
+            <a:spLocks noGrp="1"/>
+          </p:cNvSpPr>
           <p:nvPr>
-            <p:ph idx="12" type="sldNum"/>
+            <p:ph type="sldNum" idx="12"/>
           </p:nvPr>
         </p:nvSpPr>
         <p:spPr>
@@ -5066,7 +5227,7 @@
           </a:prstGeom>
         </p:spPr>
         <p:txBody>
-          <a:bodyPr anchorCtr="0" anchor="ctr" bIns="91425" lIns="91425" spcFirstLastPara="1" rIns="91425" wrap="square" tIns="91425">
+          <a:bodyPr spcFirstLastPara="1" wrap="square" lIns="91425" tIns="91425" rIns="91425" bIns="91425" anchor="ctr" anchorCtr="0">
             <a:normAutofit/>
           </a:bodyPr>
           <a:lstStyle>
@@ -5108,7 +5269,7 @@
             </a:lvl9pPr>
           </a:lstStyle>
           <a:p>
-            <a:pPr indent="0" lvl="0" marL="0" rtl="0" algn="r">
+            <a:pPr marL="0" lvl="0" indent="0" algn="r" rtl="0">
               <a:spcBef>
                 <a:spcPts val="0"/>
               </a:spcBef>
@@ -5134,11 +5295,11 @@
 </file>
 
 <file path=ppt/slideLayouts/slideLayout6.xml><?xml version="1.0" encoding="utf-8"?>
-<p:sldLayout xmlns:a="http://schemas.openxmlformats.org/drawingml/2006/main" xmlns:r="http://schemas.openxmlformats.org/officeDocument/2006/relationships" xmlns:mc="http://schemas.openxmlformats.org/markup-compatibility/2006" xmlns:mv="urn:schemas-microsoft-com:mac:vml" xmlns:p="http://schemas.openxmlformats.org/presentationml/2006/main" xmlns:c="http://schemas.openxmlformats.org/drawingml/2006/chart" xmlns:dgm="http://schemas.openxmlformats.org/drawingml/2006/diagram" xmlns:o="urn:schemas-microsoft-com:office:office" xmlns:v="urn:schemas-microsoft-com:vml" xmlns:pvml="urn:schemas-microsoft-com:office:powerpoint" xmlns:com="http://schemas.openxmlformats.org/drawingml/2006/compatibility" xmlns:p14="http://schemas.microsoft.com/office/powerpoint/2010/main" xmlns:p15="http://schemas.microsoft.com/office/powerpoint/2012/main" xmlns:ahyp="http://schemas.microsoft.com/office/drawing/2018/hyperlinkcolor" matchingName="One column text">
+<p:sldLayout xmlns:a="http://schemas.openxmlformats.org/drawingml/2006/main" xmlns:r="http://schemas.openxmlformats.org/officeDocument/2006/relationships" xmlns:p="http://schemas.openxmlformats.org/presentationml/2006/main" matchingName="One column text">
   <p:cSld name="ONE_COLUMN_TEXT">
     <p:spTree>
       <p:nvGrpSpPr>
-        <p:cNvPr id="38" name="Shape 38"/>
+        <p:cNvPr id="1" name="Shape 38"/>
         <p:cNvGrpSpPr/>
         <p:nvPr/>
       </p:nvGrpSpPr>
@@ -5153,7 +5314,9 @@
       <p:sp>
         <p:nvSpPr>
           <p:cNvPr id="39" name="Google Shape;39;p7"/>
-          <p:cNvSpPr txBox="1"/>
+          <p:cNvSpPr txBox="1">
+            <a:spLocks noGrp="1"/>
+          </p:cNvSpPr>
           <p:nvPr>
             <p:ph type="title"/>
           </p:nvPr>
@@ -5168,7 +5331,7 @@
           </a:prstGeom>
         </p:spPr>
         <p:txBody>
-          <a:bodyPr anchorCtr="0" anchor="b" bIns="91425" lIns="91425" spcFirstLastPara="1" rIns="91425" wrap="square" tIns="91425">
+          <a:bodyPr spcFirstLastPara="1" wrap="square" lIns="91425" tIns="91425" rIns="91425" bIns="91425" anchor="b" anchorCtr="0">
             <a:normAutofit/>
           </a:bodyPr>
           <a:lstStyle>
@@ -5272,15 +5435,19 @@
               <a:defRPr sz="2400"/>
             </a:lvl9pPr>
           </a:lstStyle>
-          <a:p/>
+          <a:p>
+            <a:endParaRPr/>
+          </a:p>
         </p:txBody>
       </p:sp>
       <p:sp>
         <p:nvSpPr>
           <p:cNvPr id="40" name="Google Shape;40;p7"/>
-          <p:cNvSpPr txBox="1"/>
+          <p:cNvSpPr txBox="1">
+            <a:spLocks noGrp="1"/>
+          </p:cNvSpPr>
           <p:nvPr>
-            <p:ph idx="1" type="body"/>
+            <p:ph type="body" idx="1"/>
           </p:nvPr>
         </p:nvSpPr>
         <p:spPr>
@@ -5293,11 +5460,11 @@
           </a:prstGeom>
         </p:spPr>
         <p:txBody>
-          <a:bodyPr anchorCtr="0" anchor="t" bIns="91425" lIns="91425" spcFirstLastPara="1" rIns="91425" wrap="square" tIns="91425">
+          <a:bodyPr spcFirstLastPara="1" wrap="square" lIns="91425" tIns="91425" rIns="91425" bIns="91425" anchor="t" anchorCtr="0">
             <a:normAutofit/>
           </a:bodyPr>
           <a:lstStyle>
-            <a:lvl1pPr indent="-304800" lvl="0" marL="457200">
+            <a:lvl1pPr marL="457200" lvl="0" indent="-304800">
               <a:spcBef>
                 <a:spcPts val="0"/>
               </a:spcBef>
@@ -5308,7 +5475,7 @@
               <a:buChar char="●"/>
               <a:defRPr sz="1200"/>
             </a:lvl1pPr>
-            <a:lvl2pPr indent="-304800" lvl="1" marL="914400">
+            <a:lvl2pPr marL="914400" lvl="1" indent="-304800">
               <a:spcBef>
                 <a:spcPts val="0"/>
               </a:spcBef>
@@ -5319,7 +5486,7 @@
               <a:buChar char="○"/>
               <a:defRPr sz="1200"/>
             </a:lvl2pPr>
-            <a:lvl3pPr indent="-304800" lvl="2" marL="1371600">
+            <a:lvl3pPr marL="1371600" lvl="2" indent="-304800">
               <a:spcBef>
                 <a:spcPts val="0"/>
               </a:spcBef>
@@ -5330,7 +5497,7 @@
               <a:buChar char="■"/>
               <a:defRPr sz="1200"/>
             </a:lvl3pPr>
-            <a:lvl4pPr indent="-304800" lvl="3" marL="1828800">
+            <a:lvl4pPr marL="1828800" lvl="3" indent="-304800">
               <a:spcBef>
                 <a:spcPts val="0"/>
               </a:spcBef>
@@ -5341,7 +5508,7 @@
               <a:buChar char="●"/>
               <a:defRPr sz="1200"/>
             </a:lvl4pPr>
-            <a:lvl5pPr indent="-304800" lvl="4" marL="2286000">
+            <a:lvl5pPr marL="2286000" lvl="4" indent="-304800">
               <a:spcBef>
                 <a:spcPts val="0"/>
               </a:spcBef>
@@ -5352,7 +5519,7 @@
               <a:buChar char="○"/>
               <a:defRPr sz="1200"/>
             </a:lvl5pPr>
-            <a:lvl6pPr indent="-304800" lvl="5" marL="2743200">
+            <a:lvl6pPr marL="2743200" lvl="5" indent="-304800">
               <a:spcBef>
                 <a:spcPts val="0"/>
               </a:spcBef>
@@ -5363,7 +5530,7 @@
               <a:buChar char="■"/>
               <a:defRPr sz="1200"/>
             </a:lvl6pPr>
-            <a:lvl7pPr indent="-304800" lvl="6" marL="3200400">
+            <a:lvl7pPr marL="3200400" lvl="6" indent="-304800">
               <a:spcBef>
                 <a:spcPts val="0"/>
               </a:spcBef>
@@ -5374,7 +5541,7 @@
               <a:buChar char="●"/>
               <a:defRPr sz="1200"/>
             </a:lvl7pPr>
-            <a:lvl8pPr indent="-304800" lvl="7" marL="3657600">
+            <a:lvl8pPr marL="3657600" lvl="7" indent="-304800">
               <a:spcBef>
                 <a:spcPts val="0"/>
               </a:spcBef>
@@ -5385,7 +5552,7 @@
               <a:buChar char="○"/>
               <a:defRPr sz="1200"/>
             </a:lvl8pPr>
-            <a:lvl9pPr indent="-304800" lvl="8" marL="4114800">
+            <a:lvl9pPr marL="4114800" lvl="8" indent="-304800">
               <a:spcBef>
                 <a:spcPts val="0"/>
               </a:spcBef>
@@ -5397,15 +5564,19 @@
               <a:defRPr sz="1200"/>
             </a:lvl9pPr>
           </a:lstStyle>
-          <a:p/>
+          <a:p>
+            <a:endParaRPr/>
+          </a:p>
         </p:txBody>
       </p:sp>
       <p:sp>
         <p:nvSpPr>
           <p:cNvPr id="41" name="Google Shape;41;p7"/>
-          <p:cNvSpPr txBox="1"/>
+          <p:cNvSpPr txBox="1">
+            <a:spLocks noGrp="1"/>
+          </p:cNvSpPr>
           <p:nvPr>
-            <p:ph idx="12" type="sldNum"/>
+            <p:ph type="sldNum" idx="12"/>
           </p:nvPr>
         </p:nvSpPr>
         <p:spPr>
@@ -5418,7 +5589,7 @@
           </a:prstGeom>
         </p:spPr>
         <p:txBody>
-          <a:bodyPr anchorCtr="0" anchor="ctr" bIns="91425" lIns="91425" spcFirstLastPara="1" rIns="91425" wrap="square" tIns="91425">
+          <a:bodyPr spcFirstLastPara="1" wrap="square" lIns="91425" tIns="91425" rIns="91425" bIns="91425" anchor="ctr" anchorCtr="0">
             <a:normAutofit/>
           </a:bodyPr>
           <a:lstStyle>
@@ -5460,7 +5631,7 @@
             </a:lvl9pPr>
           </a:lstStyle>
           <a:p>
-            <a:pPr indent="0" lvl="0" marL="0" rtl="0" algn="r">
+            <a:pPr marL="0" lvl="0" indent="0" algn="r" rtl="0">
               <a:spcBef>
                 <a:spcPts val="0"/>
               </a:spcBef>
@@ -5486,18 +5657,19 @@
 </file>
 
 <file path=ppt/slideLayouts/slideLayout7.xml><?xml version="1.0" encoding="utf-8"?>
-<p:sldLayout xmlns:a="http://schemas.openxmlformats.org/drawingml/2006/main" xmlns:r="http://schemas.openxmlformats.org/officeDocument/2006/relationships" xmlns:mc="http://schemas.openxmlformats.org/markup-compatibility/2006" xmlns:mv="urn:schemas-microsoft-com:mac:vml" xmlns:p="http://schemas.openxmlformats.org/presentationml/2006/main" xmlns:c="http://schemas.openxmlformats.org/drawingml/2006/chart" xmlns:dgm="http://schemas.openxmlformats.org/drawingml/2006/diagram" xmlns:o="urn:schemas-microsoft-com:office:office" xmlns:v="urn:schemas-microsoft-com:vml" xmlns:pvml="urn:schemas-microsoft-com:office:powerpoint" xmlns:com="http://schemas.openxmlformats.org/drawingml/2006/compatibility" xmlns:p14="http://schemas.microsoft.com/office/powerpoint/2010/main" xmlns:p15="http://schemas.microsoft.com/office/powerpoint/2012/main" xmlns:ahyp="http://schemas.microsoft.com/office/drawing/2018/hyperlinkcolor" matchingName="Main point">
+<p:sldLayout xmlns:a="http://schemas.openxmlformats.org/drawingml/2006/main" xmlns:r="http://schemas.openxmlformats.org/officeDocument/2006/relationships" xmlns:p="http://schemas.openxmlformats.org/presentationml/2006/main" matchingName="Main point">
   <p:cSld name="MAIN_POINT">
     <p:bg>
       <p:bgPr>
         <a:solidFill>
           <a:schemeClr val="accent6"/>
         </a:solidFill>
+        <a:effectLst/>
       </p:bgPr>
     </p:bg>
     <p:spTree>
       <p:nvGrpSpPr>
-        <p:cNvPr id="42" name="Shape 42"/>
+        <p:cNvPr id="1" name="Shape 42"/>
         <p:cNvGrpSpPr/>
         <p:nvPr/>
       </p:nvGrpSpPr>
@@ -5512,7 +5684,9 @@
       <p:sp>
         <p:nvSpPr>
           <p:cNvPr id="43" name="Google Shape;43;p8"/>
-          <p:cNvSpPr txBox="1"/>
+          <p:cNvSpPr txBox="1">
+            <a:spLocks noGrp="1"/>
+          </p:cNvSpPr>
           <p:nvPr>
             <p:ph type="title"/>
           </p:nvPr>
@@ -5527,7 +5701,7 @@
           </a:prstGeom>
         </p:spPr>
         <p:txBody>
-          <a:bodyPr anchorCtr="0" anchor="ctr" bIns="91425" lIns="91425" spcFirstLastPara="1" rIns="91425" wrap="square" tIns="91425">
+          <a:bodyPr spcFirstLastPara="1" wrap="square" lIns="91425" tIns="91425" rIns="91425" bIns="91425" anchor="ctr" anchorCtr="0">
             <a:normAutofit/>
           </a:bodyPr>
           <a:lstStyle>
@@ -5543,7 +5717,7 @@
               </a:buClr>
               <a:buSzPts val="5400"/>
               <a:buNone/>
-              <a:defRPr b="0" sz="5400">
+              <a:defRPr sz="5400" b="0">
                 <a:solidFill>
                   <a:schemeClr val="dk2"/>
                 </a:solidFill>
@@ -5561,7 +5735,7 @@
               </a:buClr>
               <a:buSzPts val="5400"/>
               <a:buNone/>
-              <a:defRPr b="0" sz="5400">
+              <a:defRPr sz="5400" b="0">
                 <a:solidFill>
                   <a:schemeClr val="dk2"/>
                 </a:solidFill>
@@ -5579,7 +5753,7 @@
               </a:buClr>
               <a:buSzPts val="5400"/>
               <a:buNone/>
-              <a:defRPr b="0" sz="5400">
+              <a:defRPr sz="5400" b="0">
                 <a:solidFill>
                   <a:schemeClr val="dk2"/>
                 </a:solidFill>
@@ -5597,7 +5771,7 @@
               </a:buClr>
               <a:buSzPts val="5400"/>
               <a:buNone/>
-              <a:defRPr b="0" sz="5400">
+              <a:defRPr sz="5400" b="0">
                 <a:solidFill>
                   <a:schemeClr val="dk2"/>
                 </a:solidFill>
@@ -5615,7 +5789,7 @@
               </a:buClr>
               <a:buSzPts val="5400"/>
               <a:buNone/>
-              <a:defRPr b="0" sz="5400">
+              <a:defRPr sz="5400" b="0">
                 <a:solidFill>
                   <a:schemeClr val="dk2"/>
                 </a:solidFill>
@@ -5633,7 +5807,7 @@
               </a:buClr>
               <a:buSzPts val="5400"/>
               <a:buNone/>
-              <a:defRPr b="0" sz="5400">
+              <a:defRPr sz="5400" b="0">
                 <a:solidFill>
                   <a:schemeClr val="dk2"/>
                 </a:solidFill>
@@ -5651,7 +5825,7 @@
               </a:buClr>
               <a:buSzPts val="5400"/>
               <a:buNone/>
-              <a:defRPr b="0" sz="5400">
+              <a:defRPr sz="5400" b="0">
                 <a:solidFill>
                   <a:schemeClr val="dk2"/>
                 </a:solidFill>
@@ -5669,7 +5843,7 @@
               </a:buClr>
               <a:buSzPts val="5400"/>
               <a:buNone/>
-              <a:defRPr b="0" sz="5400">
+              <a:defRPr sz="5400" b="0">
                 <a:solidFill>
                   <a:schemeClr val="dk2"/>
                 </a:solidFill>
@@ -5687,22 +5861,26 @@
               </a:buClr>
               <a:buSzPts val="5400"/>
               <a:buNone/>
-              <a:defRPr b="0" sz="5400">
+              <a:defRPr sz="5400" b="0">
                 <a:solidFill>
                   <a:schemeClr val="dk2"/>
                 </a:solidFill>
               </a:defRPr>
             </a:lvl9pPr>
           </a:lstStyle>
-          <a:p/>
+          <a:p>
+            <a:endParaRPr/>
+          </a:p>
         </p:txBody>
       </p:sp>
       <p:sp>
         <p:nvSpPr>
           <p:cNvPr id="44" name="Google Shape;44;p8"/>
-          <p:cNvSpPr txBox="1"/>
+          <p:cNvSpPr txBox="1">
+            <a:spLocks noGrp="1"/>
+          </p:cNvSpPr>
           <p:nvPr>
-            <p:ph idx="12" type="sldNum"/>
+            <p:ph type="sldNum" idx="12"/>
           </p:nvPr>
         </p:nvSpPr>
         <p:spPr>
@@ -5715,7 +5893,7 @@
           </a:prstGeom>
         </p:spPr>
         <p:txBody>
-          <a:bodyPr anchorCtr="0" anchor="ctr" bIns="91425" lIns="91425" spcFirstLastPara="1" rIns="91425" wrap="square" tIns="91425">
+          <a:bodyPr spcFirstLastPara="1" wrap="square" lIns="91425" tIns="91425" rIns="91425" bIns="91425" anchor="ctr" anchorCtr="0">
             <a:normAutofit/>
           </a:bodyPr>
           <a:lstStyle>
@@ -5757,7 +5935,7 @@
             </a:lvl9pPr>
           </a:lstStyle>
           <a:p>
-            <a:pPr indent="0" lvl="0" marL="0" rtl="0" algn="r">
+            <a:pPr marL="0" lvl="0" indent="0" algn="r" rtl="0">
               <a:spcBef>
                 <a:spcPts val="0"/>
               </a:spcBef>
@@ -5783,11 +5961,11 @@
 </file>
 
 <file path=ppt/slideLayouts/slideLayout8.xml><?xml version="1.0" encoding="utf-8"?>
-<p:sldLayout xmlns:a="http://schemas.openxmlformats.org/drawingml/2006/main" xmlns:r="http://schemas.openxmlformats.org/officeDocument/2006/relationships" xmlns:mc="http://schemas.openxmlformats.org/markup-compatibility/2006" xmlns:mv="urn:schemas-microsoft-com:mac:vml" xmlns:p="http://schemas.openxmlformats.org/presentationml/2006/main" xmlns:c="http://schemas.openxmlformats.org/drawingml/2006/chart" xmlns:dgm="http://schemas.openxmlformats.org/drawingml/2006/diagram" xmlns:o="urn:schemas-microsoft-com:office:office" xmlns:v="urn:schemas-microsoft-com:vml" xmlns:pvml="urn:schemas-microsoft-com:office:powerpoint" xmlns:com="http://schemas.openxmlformats.org/drawingml/2006/compatibility" xmlns:p14="http://schemas.microsoft.com/office/powerpoint/2010/main" xmlns:p15="http://schemas.microsoft.com/office/powerpoint/2012/main" xmlns:ahyp="http://schemas.microsoft.com/office/drawing/2018/hyperlinkcolor" matchingName="Section title and description">
+<p:sldLayout xmlns:a="http://schemas.openxmlformats.org/drawingml/2006/main" xmlns:r="http://schemas.openxmlformats.org/officeDocument/2006/relationships" xmlns:p="http://schemas.openxmlformats.org/presentationml/2006/main" matchingName="Section title and description">
   <p:cSld name="SECTION_TITLE_AND_DESCRIPTION">
     <p:spTree>
       <p:nvGrpSpPr>
-        <p:cNvPr id="45" name="Shape 45"/>
+        <p:cNvPr id="1" name="Shape 45"/>
         <p:cNvGrpSpPr/>
         <p:nvPr/>
       </p:nvGrpSpPr>
@@ -5821,12 +5999,12 @@
           </a:ln>
         </p:spPr>
         <p:txBody>
-          <a:bodyPr anchorCtr="0" anchor="ctr" bIns="91425" lIns="91425" spcFirstLastPara="1" rIns="91425" wrap="square" tIns="91425">
+          <a:bodyPr spcFirstLastPara="1" wrap="square" lIns="91425" tIns="91425" rIns="91425" bIns="91425" anchor="ctr" anchorCtr="0">
             <a:noAutofit/>
           </a:bodyPr>
           <a:lstStyle/>
           <a:p>
-            <a:pPr indent="0" lvl="0" marL="0" rtl="0" algn="l">
+            <a:pPr marL="0" lvl="0" indent="0" algn="l" rtl="0">
               <a:spcBef>
                 <a:spcPts val="0"/>
               </a:spcBef>
@@ -5835,9 +6013,6 @@
               </a:spcAft>
               <a:buNone/>
             </a:pPr>
-            <a:r>
-              <a:t/>
-            </a:r>
             <a:endParaRPr/>
           </a:p>
         </p:txBody>
@@ -5857,21 +6032,23 @@
             <a:avLst/>
           </a:prstGeom>
           <a:noFill/>
-          <a:ln cap="flat" cmpd="sng" w="19050">
+          <a:ln w="19050" cap="flat" cmpd="sng">
             <a:solidFill>
               <a:schemeClr val="lt1"/>
             </a:solidFill>
             <a:prstDash val="solid"/>
             <a:round/>
-            <a:headEnd len="sm" w="sm" type="none"/>
-            <a:tailEnd len="sm" w="sm" type="none"/>
+            <a:headEnd type="none" w="sm" len="sm"/>
+            <a:tailEnd type="none" w="sm" len="sm"/>
           </a:ln>
         </p:spPr>
       </p:cxnSp>
       <p:sp>
         <p:nvSpPr>
           <p:cNvPr id="48" name="Google Shape;48;p9"/>
-          <p:cNvSpPr txBox="1"/>
+          <p:cNvSpPr txBox="1">
+            <a:spLocks noGrp="1"/>
+          </p:cNvSpPr>
           <p:nvPr>
             <p:ph type="title"/>
           </p:nvPr>
@@ -5886,7 +6063,7 @@
           </a:prstGeom>
         </p:spPr>
         <p:txBody>
-          <a:bodyPr anchorCtr="0" anchor="b" bIns="91425" lIns="91425" spcFirstLastPara="1" rIns="91425" wrap="square" tIns="91425">
+          <a:bodyPr spcFirstLastPara="1" wrap="square" lIns="91425" tIns="91425" rIns="91425" bIns="91425" anchor="b" anchorCtr="0">
             <a:normAutofit/>
           </a:bodyPr>
           <a:lstStyle>
@@ -5990,15 +6167,19 @@
               <a:defRPr sz="4200"/>
             </a:lvl9pPr>
           </a:lstStyle>
-          <a:p/>
+          <a:p>
+            <a:endParaRPr/>
+          </a:p>
         </p:txBody>
       </p:sp>
       <p:sp>
         <p:nvSpPr>
           <p:cNvPr id="49" name="Google Shape;49;p9"/>
-          <p:cNvSpPr txBox="1"/>
+          <p:cNvSpPr txBox="1">
+            <a:spLocks noGrp="1"/>
+          </p:cNvSpPr>
           <p:nvPr>
-            <p:ph idx="1" type="subTitle"/>
+            <p:ph type="subTitle" idx="1"/>
           </p:nvPr>
         </p:nvSpPr>
         <p:spPr>
@@ -6011,7 +6192,7 @@
           </a:prstGeom>
         </p:spPr>
         <p:txBody>
-          <a:bodyPr anchorCtr="0" anchor="t" bIns="91425" lIns="91425" spcFirstLastPara="1" rIns="91425" wrap="square" tIns="91425">
+          <a:bodyPr spcFirstLastPara="1" wrap="square" lIns="91425" tIns="91425" rIns="91425" bIns="91425" anchor="t" anchorCtr="0">
             <a:normAutofit/>
           </a:bodyPr>
           <a:lstStyle>
@@ -6142,15 +6323,19 @@
               <a:defRPr sz="2100"/>
             </a:lvl9pPr>
           </a:lstStyle>
-          <a:p/>
+          <a:p>
+            <a:endParaRPr/>
+          </a:p>
         </p:txBody>
       </p:sp>
       <p:sp>
         <p:nvSpPr>
           <p:cNvPr id="50" name="Google Shape;50;p9"/>
-          <p:cNvSpPr txBox="1"/>
+          <p:cNvSpPr txBox="1">
+            <a:spLocks noGrp="1"/>
+          </p:cNvSpPr>
           <p:nvPr>
-            <p:ph idx="2" type="body"/>
+            <p:ph type="body" idx="2"/>
           </p:nvPr>
         </p:nvSpPr>
         <p:spPr>
@@ -6163,11 +6348,11 @@
           </a:prstGeom>
         </p:spPr>
         <p:txBody>
-          <a:bodyPr anchorCtr="0" anchor="ctr" bIns="91425" lIns="91425" spcFirstLastPara="1" rIns="91425" wrap="square" tIns="91425">
+          <a:bodyPr spcFirstLastPara="1" wrap="square" lIns="91425" tIns="91425" rIns="91425" bIns="91425" anchor="ctr" anchorCtr="0">
             <a:normAutofit/>
           </a:bodyPr>
           <a:lstStyle>
-            <a:lvl1pPr indent="-342900" lvl="0" marL="457200">
+            <a:lvl1pPr marL="457200" lvl="0" indent="-342900">
               <a:spcBef>
                 <a:spcPts val="0"/>
               </a:spcBef>
@@ -6185,7 +6370,7 @@
                 </a:solidFill>
               </a:defRPr>
             </a:lvl1pPr>
-            <a:lvl2pPr indent="-317500" lvl="1" marL="914400">
+            <a:lvl2pPr marL="914400" lvl="1" indent="-317500">
               <a:spcBef>
                 <a:spcPts val="0"/>
               </a:spcBef>
@@ -6203,7 +6388,7 @@
                 </a:solidFill>
               </a:defRPr>
             </a:lvl2pPr>
-            <a:lvl3pPr indent="-317500" lvl="2" marL="1371600">
+            <a:lvl3pPr marL="1371600" lvl="2" indent="-317500">
               <a:spcBef>
                 <a:spcPts val="0"/>
               </a:spcBef>
@@ -6221,7 +6406,7 @@
                 </a:solidFill>
               </a:defRPr>
             </a:lvl3pPr>
-            <a:lvl4pPr indent="-317500" lvl="3" marL="1828800">
+            <a:lvl4pPr marL="1828800" lvl="3" indent="-317500">
               <a:spcBef>
                 <a:spcPts val="0"/>
               </a:spcBef>
@@ -6239,7 +6424,7 @@
                 </a:solidFill>
               </a:defRPr>
             </a:lvl4pPr>
-            <a:lvl5pPr indent="-317500" lvl="4" marL="2286000">
+            <a:lvl5pPr marL="2286000" lvl="4" indent="-317500">
               <a:spcBef>
                 <a:spcPts val="0"/>
               </a:spcBef>
@@ -6257,7 +6442,7 @@
                 </a:solidFill>
               </a:defRPr>
             </a:lvl5pPr>
-            <a:lvl6pPr indent="-317500" lvl="5" marL="2743200">
+            <a:lvl6pPr marL="2743200" lvl="5" indent="-317500">
               <a:spcBef>
                 <a:spcPts val="0"/>
               </a:spcBef>
@@ -6275,7 +6460,7 @@
                 </a:solidFill>
               </a:defRPr>
             </a:lvl6pPr>
-            <a:lvl7pPr indent="-317500" lvl="6" marL="3200400">
+            <a:lvl7pPr marL="3200400" lvl="6" indent="-317500">
               <a:spcBef>
                 <a:spcPts val="0"/>
               </a:spcBef>
@@ -6293,7 +6478,7 @@
                 </a:solidFill>
               </a:defRPr>
             </a:lvl7pPr>
-            <a:lvl8pPr indent="-317500" lvl="7" marL="3657600">
+            <a:lvl8pPr marL="3657600" lvl="7" indent="-317500">
               <a:spcBef>
                 <a:spcPts val="0"/>
               </a:spcBef>
@@ -6311,7 +6496,7 @@
                 </a:solidFill>
               </a:defRPr>
             </a:lvl8pPr>
-            <a:lvl9pPr indent="-317500" lvl="8" marL="4114800">
+            <a:lvl9pPr marL="4114800" lvl="8" indent="-317500">
               <a:spcBef>
                 <a:spcPts val="0"/>
               </a:spcBef>
@@ -6330,15 +6515,19 @@
               </a:defRPr>
             </a:lvl9pPr>
           </a:lstStyle>
-          <a:p/>
+          <a:p>
+            <a:endParaRPr/>
+          </a:p>
         </p:txBody>
       </p:sp>
       <p:sp>
         <p:nvSpPr>
           <p:cNvPr id="51" name="Google Shape;51;p9"/>
-          <p:cNvSpPr txBox="1"/>
+          <p:cNvSpPr txBox="1">
+            <a:spLocks noGrp="1"/>
+          </p:cNvSpPr>
           <p:nvPr>
-            <p:ph idx="12" type="sldNum"/>
+            <p:ph type="sldNum" idx="12"/>
           </p:nvPr>
         </p:nvSpPr>
         <p:spPr>
@@ -6351,7 +6540,7 @@
           </a:prstGeom>
         </p:spPr>
         <p:txBody>
-          <a:bodyPr anchorCtr="0" anchor="ctr" bIns="91425" lIns="91425" spcFirstLastPara="1" rIns="91425" wrap="square" tIns="91425">
+          <a:bodyPr spcFirstLastPara="1" wrap="square" lIns="91425" tIns="91425" rIns="91425" bIns="91425" anchor="ctr" anchorCtr="0">
             <a:normAutofit/>
           </a:bodyPr>
           <a:lstStyle>
@@ -6429,7 +6618,7 @@
             </a:lvl9pPr>
           </a:lstStyle>
           <a:p>
-            <a:pPr indent="0" lvl="0" marL="0" rtl="0" algn="r">
+            <a:pPr marL="0" lvl="0" indent="0" algn="r" rtl="0">
               <a:spcBef>
                 <a:spcPts val="0"/>
               </a:spcBef>
@@ -6455,11 +6644,11 @@
 </file>
 
 <file path=ppt/slideLayouts/slideLayout9.xml><?xml version="1.0" encoding="utf-8"?>
-<p:sldLayout xmlns:a="http://schemas.openxmlformats.org/drawingml/2006/main" xmlns:r="http://schemas.openxmlformats.org/officeDocument/2006/relationships" xmlns:mc="http://schemas.openxmlformats.org/markup-compatibility/2006" xmlns:mv="urn:schemas-microsoft-com:mac:vml" xmlns:p="http://schemas.openxmlformats.org/presentationml/2006/main" xmlns:c="http://schemas.openxmlformats.org/drawingml/2006/chart" xmlns:dgm="http://schemas.openxmlformats.org/drawingml/2006/diagram" xmlns:o="urn:schemas-microsoft-com:office:office" xmlns:v="urn:schemas-microsoft-com:vml" xmlns:pvml="urn:schemas-microsoft-com:office:powerpoint" xmlns:com="http://schemas.openxmlformats.org/drawingml/2006/compatibility" xmlns:p14="http://schemas.microsoft.com/office/powerpoint/2010/main" xmlns:p15="http://schemas.microsoft.com/office/powerpoint/2012/main" xmlns:ahyp="http://schemas.microsoft.com/office/drawing/2018/hyperlinkcolor" matchingName="Caption">
+<p:sldLayout xmlns:a="http://schemas.openxmlformats.org/drawingml/2006/main" xmlns:r="http://schemas.openxmlformats.org/officeDocument/2006/relationships" xmlns:p="http://schemas.openxmlformats.org/presentationml/2006/main" matchingName="Caption">
   <p:cSld name="CAPTION_ONLY">
     <p:spTree>
       <p:nvGrpSpPr>
-        <p:cNvPr id="52" name="Shape 52"/>
+        <p:cNvPr id="1" name="Shape 52"/>
         <p:cNvGrpSpPr/>
         <p:nvPr/>
       </p:nvGrpSpPr>
@@ -6474,9 +6663,11 @@
       <p:sp>
         <p:nvSpPr>
           <p:cNvPr id="53" name="Google Shape;53;p10"/>
-          <p:cNvSpPr txBox="1"/>
+          <p:cNvSpPr txBox="1">
+            <a:spLocks noGrp="1"/>
+          </p:cNvSpPr>
           <p:nvPr>
-            <p:ph idx="1" type="body"/>
+            <p:ph type="body" idx="1"/>
           </p:nvPr>
         </p:nvSpPr>
         <p:spPr>
@@ -6489,11 +6680,11 @@
           </a:prstGeom>
         </p:spPr>
         <p:txBody>
-          <a:bodyPr anchorCtr="0" anchor="ctr" bIns="91425" lIns="91425" spcFirstLastPara="1" rIns="91425" wrap="square" tIns="91425">
+          <a:bodyPr spcFirstLastPara="1" wrap="square" lIns="91425" tIns="91425" rIns="91425" bIns="91425" anchor="ctr" anchorCtr="0">
             <a:normAutofit/>
           </a:bodyPr>
           <a:lstStyle>
-            <a:lvl1pPr indent="-228600" lvl="0" marL="457200">
+            <a:lvl1pPr marL="457200" lvl="0" indent="-228600">
               <a:lnSpc>
                 <a:spcPct val="100000"/>
               </a:lnSpc>
@@ -6514,15 +6705,19 @@
               </a:defRPr>
             </a:lvl1pPr>
           </a:lstStyle>
-          <a:p/>
+          <a:p>
+            <a:endParaRPr/>
+          </a:p>
         </p:txBody>
       </p:sp>
       <p:sp>
         <p:nvSpPr>
           <p:cNvPr id="54" name="Google Shape;54;p10"/>
-          <p:cNvSpPr txBox="1"/>
+          <p:cNvSpPr txBox="1">
+            <a:spLocks noGrp="1"/>
+          </p:cNvSpPr>
           <p:nvPr>
-            <p:ph idx="12" type="sldNum"/>
+            <p:ph type="sldNum" idx="12"/>
           </p:nvPr>
         </p:nvSpPr>
         <p:spPr>
@@ -6535,7 +6730,7 @@
           </a:prstGeom>
         </p:spPr>
         <p:txBody>
-          <a:bodyPr anchorCtr="0" anchor="ctr" bIns="91425" lIns="91425" spcFirstLastPara="1" rIns="91425" wrap="square" tIns="91425">
+          <a:bodyPr spcFirstLastPara="1" wrap="square" lIns="91425" tIns="91425" rIns="91425" bIns="91425" anchor="ctr" anchorCtr="0">
             <a:normAutofit/>
           </a:bodyPr>
           <a:lstStyle>
@@ -6577,7 +6772,7 @@
             </a:lvl9pPr>
           </a:lstStyle>
           <a:p>
-            <a:pPr indent="0" lvl="0" marL="0" rtl="0" algn="r">
+            <a:pPr marL="0" lvl="0" indent="0" algn="r" rtl="0">
               <a:spcBef>
                 <a:spcPts val="0"/>
               </a:spcBef>
@@ -6603,18 +6798,19 @@
 </file>
 
 <file path=ppt/slideMasters/slideMaster1.xml><?xml version="1.0" encoding="utf-8"?>
-<p:sldMaster xmlns:a="http://schemas.openxmlformats.org/drawingml/2006/main" xmlns:r="http://schemas.openxmlformats.org/officeDocument/2006/relationships" xmlns:mc="http://schemas.openxmlformats.org/markup-compatibility/2006" xmlns:mv="urn:schemas-microsoft-com:mac:vml" xmlns:p="http://schemas.openxmlformats.org/presentationml/2006/main" xmlns:c="http://schemas.openxmlformats.org/drawingml/2006/chart" xmlns:dgm="http://schemas.openxmlformats.org/drawingml/2006/diagram" xmlns:o="urn:schemas-microsoft-com:office:office" xmlns:v="urn:schemas-microsoft-com:vml" xmlns:pvml="urn:schemas-microsoft-com:office:powerpoint" xmlns:com="http://schemas.openxmlformats.org/drawingml/2006/compatibility" xmlns:p14="http://schemas.microsoft.com/office/powerpoint/2010/main" xmlns:p15="http://schemas.microsoft.com/office/powerpoint/2012/main" xmlns:ahyp="http://schemas.microsoft.com/office/drawing/2018/hyperlinkcolor">
+<p:sldMaster xmlns:a="http://schemas.openxmlformats.org/drawingml/2006/main" xmlns:r="http://schemas.openxmlformats.org/officeDocument/2006/relationships" xmlns:p="http://schemas.openxmlformats.org/presentationml/2006/main">
   <p:cSld name="tropic">
     <p:bg>
       <p:bgPr>
         <a:solidFill>
           <a:schemeClr val="lt1"/>
         </a:solidFill>
+        <a:effectLst/>
       </p:bgPr>
     </p:bg>
     <p:spTree>
       <p:nvGrpSpPr>
-        <p:cNvPr id="5" name="Shape 5"/>
+        <p:cNvPr id="1" name="Shape 5"/>
         <p:cNvGrpSpPr/>
         <p:nvPr/>
       </p:nvGrpSpPr>
@@ -6629,7 +6825,9 @@
       <p:sp>
         <p:nvSpPr>
           <p:cNvPr id="6" name="Google Shape;6;p1"/>
-          <p:cNvSpPr txBox="1"/>
+          <p:cNvSpPr txBox="1">
+            <a:spLocks noGrp="1"/>
+          </p:cNvSpPr>
           <p:nvPr>
             <p:ph type="title"/>
           </p:nvPr>
@@ -6648,7 +6846,7 @@
           </a:ln>
         </p:spPr>
         <p:txBody>
-          <a:bodyPr anchorCtr="0" anchor="t" bIns="91425" lIns="91425" spcFirstLastPara="1" rIns="91425" wrap="square" tIns="91425">
+          <a:bodyPr spcFirstLastPara="1" wrap="square" lIns="91425" tIns="91425" rIns="91425" bIns="91425" anchor="t" anchorCtr="0">
             <a:normAutofit/>
           </a:bodyPr>
           <a:lstStyle>
@@ -6665,7 +6863,7 @@
               <a:buSzPts val="3600"/>
               <a:buFont typeface="PT Sans Narrow"/>
               <a:buNone/>
-              <a:defRPr b="1" sz="3600">
+              <a:defRPr sz="3600" b="1">
                 <a:solidFill>
                   <a:schemeClr val="accent1"/>
                 </a:solidFill>
@@ -6688,7 +6886,7 @@
               <a:buSzPts val="3600"/>
               <a:buFont typeface="PT Sans Narrow"/>
               <a:buNone/>
-              <a:defRPr b="1" sz="3600">
+              <a:defRPr sz="3600" b="1">
                 <a:solidFill>
                   <a:schemeClr val="accent1"/>
                 </a:solidFill>
@@ -6711,7 +6909,7 @@
               <a:buSzPts val="3600"/>
               <a:buFont typeface="PT Sans Narrow"/>
               <a:buNone/>
-              <a:defRPr b="1" sz="3600">
+              <a:defRPr sz="3600" b="1">
                 <a:solidFill>
                   <a:schemeClr val="accent1"/>
                 </a:solidFill>
@@ -6734,7 +6932,7 @@
               <a:buSzPts val="3600"/>
               <a:buFont typeface="PT Sans Narrow"/>
               <a:buNone/>
-              <a:defRPr b="1" sz="3600">
+              <a:defRPr sz="3600" b="1">
                 <a:solidFill>
                   <a:schemeClr val="accent1"/>
                 </a:solidFill>
@@ -6757,7 +6955,7 @@
               <a:buSzPts val="3600"/>
               <a:buFont typeface="PT Sans Narrow"/>
               <a:buNone/>
-              <a:defRPr b="1" sz="3600">
+              <a:defRPr sz="3600" b="1">
                 <a:solidFill>
                   <a:schemeClr val="accent1"/>
                 </a:solidFill>
@@ -6780,7 +6978,7 @@
               <a:buSzPts val="3600"/>
               <a:buFont typeface="PT Sans Narrow"/>
               <a:buNone/>
-              <a:defRPr b="1" sz="3600">
+              <a:defRPr sz="3600" b="1">
                 <a:solidFill>
                   <a:schemeClr val="accent1"/>
                 </a:solidFill>
@@ -6803,7 +7001,7 @@
               <a:buSzPts val="3600"/>
               <a:buFont typeface="PT Sans Narrow"/>
               <a:buNone/>
-              <a:defRPr b="1" sz="3600">
+              <a:defRPr sz="3600" b="1">
                 <a:solidFill>
                   <a:schemeClr val="accent1"/>
                 </a:solidFill>
@@ -6826,7 +7024,7 @@
               <a:buSzPts val="3600"/>
               <a:buFont typeface="PT Sans Narrow"/>
               <a:buNone/>
-              <a:defRPr b="1" sz="3600">
+              <a:defRPr sz="3600" b="1">
                 <a:solidFill>
                   <a:schemeClr val="accent1"/>
                 </a:solidFill>
@@ -6849,7 +7047,7 @@
               <a:buSzPts val="3600"/>
               <a:buFont typeface="PT Sans Narrow"/>
               <a:buNone/>
-              <a:defRPr b="1" sz="3600">
+              <a:defRPr sz="3600" b="1">
                 <a:solidFill>
                   <a:schemeClr val="accent1"/>
                 </a:solidFill>
@@ -6860,15 +7058,19 @@
               </a:defRPr>
             </a:lvl9pPr>
           </a:lstStyle>
-          <a:p/>
+          <a:p>
+            <a:endParaRPr/>
+          </a:p>
         </p:txBody>
       </p:sp>
       <p:sp>
         <p:nvSpPr>
           <p:cNvPr id="7" name="Google Shape;7;p1"/>
-          <p:cNvSpPr txBox="1"/>
+          <p:cNvSpPr txBox="1">
+            <a:spLocks noGrp="1"/>
+          </p:cNvSpPr>
           <p:nvPr>
-            <p:ph idx="1" type="body"/>
+            <p:ph type="body" idx="1"/>
           </p:nvPr>
         </p:nvSpPr>
         <p:spPr>
@@ -6885,11 +7087,11 @@
           </a:ln>
         </p:spPr>
         <p:txBody>
-          <a:bodyPr anchorCtr="0" anchor="t" bIns="91425" lIns="91425" spcFirstLastPara="1" rIns="91425" wrap="square" tIns="91425">
+          <a:bodyPr spcFirstLastPara="1" wrap="square" lIns="91425" tIns="91425" rIns="91425" bIns="91425" anchor="t" anchorCtr="0">
             <a:normAutofit/>
           </a:bodyPr>
           <a:lstStyle>
-            <a:lvl1pPr indent="-342900" lvl="0" marL="457200">
+            <a:lvl1pPr marL="457200" lvl="0" indent="-342900">
               <a:lnSpc>
                 <a:spcPct val="115000"/>
               </a:lnSpc>
@@ -6915,7 +7117,7 @@
                 <a:sym typeface="Open Sans"/>
               </a:defRPr>
             </a:lvl1pPr>
-            <a:lvl2pPr indent="-317500" lvl="1" marL="914400">
+            <a:lvl2pPr marL="914400" lvl="1" indent="-317500">
               <a:lnSpc>
                 <a:spcPct val="115000"/>
               </a:lnSpc>
@@ -6941,7 +7143,7 @@
                 <a:sym typeface="Open Sans"/>
               </a:defRPr>
             </a:lvl2pPr>
-            <a:lvl3pPr indent="-317500" lvl="2" marL="1371600">
+            <a:lvl3pPr marL="1371600" lvl="2" indent="-317500">
               <a:lnSpc>
                 <a:spcPct val="115000"/>
               </a:lnSpc>
@@ -6967,7 +7169,7 @@
                 <a:sym typeface="Open Sans"/>
               </a:defRPr>
             </a:lvl3pPr>
-            <a:lvl4pPr indent="-317500" lvl="3" marL="1828800">
+            <a:lvl4pPr marL="1828800" lvl="3" indent="-317500">
               <a:lnSpc>
                 <a:spcPct val="115000"/>
               </a:lnSpc>
@@ -6993,7 +7195,7 @@
                 <a:sym typeface="Open Sans"/>
               </a:defRPr>
             </a:lvl4pPr>
-            <a:lvl5pPr indent="-317500" lvl="4" marL="2286000">
+            <a:lvl5pPr marL="2286000" lvl="4" indent="-317500">
               <a:lnSpc>
                 <a:spcPct val="115000"/>
               </a:lnSpc>
@@ -7019,7 +7221,7 @@
                 <a:sym typeface="Open Sans"/>
               </a:defRPr>
             </a:lvl5pPr>
-            <a:lvl6pPr indent="-317500" lvl="5" marL="2743200">
+            <a:lvl6pPr marL="2743200" lvl="5" indent="-317500">
               <a:lnSpc>
                 <a:spcPct val="115000"/>
               </a:lnSpc>
@@ -7045,7 +7247,7 @@
                 <a:sym typeface="Open Sans"/>
               </a:defRPr>
             </a:lvl6pPr>
-            <a:lvl7pPr indent="-317500" lvl="6" marL="3200400">
+            <a:lvl7pPr marL="3200400" lvl="6" indent="-317500">
               <a:lnSpc>
                 <a:spcPct val="115000"/>
               </a:lnSpc>
@@ -7071,7 +7273,7 @@
                 <a:sym typeface="Open Sans"/>
               </a:defRPr>
             </a:lvl7pPr>
-            <a:lvl8pPr indent="-317500" lvl="7" marL="3657600">
+            <a:lvl8pPr marL="3657600" lvl="7" indent="-317500">
               <a:lnSpc>
                 <a:spcPct val="115000"/>
               </a:lnSpc>
@@ -7097,7 +7299,7 @@
                 <a:sym typeface="Open Sans"/>
               </a:defRPr>
             </a:lvl8pPr>
-            <a:lvl9pPr indent="-317500" lvl="8" marL="4114800">
+            <a:lvl9pPr marL="4114800" lvl="8" indent="-317500">
               <a:lnSpc>
                 <a:spcPct val="115000"/>
               </a:lnSpc>
@@ -7124,15 +7326,19 @@
               </a:defRPr>
             </a:lvl9pPr>
           </a:lstStyle>
-          <a:p/>
+          <a:p>
+            <a:endParaRPr/>
+          </a:p>
         </p:txBody>
       </p:sp>
       <p:sp>
         <p:nvSpPr>
           <p:cNvPr id="8" name="Google Shape;8;p1"/>
-          <p:cNvSpPr txBox="1"/>
+          <p:cNvSpPr txBox="1">
+            <a:spLocks noGrp="1"/>
+          </p:cNvSpPr>
           <p:nvPr>
-            <p:ph idx="12" type="sldNum"/>
+            <p:ph type="sldNum" idx="12"/>
           </p:nvPr>
         </p:nvSpPr>
         <p:spPr>
@@ -7149,7 +7355,7 @@
           </a:ln>
         </p:spPr>
         <p:txBody>
-          <a:bodyPr anchorCtr="0" anchor="ctr" bIns="91425" lIns="91425" spcFirstLastPara="1" rIns="91425" wrap="square" tIns="91425">
+          <a:bodyPr spcFirstLastPara="1" wrap="square" lIns="91425" tIns="91425" rIns="91425" bIns="91425" anchor="ctr" anchorCtr="0">
             <a:normAutofit/>
           </a:bodyPr>
           <a:lstStyle>
@@ -7263,7 +7469,7 @@
             </a:lvl9pPr>
           </a:lstStyle>
           <a:p>
-            <a:pPr indent="0" lvl="0" marL="0" rtl="0" algn="r">
+            <a:pPr marL="0" lvl="0" indent="0" algn="r" rtl="0">
               <a:spcBef>
                 <a:spcPts val="0"/>
               </a:spcBef>
@@ -7282,7 +7488,7 @@
       </p:sp>
     </p:spTree>
   </p:cSld>
-  <p:clrMap accent1="accent1" accent2="accent2" accent3="accent3" accent4="accent4" accent5="accent5" accent6="accent6" bg1="lt1" bg2="dk2" tx1="dk1" tx2="lt2" folHlink="folHlink" hlink="hlink"/>
+  <p:clrMap bg1="lt1" tx1="dk1" bg2="dk2" tx2="lt2" accent1="accent1" accent2="accent2" accent3="accent3" accent4="accent4" accent5="accent5" accent6="accent6" hlink="hlink" folHlink="folHlink"/>
   <p:sldLayoutIdLst>
     <p:sldLayoutId id="2147483648" r:id="rId1"/>
     <p:sldLayoutId id="2147483649" r:id="rId2"/>
@@ -7296,10 +7502,10 @@
     <p:sldLayoutId id="2147483657" r:id="rId10"/>
     <p:sldLayoutId id="2147483658" r:id="rId11"/>
   </p:sldLayoutIdLst>
-  <p:hf dt="0" ftr="0" hdr="0" sldNum="0"/>
+  <p:hf sldNum="0" hdr="0" ftr="0" dt="0"/>
   <p:txStyles>
     <p:titleStyle>
-      <a:defPPr lvl="0" marR="0" rtl="0" algn="l">
+      <a:defPPr marR="0" lvl="0" algn="l" rtl="0">
         <a:lnSpc>
           <a:spcPct val="100000"/>
         </a:lnSpc>
@@ -7310,7 +7516,7 @@
           <a:spcPts val="0"/>
         </a:spcAft>
       </a:defPPr>
-      <a:lvl1pPr lvl="0" marR="0" rtl="0" algn="l">
+      <a:lvl1pPr marR="0" lvl="0" algn="l" rtl="0">
         <a:lnSpc>
           <a:spcPct val="100000"/>
         </a:lnSpc>
@@ -7324,7 +7530,7 @@
           <a:srgbClr val="000000"/>
         </a:buClr>
         <a:buFont typeface="Arial"/>
-        <a:defRPr b="0" i="0" sz="1400" u="none" cap="none" strike="noStrike">
+        <a:defRPr sz="1400" b="0" i="0" u="none" strike="noStrike" cap="none">
           <a:solidFill>
             <a:srgbClr val="000000"/>
           </a:solidFill>
@@ -7334,7 +7540,7 @@
           <a:sym typeface="Arial"/>
         </a:defRPr>
       </a:lvl1pPr>
-      <a:lvl2pPr lvl="1" marR="0" rtl="0" algn="l">
+      <a:lvl2pPr marR="0" lvl="1" algn="l" rtl="0">
         <a:lnSpc>
           <a:spcPct val="100000"/>
         </a:lnSpc>
@@ -7348,7 +7554,7 @@
           <a:srgbClr val="000000"/>
         </a:buClr>
         <a:buFont typeface="Arial"/>
-        <a:defRPr b="0" i="0" sz="1400" u="none" cap="none" strike="noStrike">
+        <a:defRPr sz="1400" b="0" i="0" u="none" strike="noStrike" cap="none">
           <a:solidFill>
             <a:srgbClr val="000000"/>
           </a:solidFill>
@@ -7358,7 +7564,7 @@
           <a:sym typeface="Arial"/>
         </a:defRPr>
       </a:lvl2pPr>
-      <a:lvl3pPr lvl="2" marR="0" rtl="0" algn="l">
+      <a:lvl3pPr marR="0" lvl="2" algn="l" rtl="0">
         <a:lnSpc>
           <a:spcPct val="100000"/>
         </a:lnSpc>
@@ -7372,7 +7578,7 @@
           <a:srgbClr val="000000"/>
         </a:buClr>
         <a:buFont typeface="Arial"/>
-        <a:defRPr b="0" i="0" sz="1400" u="none" cap="none" strike="noStrike">
+        <a:defRPr sz="1400" b="0" i="0" u="none" strike="noStrike" cap="none">
           <a:solidFill>
             <a:srgbClr val="000000"/>
           </a:solidFill>
@@ -7382,7 +7588,7 @@
           <a:sym typeface="Arial"/>
         </a:defRPr>
       </a:lvl3pPr>
-      <a:lvl4pPr lvl="3" marR="0" rtl="0" algn="l">
+      <a:lvl4pPr marR="0" lvl="3" algn="l" rtl="0">
         <a:lnSpc>
           <a:spcPct val="100000"/>
         </a:lnSpc>
@@ -7396,7 +7602,7 @@
           <a:srgbClr val="000000"/>
         </a:buClr>
         <a:buFont typeface="Arial"/>
-        <a:defRPr b="0" i="0" sz="1400" u="none" cap="none" strike="noStrike">
+        <a:defRPr sz="1400" b="0" i="0" u="none" strike="noStrike" cap="none">
           <a:solidFill>
             <a:srgbClr val="000000"/>
           </a:solidFill>
@@ -7406,7 +7612,7 @@
           <a:sym typeface="Arial"/>
         </a:defRPr>
       </a:lvl4pPr>
-      <a:lvl5pPr lvl="4" marR="0" rtl="0" algn="l">
+      <a:lvl5pPr marR="0" lvl="4" algn="l" rtl="0">
         <a:lnSpc>
           <a:spcPct val="100000"/>
         </a:lnSpc>
@@ -7420,7 +7626,7 @@
           <a:srgbClr val="000000"/>
         </a:buClr>
         <a:buFont typeface="Arial"/>
-        <a:defRPr b="0" i="0" sz="1400" u="none" cap="none" strike="noStrike">
+        <a:defRPr sz="1400" b="0" i="0" u="none" strike="noStrike" cap="none">
           <a:solidFill>
             <a:srgbClr val="000000"/>
           </a:solidFill>
@@ -7430,7 +7636,7 @@
           <a:sym typeface="Arial"/>
         </a:defRPr>
       </a:lvl5pPr>
-      <a:lvl6pPr lvl="5" marR="0" rtl="0" algn="l">
+      <a:lvl6pPr marR="0" lvl="5" algn="l" rtl="0">
         <a:lnSpc>
           <a:spcPct val="100000"/>
         </a:lnSpc>
@@ -7444,7 +7650,7 @@
           <a:srgbClr val="000000"/>
         </a:buClr>
         <a:buFont typeface="Arial"/>
-        <a:defRPr b="0" i="0" sz="1400" u="none" cap="none" strike="noStrike">
+        <a:defRPr sz="1400" b="0" i="0" u="none" strike="noStrike" cap="none">
           <a:solidFill>
             <a:srgbClr val="000000"/>
           </a:solidFill>
@@ -7454,7 +7660,7 @@
           <a:sym typeface="Arial"/>
         </a:defRPr>
       </a:lvl6pPr>
-      <a:lvl7pPr lvl="6" marR="0" rtl="0" algn="l">
+      <a:lvl7pPr marR="0" lvl="6" algn="l" rtl="0">
         <a:lnSpc>
           <a:spcPct val="100000"/>
         </a:lnSpc>
@@ -7468,7 +7674,7 @@
           <a:srgbClr val="000000"/>
         </a:buClr>
         <a:buFont typeface="Arial"/>
-        <a:defRPr b="0" i="0" sz="1400" u="none" cap="none" strike="noStrike">
+        <a:defRPr sz="1400" b="0" i="0" u="none" strike="noStrike" cap="none">
           <a:solidFill>
             <a:srgbClr val="000000"/>
           </a:solidFill>
@@ -7478,7 +7684,7 @@
           <a:sym typeface="Arial"/>
         </a:defRPr>
       </a:lvl7pPr>
-      <a:lvl8pPr lvl="7" marR="0" rtl="0" algn="l">
+      <a:lvl8pPr marR="0" lvl="7" algn="l" rtl="0">
         <a:lnSpc>
           <a:spcPct val="100000"/>
         </a:lnSpc>
@@ -7492,7 +7698,7 @@
           <a:srgbClr val="000000"/>
         </a:buClr>
         <a:buFont typeface="Arial"/>
-        <a:defRPr b="0" i="0" sz="1400" u="none" cap="none" strike="noStrike">
+        <a:defRPr sz="1400" b="0" i="0" u="none" strike="noStrike" cap="none">
           <a:solidFill>
             <a:srgbClr val="000000"/>
           </a:solidFill>
@@ -7502,7 +7708,7 @@
           <a:sym typeface="Arial"/>
         </a:defRPr>
       </a:lvl8pPr>
-      <a:lvl9pPr lvl="8" marR="0" rtl="0" algn="l">
+      <a:lvl9pPr marR="0" lvl="8" algn="l" rtl="0">
         <a:lnSpc>
           <a:spcPct val="100000"/>
         </a:lnSpc>
@@ -7516,7 +7722,7 @@
           <a:srgbClr val="000000"/>
         </a:buClr>
         <a:buFont typeface="Arial"/>
-        <a:defRPr b="0" i="0" sz="1400" u="none" cap="none" strike="noStrike">
+        <a:defRPr sz="1400" b="0" i="0" u="none" strike="noStrike" cap="none">
           <a:solidFill>
             <a:srgbClr val="000000"/>
           </a:solidFill>
@@ -7528,7 +7734,7 @@
       </a:lvl9pPr>
     </p:titleStyle>
     <p:bodyStyle>
-      <a:defPPr lvl="0" marR="0" rtl="0" algn="l">
+      <a:defPPr marR="0" lvl="0" algn="l" rtl="0">
         <a:lnSpc>
           <a:spcPct val="100000"/>
         </a:lnSpc>
@@ -7539,7 +7745,7 @@
           <a:spcPts val="0"/>
         </a:spcAft>
       </a:defPPr>
-      <a:lvl1pPr lvl="0" marR="0" rtl="0" algn="l">
+      <a:lvl1pPr marR="0" lvl="0" algn="l" rtl="0">
         <a:lnSpc>
           <a:spcPct val="100000"/>
         </a:lnSpc>
@@ -7553,7 +7759,7 @@
           <a:srgbClr val="000000"/>
         </a:buClr>
         <a:buFont typeface="Arial"/>
-        <a:defRPr b="0" i="0" sz="1400" u="none" cap="none" strike="noStrike">
+        <a:defRPr sz="1400" b="0" i="0" u="none" strike="noStrike" cap="none">
           <a:solidFill>
             <a:srgbClr val="000000"/>
           </a:solidFill>
@@ -7563,7 +7769,7 @@
           <a:sym typeface="Arial"/>
         </a:defRPr>
       </a:lvl1pPr>
-      <a:lvl2pPr lvl="1" marR="0" rtl="0" algn="l">
+      <a:lvl2pPr marR="0" lvl="1" algn="l" rtl="0">
         <a:lnSpc>
           <a:spcPct val="100000"/>
         </a:lnSpc>
@@ -7577,7 +7783,7 @@
           <a:srgbClr val="000000"/>
         </a:buClr>
         <a:buFont typeface="Arial"/>
-        <a:defRPr b="0" i="0" sz="1400" u="none" cap="none" strike="noStrike">
+        <a:defRPr sz="1400" b="0" i="0" u="none" strike="noStrike" cap="none">
           <a:solidFill>
             <a:srgbClr val="000000"/>
           </a:solidFill>
@@ -7587,7 +7793,7 @@
           <a:sym typeface="Arial"/>
         </a:defRPr>
       </a:lvl2pPr>
-      <a:lvl3pPr lvl="2" marR="0" rtl="0" algn="l">
+      <a:lvl3pPr marR="0" lvl="2" algn="l" rtl="0">
         <a:lnSpc>
           <a:spcPct val="100000"/>
         </a:lnSpc>
@@ -7601,7 +7807,7 @@
           <a:srgbClr val="000000"/>
         </a:buClr>
         <a:buFont typeface="Arial"/>
-        <a:defRPr b="0" i="0" sz="1400" u="none" cap="none" strike="noStrike">
+        <a:defRPr sz="1400" b="0" i="0" u="none" strike="noStrike" cap="none">
           <a:solidFill>
             <a:srgbClr val="000000"/>
           </a:solidFill>
@@ -7611,7 +7817,7 @@
           <a:sym typeface="Arial"/>
         </a:defRPr>
       </a:lvl3pPr>
-      <a:lvl4pPr lvl="3" marR="0" rtl="0" algn="l">
+      <a:lvl4pPr marR="0" lvl="3" algn="l" rtl="0">
         <a:lnSpc>
           <a:spcPct val="100000"/>
         </a:lnSpc>
@@ -7625,7 +7831,7 @@
           <a:srgbClr val="000000"/>
         </a:buClr>
         <a:buFont typeface="Arial"/>
-        <a:defRPr b="0" i="0" sz="1400" u="none" cap="none" strike="noStrike">
+        <a:defRPr sz="1400" b="0" i="0" u="none" strike="noStrike" cap="none">
           <a:solidFill>
             <a:srgbClr val="000000"/>
           </a:solidFill>
@@ -7635,7 +7841,7 @@
           <a:sym typeface="Arial"/>
         </a:defRPr>
       </a:lvl4pPr>
-      <a:lvl5pPr lvl="4" marR="0" rtl="0" algn="l">
+      <a:lvl5pPr marR="0" lvl="4" algn="l" rtl="0">
         <a:lnSpc>
           <a:spcPct val="100000"/>
         </a:lnSpc>
@@ -7649,7 +7855,7 @@
           <a:srgbClr val="000000"/>
         </a:buClr>
         <a:buFont typeface="Arial"/>
-        <a:defRPr b="0" i="0" sz="1400" u="none" cap="none" strike="noStrike">
+        <a:defRPr sz="1400" b="0" i="0" u="none" strike="noStrike" cap="none">
           <a:solidFill>
             <a:srgbClr val="000000"/>
           </a:solidFill>
@@ -7659,7 +7865,7 @@
           <a:sym typeface="Arial"/>
         </a:defRPr>
       </a:lvl5pPr>
-      <a:lvl6pPr lvl="5" marR="0" rtl="0" algn="l">
+      <a:lvl6pPr marR="0" lvl="5" algn="l" rtl="0">
         <a:lnSpc>
           <a:spcPct val="100000"/>
         </a:lnSpc>
@@ -7673,7 +7879,7 @@
           <a:srgbClr val="000000"/>
         </a:buClr>
         <a:buFont typeface="Arial"/>
-        <a:defRPr b="0" i="0" sz="1400" u="none" cap="none" strike="noStrike">
+        <a:defRPr sz="1400" b="0" i="0" u="none" strike="noStrike" cap="none">
           <a:solidFill>
             <a:srgbClr val="000000"/>
           </a:solidFill>
@@ -7683,7 +7889,7 @@
           <a:sym typeface="Arial"/>
         </a:defRPr>
       </a:lvl6pPr>
-      <a:lvl7pPr lvl="6" marR="0" rtl="0" algn="l">
+      <a:lvl7pPr marR="0" lvl="6" algn="l" rtl="0">
         <a:lnSpc>
           <a:spcPct val="100000"/>
         </a:lnSpc>
@@ -7697,7 +7903,7 @@
           <a:srgbClr val="000000"/>
         </a:buClr>
         <a:buFont typeface="Arial"/>
-        <a:defRPr b="0" i="0" sz="1400" u="none" cap="none" strike="noStrike">
+        <a:defRPr sz="1400" b="0" i="0" u="none" strike="noStrike" cap="none">
           <a:solidFill>
             <a:srgbClr val="000000"/>
           </a:solidFill>
@@ -7707,7 +7913,7 @@
           <a:sym typeface="Arial"/>
         </a:defRPr>
       </a:lvl7pPr>
-      <a:lvl8pPr lvl="7" marR="0" rtl="0" algn="l">
+      <a:lvl8pPr marR="0" lvl="7" algn="l" rtl="0">
         <a:lnSpc>
           <a:spcPct val="100000"/>
         </a:lnSpc>
@@ -7721,7 +7927,7 @@
           <a:srgbClr val="000000"/>
         </a:buClr>
         <a:buFont typeface="Arial"/>
-        <a:defRPr b="0" i="0" sz="1400" u="none" cap="none" strike="noStrike">
+        <a:defRPr sz="1400" b="0" i="0" u="none" strike="noStrike" cap="none">
           <a:solidFill>
             <a:srgbClr val="000000"/>
           </a:solidFill>
@@ -7731,7 +7937,7 @@
           <a:sym typeface="Arial"/>
         </a:defRPr>
       </a:lvl8pPr>
-      <a:lvl9pPr lvl="8" marR="0" rtl="0" algn="l">
+      <a:lvl9pPr marR="0" lvl="8" algn="l" rtl="0">
         <a:lnSpc>
           <a:spcPct val="100000"/>
         </a:lnSpc>
@@ -7745,7 +7951,7 @@
           <a:srgbClr val="000000"/>
         </a:buClr>
         <a:buFont typeface="Arial"/>
-        <a:defRPr b="0" i="0" sz="1400" u="none" cap="none" strike="noStrike">
+        <a:defRPr sz="1400" b="0" i="0" u="none" strike="noStrike" cap="none">
           <a:solidFill>
             <a:srgbClr val="000000"/>
           </a:solidFill>
@@ -7757,7 +7963,7 @@
       </a:lvl9pPr>
     </p:bodyStyle>
     <p:otherStyle>
-      <a:defPPr lvl="0" marR="0" rtl="0" algn="l">
+      <a:defPPr marR="0" lvl="0" algn="l" rtl="0">
         <a:lnSpc>
           <a:spcPct val="100000"/>
         </a:lnSpc>
@@ -7768,7 +7974,7 @@
           <a:spcPts val="0"/>
         </a:spcAft>
       </a:defPPr>
-      <a:lvl1pPr lvl="0" marR="0" rtl="0" algn="l">
+      <a:lvl1pPr marR="0" lvl="0" algn="l" rtl="0">
         <a:lnSpc>
           <a:spcPct val="100000"/>
         </a:lnSpc>
@@ -7782,7 +7988,7 @@
           <a:srgbClr val="000000"/>
         </a:buClr>
         <a:buFont typeface="Arial"/>
-        <a:defRPr b="0" i="0" sz="1400" u="none" cap="none" strike="noStrike">
+        <a:defRPr sz="1400" b="0" i="0" u="none" strike="noStrike" cap="none">
           <a:solidFill>
             <a:srgbClr val="000000"/>
           </a:solidFill>
@@ -7792,7 +7998,7 @@
           <a:sym typeface="Arial"/>
         </a:defRPr>
       </a:lvl1pPr>
-      <a:lvl2pPr lvl="1" marR="0" rtl="0" algn="l">
+      <a:lvl2pPr marR="0" lvl="1" algn="l" rtl="0">
         <a:lnSpc>
           <a:spcPct val="100000"/>
         </a:lnSpc>
@@ -7806,7 +8012,7 @@
           <a:srgbClr val="000000"/>
         </a:buClr>
         <a:buFont typeface="Arial"/>
-        <a:defRPr b="0" i="0" sz="1400" u="none" cap="none" strike="noStrike">
+        <a:defRPr sz="1400" b="0" i="0" u="none" strike="noStrike" cap="none">
           <a:solidFill>
             <a:srgbClr val="000000"/>
           </a:solidFill>
@@ -7816,7 +8022,7 @@
           <a:sym typeface="Arial"/>
         </a:defRPr>
       </a:lvl2pPr>
-      <a:lvl3pPr lvl="2" marR="0" rtl="0" algn="l">
+      <a:lvl3pPr marR="0" lvl="2" algn="l" rtl="0">
         <a:lnSpc>
           <a:spcPct val="100000"/>
         </a:lnSpc>
@@ -7830,7 +8036,7 @@
           <a:srgbClr val="000000"/>
         </a:buClr>
         <a:buFont typeface="Arial"/>
-        <a:defRPr b="0" i="0" sz="1400" u="none" cap="none" strike="noStrike">
+        <a:defRPr sz="1400" b="0" i="0" u="none" strike="noStrike" cap="none">
           <a:solidFill>
             <a:srgbClr val="000000"/>
           </a:solidFill>
@@ -7840,7 +8046,7 @@
           <a:sym typeface="Arial"/>
         </a:defRPr>
       </a:lvl3pPr>
-      <a:lvl4pPr lvl="3" marR="0" rtl="0" algn="l">
+      <a:lvl4pPr marR="0" lvl="3" algn="l" rtl="0">
         <a:lnSpc>
           <a:spcPct val="100000"/>
         </a:lnSpc>
@@ -7854,7 +8060,7 @@
           <a:srgbClr val="000000"/>
         </a:buClr>
         <a:buFont typeface="Arial"/>
-        <a:defRPr b="0" i="0" sz="1400" u="none" cap="none" strike="noStrike">
+        <a:defRPr sz="1400" b="0" i="0" u="none" strike="noStrike" cap="none">
           <a:solidFill>
             <a:srgbClr val="000000"/>
           </a:solidFill>
@@ -7864,7 +8070,7 @@
           <a:sym typeface="Arial"/>
         </a:defRPr>
       </a:lvl4pPr>
-      <a:lvl5pPr lvl="4" marR="0" rtl="0" algn="l">
+      <a:lvl5pPr marR="0" lvl="4" algn="l" rtl="0">
         <a:lnSpc>
           <a:spcPct val="100000"/>
         </a:lnSpc>
@@ -7878,7 +8084,7 @@
           <a:srgbClr val="000000"/>
         </a:buClr>
         <a:buFont typeface="Arial"/>
-        <a:defRPr b="0" i="0" sz="1400" u="none" cap="none" strike="noStrike">
+        <a:defRPr sz="1400" b="0" i="0" u="none" strike="noStrike" cap="none">
           <a:solidFill>
             <a:srgbClr val="000000"/>
           </a:solidFill>
@@ -7888,7 +8094,7 @@
           <a:sym typeface="Arial"/>
         </a:defRPr>
       </a:lvl5pPr>
-      <a:lvl6pPr lvl="5" marR="0" rtl="0" algn="l">
+      <a:lvl6pPr marR="0" lvl="5" algn="l" rtl="0">
         <a:lnSpc>
           <a:spcPct val="100000"/>
         </a:lnSpc>
@@ -7902,7 +8108,7 @@
           <a:srgbClr val="000000"/>
         </a:buClr>
         <a:buFont typeface="Arial"/>
-        <a:defRPr b="0" i="0" sz="1400" u="none" cap="none" strike="noStrike">
+        <a:defRPr sz="1400" b="0" i="0" u="none" strike="noStrike" cap="none">
           <a:solidFill>
             <a:srgbClr val="000000"/>
           </a:solidFill>
@@ -7912,7 +8118,7 @@
           <a:sym typeface="Arial"/>
         </a:defRPr>
       </a:lvl6pPr>
-      <a:lvl7pPr lvl="6" marR="0" rtl="0" algn="l">
+      <a:lvl7pPr marR="0" lvl="6" algn="l" rtl="0">
         <a:lnSpc>
           <a:spcPct val="100000"/>
         </a:lnSpc>
@@ -7926,7 +8132,7 @@
           <a:srgbClr val="000000"/>
         </a:buClr>
         <a:buFont typeface="Arial"/>
-        <a:defRPr b="0" i="0" sz="1400" u="none" cap="none" strike="noStrike">
+        <a:defRPr sz="1400" b="0" i="0" u="none" strike="noStrike" cap="none">
           <a:solidFill>
             <a:srgbClr val="000000"/>
           </a:solidFill>
@@ -7936,7 +8142,7 @@
           <a:sym typeface="Arial"/>
         </a:defRPr>
       </a:lvl7pPr>
-      <a:lvl8pPr lvl="7" marR="0" rtl="0" algn="l">
+      <a:lvl8pPr marR="0" lvl="7" algn="l" rtl="0">
         <a:lnSpc>
           <a:spcPct val="100000"/>
         </a:lnSpc>
@@ -7950,7 +8156,7 @@
           <a:srgbClr val="000000"/>
         </a:buClr>
         <a:buFont typeface="Arial"/>
-        <a:defRPr b="0" i="0" sz="1400" u="none" cap="none" strike="noStrike">
+        <a:defRPr sz="1400" b="0" i="0" u="none" strike="noStrike" cap="none">
           <a:solidFill>
             <a:srgbClr val="000000"/>
           </a:solidFill>
@@ -7960,7 +8166,7 @@
           <a:sym typeface="Arial"/>
         </a:defRPr>
       </a:lvl8pPr>
-      <a:lvl9pPr lvl="8" marR="0" rtl="0" algn="l">
+      <a:lvl9pPr marR="0" lvl="8" algn="l" rtl="0">
         <a:lnSpc>
           <a:spcPct val="100000"/>
         </a:lnSpc>
@@ -7974,7 +8180,7 @@
           <a:srgbClr val="000000"/>
         </a:buClr>
         <a:buFont typeface="Arial"/>
-        <a:defRPr b="0" i="0" sz="1400" u="none" cap="none" strike="noStrike">
+        <a:defRPr sz="1400" b="0" i="0" u="none" strike="noStrike" cap="none">
           <a:solidFill>
             <a:srgbClr val="000000"/>
           </a:solidFill>
@@ -7990,11 +8196,11 @@
 </file>
 
 <file path=ppt/slides/slide1.xml><?xml version="1.0" encoding="utf-8"?>
-<p:sld xmlns:a="http://schemas.openxmlformats.org/drawingml/2006/main" xmlns:r="http://schemas.openxmlformats.org/officeDocument/2006/relationships" xmlns:mc="http://schemas.openxmlformats.org/markup-compatibility/2006" xmlns:mv="urn:schemas-microsoft-com:mac:vml" xmlns:p="http://schemas.openxmlformats.org/presentationml/2006/main" xmlns:c="http://schemas.openxmlformats.org/drawingml/2006/chart" xmlns:dgm="http://schemas.openxmlformats.org/drawingml/2006/diagram" xmlns:o="urn:schemas-microsoft-com:office:office" xmlns:v="urn:schemas-microsoft-com:vml" xmlns:pvml="urn:schemas-microsoft-com:office:powerpoint" xmlns:com="http://schemas.openxmlformats.org/drawingml/2006/compatibility" xmlns:p14="http://schemas.microsoft.com/office/powerpoint/2010/main" xmlns:p15="http://schemas.microsoft.com/office/powerpoint/2012/main" xmlns:ahyp="http://schemas.microsoft.com/office/drawing/2018/hyperlinkcolor">
+<p:sld xmlns:a="http://schemas.openxmlformats.org/drawingml/2006/main" xmlns:r="http://schemas.openxmlformats.org/officeDocument/2006/relationships" xmlns:p="http://schemas.openxmlformats.org/presentationml/2006/main">
   <p:cSld>
     <p:spTree>
       <p:nvGrpSpPr>
-        <p:cNvPr id="65" name="Shape 65"/>
+        <p:cNvPr id="1" name="Shape 65"/>
         <p:cNvGrpSpPr/>
         <p:nvPr/>
       </p:nvGrpSpPr>
@@ -8009,7 +8215,9 @@
       <p:sp>
         <p:nvSpPr>
           <p:cNvPr id="66" name="Google Shape;66;p13"/>
-          <p:cNvSpPr txBox="1"/>
+          <p:cNvSpPr txBox="1">
+            <a:spLocks noGrp="1"/>
+          </p:cNvSpPr>
           <p:nvPr>
             <p:ph type="ctrTitle"/>
           </p:nvPr>
@@ -8024,12 +8232,12 @@
           </a:prstGeom>
         </p:spPr>
         <p:txBody>
-          <a:bodyPr anchorCtr="0" anchor="b" bIns="91425" lIns="91425" spcFirstLastPara="1" rIns="91425" wrap="square" tIns="91425">
+          <a:bodyPr spcFirstLastPara="1" wrap="square" lIns="91425" tIns="91425" rIns="91425" bIns="91425" anchor="b" anchorCtr="0">
             <a:normAutofit/>
           </a:bodyPr>
           <a:lstStyle/>
           <a:p>
-            <a:pPr indent="0" lvl="0" marL="0" rtl="0" algn="ctr">
+            <a:pPr marL="0" lvl="0" indent="0" algn="ctr" rtl="0">
               <a:spcBef>
                 <a:spcPts val="0"/>
               </a:spcBef>
@@ -8049,9 +8257,11 @@
       <p:sp>
         <p:nvSpPr>
           <p:cNvPr id="67" name="Google Shape;67;p13"/>
-          <p:cNvSpPr txBox="1"/>
+          <p:cNvSpPr txBox="1">
+            <a:spLocks noGrp="1"/>
+          </p:cNvSpPr>
           <p:nvPr>
-            <p:ph idx="1" type="subTitle"/>
+            <p:ph type="subTitle" idx="1"/>
           </p:nvPr>
         </p:nvSpPr>
         <p:spPr>
@@ -8064,12 +8274,12 @@
           </a:prstGeom>
         </p:spPr>
         <p:txBody>
-          <a:bodyPr anchorCtr="0" anchor="t" bIns="91425" lIns="91425" spcFirstLastPara="1" rIns="91425" wrap="square" tIns="91425">
-            <a:normAutofit lnSpcReduction="20000"/>
+          <a:bodyPr spcFirstLastPara="1" wrap="square" lIns="91425" tIns="91425" rIns="91425" bIns="91425" anchor="t" anchorCtr="0">
+            <a:normAutofit fontScale="92500"/>
           </a:bodyPr>
           <a:lstStyle/>
           <a:p>
-            <a:pPr indent="0" lvl="0" marL="0" rtl="0" algn="ctr">
+            <a:pPr marL="0" lvl="0" indent="0" algn="ctr" rtl="0">
               <a:spcBef>
                 <a:spcPts val="0"/>
               </a:spcBef>
@@ -8095,11 +8305,11 @@
 </file>
 
 <file path=ppt/slides/slide10.xml><?xml version="1.0" encoding="utf-8"?>
-<p:sld xmlns:a="http://schemas.openxmlformats.org/drawingml/2006/main" xmlns:r="http://schemas.openxmlformats.org/officeDocument/2006/relationships" xmlns:mc="http://schemas.openxmlformats.org/markup-compatibility/2006" xmlns:mv="urn:schemas-microsoft-com:mac:vml" xmlns:p="http://schemas.openxmlformats.org/presentationml/2006/main" xmlns:c="http://schemas.openxmlformats.org/drawingml/2006/chart" xmlns:dgm="http://schemas.openxmlformats.org/drawingml/2006/diagram" xmlns:o="urn:schemas-microsoft-com:office:office" xmlns:v="urn:schemas-microsoft-com:vml" xmlns:pvml="urn:schemas-microsoft-com:office:powerpoint" xmlns:com="http://schemas.openxmlformats.org/drawingml/2006/compatibility" xmlns:p14="http://schemas.microsoft.com/office/powerpoint/2010/main" xmlns:p15="http://schemas.microsoft.com/office/powerpoint/2012/main" xmlns:ahyp="http://schemas.microsoft.com/office/drawing/2018/hyperlinkcolor">
+<p:sld xmlns:a="http://schemas.openxmlformats.org/drawingml/2006/main" xmlns:r="http://schemas.openxmlformats.org/officeDocument/2006/relationships" xmlns:p="http://schemas.openxmlformats.org/presentationml/2006/main">
   <p:cSld>
     <p:spTree>
       <p:nvGrpSpPr>
-        <p:cNvPr id="125" name="Shape 125"/>
+        <p:cNvPr id="1" name="Shape 125"/>
         <p:cNvGrpSpPr/>
         <p:nvPr/>
       </p:nvGrpSpPr>
@@ -8114,7 +8324,9 @@
       <p:sp>
         <p:nvSpPr>
           <p:cNvPr id="126" name="Google Shape;126;p22"/>
-          <p:cNvSpPr txBox="1"/>
+          <p:cNvSpPr txBox="1">
+            <a:spLocks noGrp="1"/>
+          </p:cNvSpPr>
           <p:nvPr>
             <p:ph type="title"/>
           </p:nvPr>
@@ -8129,12 +8341,12 @@
           </a:prstGeom>
         </p:spPr>
         <p:txBody>
-          <a:bodyPr anchorCtr="0" anchor="t" bIns="91425" lIns="91425" spcFirstLastPara="1" rIns="91425" wrap="square" tIns="91425">
+          <a:bodyPr spcFirstLastPara="1" wrap="square" lIns="91425" tIns="91425" rIns="91425" bIns="91425" anchor="t" anchorCtr="0">
             <a:normAutofit fontScale="90000"/>
           </a:bodyPr>
           <a:lstStyle/>
           <a:p>
-            <a:pPr indent="0" lvl="0" marL="0" rtl="0" algn="l">
+            <a:pPr marL="0" lvl="0" indent="0" algn="l" rtl="0">
               <a:spcBef>
                 <a:spcPts val="0"/>
               </a:spcBef>
@@ -8154,9 +8366,11 @@
       <p:sp>
         <p:nvSpPr>
           <p:cNvPr id="127" name="Google Shape;127;p22"/>
-          <p:cNvSpPr txBox="1"/>
+          <p:cNvSpPr txBox="1">
+            <a:spLocks noGrp="1"/>
+          </p:cNvSpPr>
           <p:nvPr>
-            <p:ph idx="1" type="body"/>
+            <p:ph type="body" idx="1"/>
           </p:nvPr>
         </p:nvSpPr>
         <p:spPr>
@@ -8169,12 +8383,12 @@
           </a:prstGeom>
         </p:spPr>
         <p:txBody>
-          <a:bodyPr anchorCtr="0" anchor="t" bIns="91425" lIns="91425" spcFirstLastPara="1" rIns="91425" wrap="square" tIns="91425">
+          <a:bodyPr spcFirstLastPara="1" wrap="square" lIns="91425" tIns="91425" rIns="91425" bIns="91425" anchor="t" anchorCtr="0">
             <a:normAutofit/>
           </a:bodyPr>
           <a:lstStyle/>
           <a:p>
-            <a:pPr indent="0" lvl="0" marL="0" rtl="0" algn="l">
+            <a:pPr marL="0" lvl="0" indent="0" algn="l" rtl="0">
               <a:spcBef>
                 <a:spcPts val="0"/>
               </a:spcBef>
@@ -8183,9 +8397,6 @@
               </a:spcAft>
               <a:buNone/>
             </a:pPr>
-            <a:r>
-              <a:t/>
-            </a:r>
             <a:endParaRPr/>
           </a:p>
         </p:txBody>
@@ -8227,11 +8438,11 @@
 </file>
 
 <file path=ppt/slides/slide11.xml><?xml version="1.0" encoding="utf-8"?>
-<p:sld xmlns:a="http://schemas.openxmlformats.org/drawingml/2006/main" xmlns:r="http://schemas.openxmlformats.org/officeDocument/2006/relationships" xmlns:mc="http://schemas.openxmlformats.org/markup-compatibility/2006" xmlns:mv="urn:schemas-microsoft-com:mac:vml" xmlns:p="http://schemas.openxmlformats.org/presentationml/2006/main" xmlns:c="http://schemas.openxmlformats.org/drawingml/2006/chart" xmlns:dgm="http://schemas.openxmlformats.org/drawingml/2006/diagram" xmlns:o="urn:schemas-microsoft-com:office:office" xmlns:v="urn:schemas-microsoft-com:vml" xmlns:pvml="urn:schemas-microsoft-com:office:powerpoint" xmlns:com="http://schemas.openxmlformats.org/drawingml/2006/compatibility" xmlns:p14="http://schemas.microsoft.com/office/powerpoint/2010/main" xmlns:p15="http://schemas.microsoft.com/office/powerpoint/2012/main" xmlns:ahyp="http://schemas.microsoft.com/office/drawing/2018/hyperlinkcolor">
+<p:sld xmlns:a="http://schemas.openxmlformats.org/drawingml/2006/main" xmlns:r="http://schemas.openxmlformats.org/officeDocument/2006/relationships" xmlns:p="http://schemas.openxmlformats.org/presentationml/2006/main">
   <p:cSld>
     <p:spTree>
       <p:nvGrpSpPr>
-        <p:cNvPr id="132" name="Shape 132"/>
+        <p:cNvPr id="1" name="Shape 132"/>
         <p:cNvGrpSpPr/>
         <p:nvPr/>
       </p:nvGrpSpPr>
@@ -8246,7 +8457,9 @@
       <p:sp>
         <p:nvSpPr>
           <p:cNvPr id="133" name="Google Shape;133;p23"/>
-          <p:cNvSpPr txBox="1"/>
+          <p:cNvSpPr txBox="1">
+            <a:spLocks noGrp="1"/>
+          </p:cNvSpPr>
           <p:nvPr>
             <p:ph type="title"/>
           </p:nvPr>
@@ -8261,12 +8474,12 @@
           </a:prstGeom>
         </p:spPr>
         <p:txBody>
-          <a:bodyPr anchorCtr="0" anchor="t" bIns="91425" lIns="91425" spcFirstLastPara="1" rIns="91425" wrap="square" tIns="91425">
+          <a:bodyPr spcFirstLastPara="1" wrap="square" lIns="91425" tIns="91425" rIns="91425" bIns="91425" anchor="t" anchorCtr="0">
             <a:normAutofit fontScale="90000"/>
           </a:bodyPr>
           <a:lstStyle/>
           <a:p>
-            <a:pPr indent="0" lvl="0" marL="0" rtl="0" algn="l">
+            <a:pPr marL="0" lvl="0" indent="0" algn="l" rtl="0">
               <a:spcBef>
                 <a:spcPts val="0"/>
               </a:spcBef>
@@ -8286,9 +8499,11 @@
       <p:sp>
         <p:nvSpPr>
           <p:cNvPr id="134" name="Google Shape;134;p23"/>
-          <p:cNvSpPr txBox="1"/>
+          <p:cNvSpPr txBox="1">
+            <a:spLocks noGrp="1"/>
+          </p:cNvSpPr>
           <p:nvPr>
-            <p:ph idx="1" type="body"/>
+            <p:ph type="body" idx="1"/>
           </p:nvPr>
         </p:nvSpPr>
         <p:spPr>
@@ -8301,12 +8516,12 @@
           </a:prstGeom>
         </p:spPr>
         <p:txBody>
-          <a:bodyPr anchorCtr="0" anchor="t" bIns="91425" lIns="91425" spcFirstLastPara="1" rIns="91425" wrap="square" tIns="91425">
+          <a:bodyPr spcFirstLastPara="1" wrap="square" lIns="91425" tIns="91425" rIns="91425" bIns="91425" anchor="t" anchorCtr="0">
             <a:normAutofit/>
           </a:bodyPr>
           <a:lstStyle/>
           <a:p>
-            <a:pPr indent="0" lvl="0" marL="0" rtl="0" algn="l">
+            <a:pPr marL="0" lvl="0" indent="0" algn="l" rtl="0">
               <a:spcBef>
                 <a:spcPts val="0"/>
               </a:spcBef>
@@ -8315,9 +8530,6 @@
               </a:spcAft>
               <a:buNone/>
             </a:pPr>
-            <a:r>
-              <a:t/>
-            </a:r>
             <a:endParaRPr/>
           </a:p>
         </p:txBody>
@@ -8398,12 +8610,12 @@
           </a:ln>
         </p:spPr>
         <p:txBody>
-          <a:bodyPr anchorCtr="0" anchor="t" bIns="91425" lIns="91425" spcFirstLastPara="1" rIns="91425" wrap="square" tIns="91425">
+          <a:bodyPr spcFirstLastPara="1" wrap="square" lIns="91425" tIns="91425" rIns="91425" bIns="91425" anchor="t" anchorCtr="0">
             <a:noAutofit/>
           </a:bodyPr>
           <a:lstStyle/>
           <a:p>
-            <a:pPr indent="0" lvl="0" marL="0" rtl="0" algn="l">
+            <a:pPr marL="0" lvl="0" indent="0" algn="l" rtl="0">
               <a:spcBef>
                 <a:spcPts val="0"/>
               </a:spcBef>
@@ -8445,11 +8657,11 @@
 </file>
 
 <file path=ppt/slides/slide12.xml><?xml version="1.0" encoding="utf-8"?>
-<p:sld xmlns:a="http://schemas.openxmlformats.org/drawingml/2006/main" xmlns:r="http://schemas.openxmlformats.org/officeDocument/2006/relationships" xmlns:mc="http://schemas.openxmlformats.org/markup-compatibility/2006" xmlns:mv="urn:schemas-microsoft-com:mac:vml" xmlns:p="http://schemas.openxmlformats.org/presentationml/2006/main" xmlns:c="http://schemas.openxmlformats.org/drawingml/2006/chart" xmlns:dgm="http://schemas.openxmlformats.org/drawingml/2006/diagram" xmlns:o="urn:schemas-microsoft-com:office:office" xmlns:v="urn:schemas-microsoft-com:vml" xmlns:pvml="urn:schemas-microsoft-com:office:powerpoint" xmlns:com="http://schemas.openxmlformats.org/drawingml/2006/compatibility" xmlns:p14="http://schemas.microsoft.com/office/powerpoint/2010/main" xmlns:p15="http://schemas.microsoft.com/office/powerpoint/2012/main" xmlns:ahyp="http://schemas.microsoft.com/office/drawing/2018/hyperlinkcolor">
+<p:sld xmlns:a="http://schemas.openxmlformats.org/drawingml/2006/main" xmlns:r="http://schemas.openxmlformats.org/officeDocument/2006/relationships" xmlns:p="http://schemas.openxmlformats.org/presentationml/2006/main">
   <p:cSld>
     <p:spTree>
       <p:nvGrpSpPr>
-        <p:cNvPr id="141" name="Shape 141"/>
+        <p:cNvPr id="1" name="Shape 141"/>
         <p:cNvGrpSpPr/>
         <p:nvPr/>
       </p:nvGrpSpPr>
@@ -8464,7 +8676,9 @@
       <p:sp>
         <p:nvSpPr>
           <p:cNvPr id="142" name="Google Shape;142;p24"/>
-          <p:cNvSpPr txBox="1"/>
+          <p:cNvSpPr txBox="1">
+            <a:spLocks noGrp="1"/>
+          </p:cNvSpPr>
           <p:nvPr>
             <p:ph type="title"/>
           </p:nvPr>
@@ -8479,12 +8693,12 @@
           </a:prstGeom>
         </p:spPr>
         <p:txBody>
-          <a:bodyPr anchorCtr="0" anchor="t" bIns="91425" lIns="91425" spcFirstLastPara="1" rIns="91425" wrap="square" tIns="91425">
+          <a:bodyPr spcFirstLastPara="1" wrap="square" lIns="91425" tIns="91425" rIns="91425" bIns="91425" anchor="t" anchorCtr="0">
             <a:normAutofit fontScale="90000"/>
           </a:bodyPr>
           <a:lstStyle/>
           <a:p>
-            <a:pPr indent="0" lvl="0" marL="0" rtl="0" algn="l">
+            <a:pPr marL="0" lvl="0" indent="0" algn="l" rtl="0">
               <a:spcBef>
                 <a:spcPts val="0"/>
               </a:spcBef>
@@ -8504,9 +8718,11 @@
       <p:sp>
         <p:nvSpPr>
           <p:cNvPr id="143" name="Google Shape;143;p24"/>
-          <p:cNvSpPr txBox="1"/>
+          <p:cNvSpPr txBox="1">
+            <a:spLocks noGrp="1"/>
+          </p:cNvSpPr>
           <p:nvPr>
-            <p:ph idx="1" type="body"/>
+            <p:ph type="body" idx="1"/>
           </p:nvPr>
         </p:nvSpPr>
         <p:spPr>
@@ -8519,12 +8735,12 @@
           </a:prstGeom>
         </p:spPr>
         <p:txBody>
-          <a:bodyPr anchorCtr="0" anchor="t" bIns="91425" lIns="91425" spcFirstLastPara="1" rIns="91425" wrap="square" tIns="91425">
+          <a:bodyPr spcFirstLastPara="1" wrap="square" lIns="91425" tIns="91425" rIns="91425" bIns="91425" anchor="t" anchorCtr="0">
             <a:normAutofit/>
           </a:bodyPr>
           <a:lstStyle/>
           <a:p>
-            <a:pPr indent="0" lvl="0" marL="0" rtl="0" algn="l">
+            <a:pPr marL="0" lvl="0" indent="0" algn="l" rtl="0">
               <a:spcBef>
                 <a:spcPts val="0"/>
               </a:spcBef>
@@ -8533,9 +8749,6 @@
               </a:spcAft>
               <a:buNone/>
             </a:pPr>
-            <a:r>
-              <a:t/>
-            </a:r>
             <a:endParaRPr/>
           </a:p>
         </p:txBody>
@@ -8577,11 +8790,11 @@
 </file>
 
 <file path=ppt/slides/slide13.xml><?xml version="1.0" encoding="utf-8"?>
-<p:sld xmlns:a="http://schemas.openxmlformats.org/drawingml/2006/main" xmlns:r="http://schemas.openxmlformats.org/officeDocument/2006/relationships" xmlns:mc="http://schemas.openxmlformats.org/markup-compatibility/2006" xmlns:mv="urn:schemas-microsoft-com:mac:vml" xmlns:p="http://schemas.openxmlformats.org/presentationml/2006/main" xmlns:c="http://schemas.openxmlformats.org/drawingml/2006/chart" xmlns:dgm="http://schemas.openxmlformats.org/drawingml/2006/diagram" xmlns:o="urn:schemas-microsoft-com:office:office" xmlns:v="urn:schemas-microsoft-com:vml" xmlns:pvml="urn:schemas-microsoft-com:office:powerpoint" xmlns:com="http://schemas.openxmlformats.org/drawingml/2006/compatibility" xmlns:p14="http://schemas.microsoft.com/office/powerpoint/2010/main" xmlns:p15="http://schemas.microsoft.com/office/powerpoint/2012/main" xmlns:ahyp="http://schemas.microsoft.com/office/drawing/2018/hyperlinkcolor">
+<p:sld xmlns:a="http://schemas.openxmlformats.org/drawingml/2006/main" xmlns:r="http://schemas.openxmlformats.org/officeDocument/2006/relationships" xmlns:p="http://schemas.openxmlformats.org/presentationml/2006/main">
   <p:cSld>
     <p:spTree>
       <p:nvGrpSpPr>
-        <p:cNvPr id="148" name="Shape 148"/>
+        <p:cNvPr id="1" name="Shape 148"/>
         <p:cNvGrpSpPr/>
         <p:nvPr/>
       </p:nvGrpSpPr>
@@ -8596,7 +8809,9 @@
       <p:sp>
         <p:nvSpPr>
           <p:cNvPr id="149" name="Google Shape;149;p25"/>
-          <p:cNvSpPr txBox="1"/>
+          <p:cNvSpPr txBox="1">
+            <a:spLocks noGrp="1"/>
+          </p:cNvSpPr>
           <p:nvPr>
             <p:ph type="title"/>
           </p:nvPr>
@@ -8611,12 +8826,12 @@
           </a:prstGeom>
         </p:spPr>
         <p:txBody>
-          <a:bodyPr anchorCtr="0" anchor="t" bIns="91425" lIns="91425" spcFirstLastPara="1" rIns="91425" wrap="square" tIns="91425">
+          <a:bodyPr spcFirstLastPara="1" wrap="square" lIns="91425" tIns="91425" rIns="91425" bIns="91425" anchor="t" anchorCtr="0">
             <a:normAutofit fontScale="90000"/>
           </a:bodyPr>
           <a:lstStyle/>
           <a:p>
-            <a:pPr indent="0" lvl="0" marL="0" rtl="0" algn="l">
+            <a:pPr marL="0" lvl="0" indent="0" algn="l" rtl="0">
               <a:spcBef>
                 <a:spcPts val="0"/>
               </a:spcBef>
@@ -8644,9 +8859,11 @@
       <p:sp>
         <p:nvSpPr>
           <p:cNvPr id="150" name="Google Shape;150;p25"/>
-          <p:cNvSpPr txBox="1"/>
+          <p:cNvSpPr txBox="1">
+            <a:spLocks noGrp="1"/>
+          </p:cNvSpPr>
           <p:nvPr>
-            <p:ph idx="1" type="body"/>
+            <p:ph type="body" idx="1"/>
           </p:nvPr>
         </p:nvSpPr>
         <p:spPr>
@@ -8659,12 +8876,12 @@
           </a:prstGeom>
         </p:spPr>
         <p:txBody>
-          <a:bodyPr anchorCtr="0" anchor="t" bIns="91425" lIns="91425" spcFirstLastPara="1" rIns="91425" wrap="square" tIns="91425">
+          <a:bodyPr spcFirstLastPara="1" wrap="square" lIns="91425" tIns="91425" rIns="91425" bIns="91425" anchor="t" anchorCtr="0">
             <a:normAutofit/>
           </a:bodyPr>
           <a:lstStyle/>
           <a:p>
-            <a:pPr indent="0" lvl="0" marL="0" rtl="0" algn="l">
+            <a:pPr marL="0" lvl="0" indent="0" algn="l" rtl="0">
               <a:spcBef>
                 <a:spcPts val="0"/>
               </a:spcBef>
@@ -8673,9 +8890,6 @@
               </a:spcAft>
               <a:buNone/>
             </a:pPr>
-            <a:r>
-              <a:t/>
-            </a:r>
             <a:endParaRPr/>
           </a:p>
         </p:txBody>
@@ -8745,11 +8959,11 @@
 </file>
 
 <file path=ppt/slides/slide14.xml><?xml version="1.0" encoding="utf-8"?>
-<p:sld xmlns:a="http://schemas.openxmlformats.org/drawingml/2006/main" xmlns:r="http://schemas.openxmlformats.org/officeDocument/2006/relationships" xmlns:mc="http://schemas.openxmlformats.org/markup-compatibility/2006" xmlns:mv="urn:schemas-microsoft-com:mac:vml" xmlns:p="http://schemas.openxmlformats.org/presentationml/2006/main" xmlns:c="http://schemas.openxmlformats.org/drawingml/2006/chart" xmlns:dgm="http://schemas.openxmlformats.org/drawingml/2006/diagram" xmlns:o="urn:schemas-microsoft-com:office:office" xmlns:v="urn:schemas-microsoft-com:vml" xmlns:pvml="urn:schemas-microsoft-com:office:powerpoint" xmlns:com="http://schemas.openxmlformats.org/drawingml/2006/compatibility" xmlns:p14="http://schemas.microsoft.com/office/powerpoint/2010/main" xmlns:p15="http://schemas.microsoft.com/office/powerpoint/2012/main" xmlns:ahyp="http://schemas.microsoft.com/office/drawing/2018/hyperlinkcolor">
+<p:sld xmlns:a="http://schemas.openxmlformats.org/drawingml/2006/main" xmlns:r="http://schemas.openxmlformats.org/officeDocument/2006/relationships" xmlns:p="http://schemas.openxmlformats.org/presentationml/2006/main">
   <p:cSld>
     <p:spTree>
       <p:nvGrpSpPr>
-        <p:cNvPr id="156" name="Shape 156"/>
+        <p:cNvPr id="1" name="Shape 156"/>
         <p:cNvGrpSpPr/>
         <p:nvPr/>
       </p:nvGrpSpPr>
@@ -8764,7 +8978,9 @@
       <p:sp>
         <p:nvSpPr>
           <p:cNvPr id="157" name="Google Shape;157;p26"/>
-          <p:cNvSpPr txBox="1"/>
+          <p:cNvSpPr txBox="1">
+            <a:spLocks noGrp="1"/>
+          </p:cNvSpPr>
           <p:nvPr>
             <p:ph type="title"/>
           </p:nvPr>
@@ -8779,12 +8995,12 @@
           </a:prstGeom>
         </p:spPr>
         <p:txBody>
-          <a:bodyPr anchorCtr="0" anchor="t" bIns="91425" lIns="91425" spcFirstLastPara="1" rIns="91425" wrap="square" tIns="91425">
+          <a:bodyPr spcFirstLastPara="1" wrap="square" lIns="91425" tIns="91425" rIns="91425" bIns="91425" anchor="t" anchorCtr="0">
             <a:normAutofit fontScale="90000"/>
           </a:bodyPr>
           <a:lstStyle/>
           <a:p>
-            <a:pPr indent="0" lvl="0" marL="0" rtl="0" algn="l">
+            <a:pPr marL="0" lvl="0" indent="0" algn="l" rtl="0">
               <a:spcBef>
                 <a:spcPts val="0"/>
               </a:spcBef>
@@ -8804,9 +9020,11 @@
       <p:sp>
         <p:nvSpPr>
           <p:cNvPr id="158" name="Google Shape;158;p26"/>
-          <p:cNvSpPr txBox="1"/>
+          <p:cNvSpPr txBox="1">
+            <a:spLocks noGrp="1"/>
+          </p:cNvSpPr>
           <p:nvPr>
-            <p:ph idx="1" type="body"/>
+            <p:ph type="body" idx="1"/>
           </p:nvPr>
         </p:nvSpPr>
         <p:spPr>
@@ -8819,12 +9037,12 @@
           </a:prstGeom>
         </p:spPr>
         <p:txBody>
-          <a:bodyPr anchorCtr="0" anchor="t" bIns="91425" lIns="91425" spcFirstLastPara="1" rIns="91425" wrap="square" tIns="91425">
+          <a:bodyPr spcFirstLastPara="1" wrap="square" lIns="91425" tIns="91425" rIns="91425" bIns="91425" anchor="t" anchorCtr="0">
             <a:normAutofit/>
           </a:bodyPr>
           <a:lstStyle/>
           <a:p>
-            <a:pPr indent="-342900" lvl="0" marL="457200" rtl="0" algn="l">
+            <a:pPr marL="457200" lvl="0" indent="-342900" algn="l" rtl="0">
               <a:spcBef>
                 <a:spcPts val="0"/>
               </a:spcBef>
@@ -8879,11 +9097,11 @@
 </file>
 
 <file path=ppt/slides/slide15.xml><?xml version="1.0" encoding="utf-8"?>
-<p:sld xmlns:a="http://schemas.openxmlformats.org/drawingml/2006/main" xmlns:r="http://schemas.openxmlformats.org/officeDocument/2006/relationships" xmlns:mc="http://schemas.openxmlformats.org/markup-compatibility/2006" xmlns:mv="urn:schemas-microsoft-com:mac:vml" xmlns:p="http://schemas.openxmlformats.org/presentationml/2006/main" xmlns:c="http://schemas.openxmlformats.org/drawingml/2006/chart" xmlns:dgm="http://schemas.openxmlformats.org/drawingml/2006/diagram" xmlns:o="urn:schemas-microsoft-com:office:office" xmlns:v="urn:schemas-microsoft-com:vml" xmlns:pvml="urn:schemas-microsoft-com:office:powerpoint" xmlns:com="http://schemas.openxmlformats.org/drawingml/2006/compatibility" xmlns:p14="http://schemas.microsoft.com/office/powerpoint/2010/main" xmlns:p15="http://schemas.microsoft.com/office/powerpoint/2012/main" xmlns:ahyp="http://schemas.microsoft.com/office/drawing/2018/hyperlinkcolor">
+<p:sld xmlns:a="http://schemas.openxmlformats.org/drawingml/2006/main" xmlns:r="http://schemas.openxmlformats.org/officeDocument/2006/relationships" xmlns:p="http://schemas.openxmlformats.org/presentationml/2006/main">
   <p:cSld>
     <p:spTree>
       <p:nvGrpSpPr>
-        <p:cNvPr id="163" name="Shape 163"/>
+        <p:cNvPr id="1" name="Shape 163"/>
         <p:cNvGrpSpPr/>
         <p:nvPr/>
       </p:nvGrpSpPr>
@@ -8898,7 +9116,9 @@
       <p:sp>
         <p:nvSpPr>
           <p:cNvPr id="164" name="Google Shape;164;p27"/>
-          <p:cNvSpPr txBox="1"/>
+          <p:cNvSpPr txBox="1">
+            <a:spLocks noGrp="1"/>
+          </p:cNvSpPr>
           <p:nvPr>
             <p:ph type="title"/>
           </p:nvPr>
@@ -8913,12 +9133,12 @@
           </a:prstGeom>
         </p:spPr>
         <p:txBody>
-          <a:bodyPr anchorCtr="0" anchor="ctr" bIns="91425" lIns="91425" spcFirstLastPara="1" rIns="91425" wrap="square" tIns="91425">
+          <a:bodyPr spcFirstLastPara="1" wrap="square" lIns="91425" tIns="91425" rIns="91425" bIns="91425" anchor="ctr" anchorCtr="0">
             <a:normAutofit/>
           </a:bodyPr>
           <a:lstStyle/>
           <a:p>
-            <a:pPr indent="0" lvl="0" marL="0" rtl="0" algn="ctr">
+            <a:pPr marL="0" lvl="0" indent="0" algn="ctr" rtl="0">
               <a:spcBef>
                 <a:spcPts val="0"/>
               </a:spcBef>
@@ -8944,11 +9164,11 @@
 </file>
 
 <file path=ppt/slides/slide16.xml><?xml version="1.0" encoding="utf-8"?>
-<p:sld xmlns:a="http://schemas.openxmlformats.org/drawingml/2006/main" xmlns:r="http://schemas.openxmlformats.org/officeDocument/2006/relationships" xmlns:mc="http://schemas.openxmlformats.org/markup-compatibility/2006" xmlns:mv="urn:schemas-microsoft-com:mac:vml" xmlns:p="http://schemas.openxmlformats.org/presentationml/2006/main" xmlns:c="http://schemas.openxmlformats.org/drawingml/2006/chart" xmlns:dgm="http://schemas.openxmlformats.org/drawingml/2006/diagram" xmlns:o="urn:schemas-microsoft-com:office:office" xmlns:v="urn:schemas-microsoft-com:vml" xmlns:pvml="urn:schemas-microsoft-com:office:powerpoint" xmlns:com="http://schemas.openxmlformats.org/drawingml/2006/compatibility" xmlns:p14="http://schemas.microsoft.com/office/powerpoint/2010/main" xmlns:p15="http://schemas.microsoft.com/office/powerpoint/2012/main" xmlns:ahyp="http://schemas.microsoft.com/office/drawing/2018/hyperlinkcolor">
+<p:sld xmlns:a="http://schemas.openxmlformats.org/drawingml/2006/main" xmlns:r="http://schemas.openxmlformats.org/officeDocument/2006/relationships" xmlns:p="http://schemas.openxmlformats.org/presentationml/2006/main">
   <p:cSld>
     <p:spTree>
       <p:nvGrpSpPr>
-        <p:cNvPr id="168" name="Shape 168"/>
+        <p:cNvPr id="1" name="Shape 168"/>
         <p:cNvGrpSpPr/>
         <p:nvPr/>
       </p:nvGrpSpPr>
@@ -8963,7 +9183,9 @@
       <p:sp>
         <p:nvSpPr>
           <p:cNvPr id="169" name="Google Shape;169;p28"/>
-          <p:cNvSpPr txBox="1"/>
+          <p:cNvSpPr txBox="1">
+            <a:spLocks noGrp="1"/>
+          </p:cNvSpPr>
           <p:nvPr>
             <p:ph type="title"/>
           </p:nvPr>
@@ -8978,12 +9200,12 @@
           </a:prstGeom>
         </p:spPr>
         <p:txBody>
-          <a:bodyPr anchorCtr="0" anchor="t" bIns="91425" lIns="91425" spcFirstLastPara="1" rIns="91425" wrap="square" tIns="91425">
+          <a:bodyPr spcFirstLastPara="1" wrap="square" lIns="91425" tIns="91425" rIns="91425" bIns="91425" anchor="t" anchorCtr="0">
             <a:normAutofit fontScale="90000"/>
           </a:bodyPr>
           <a:lstStyle/>
           <a:p>
-            <a:pPr indent="0" lvl="0" marL="0" rtl="0" algn="l">
+            <a:pPr marL="0" lvl="0" indent="0" algn="l" rtl="0">
               <a:spcBef>
                 <a:spcPts val="0"/>
               </a:spcBef>
@@ -9065,11 +9287,11 @@
 </file>
 
 <file path=ppt/slides/slide17.xml><?xml version="1.0" encoding="utf-8"?>
-<p:sld xmlns:a="http://schemas.openxmlformats.org/drawingml/2006/main" xmlns:r="http://schemas.openxmlformats.org/officeDocument/2006/relationships" xmlns:mc="http://schemas.openxmlformats.org/markup-compatibility/2006" xmlns:mv="urn:schemas-microsoft-com:mac:vml" xmlns:p="http://schemas.openxmlformats.org/presentationml/2006/main" xmlns:c="http://schemas.openxmlformats.org/drawingml/2006/chart" xmlns:dgm="http://schemas.openxmlformats.org/drawingml/2006/diagram" xmlns:o="urn:schemas-microsoft-com:office:office" xmlns:v="urn:schemas-microsoft-com:vml" xmlns:pvml="urn:schemas-microsoft-com:office:powerpoint" xmlns:com="http://schemas.openxmlformats.org/drawingml/2006/compatibility" xmlns:p14="http://schemas.microsoft.com/office/powerpoint/2010/main" xmlns:p15="http://schemas.microsoft.com/office/powerpoint/2012/main" xmlns:ahyp="http://schemas.microsoft.com/office/drawing/2018/hyperlinkcolor">
+<p:sld xmlns:a="http://schemas.openxmlformats.org/drawingml/2006/main" xmlns:r="http://schemas.openxmlformats.org/officeDocument/2006/relationships" xmlns:p="http://schemas.openxmlformats.org/presentationml/2006/main">
   <p:cSld>
     <p:spTree>
       <p:nvGrpSpPr>
-        <p:cNvPr id="175" name="Shape 175"/>
+        <p:cNvPr id="1" name="Shape 175"/>
         <p:cNvGrpSpPr/>
         <p:nvPr/>
       </p:nvGrpSpPr>
@@ -9084,7 +9306,9 @@
       <p:sp>
         <p:nvSpPr>
           <p:cNvPr id="176" name="Google Shape;176;p29"/>
-          <p:cNvSpPr txBox="1"/>
+          <p:cNvSpPr txBox="1">
+            <a:spLocks noGrp="1"/>
+          </p:cNvSpPr>
           <p:nvPr>
             <p:ph type="title"/>
           </p:nvPr>
@@ -9099,12 +9323,12 @@
           </a:prstGeom>
         </p:spPr>
         <p:txBody>
-          <a:bodyPr anchorCtr="0" anchor="t" bIns="91425" lIns="91425" spcFirstLastPara="1" rIns="91425" wrap="square" tIns="91425">
+          <a:bodyPr spcFirstLastPara="1" wrap="square" lIns="91425" tIns="91425" rIns="91425" bIns="91425" anchor="t" anchorCtr="0">
             <a:normAutofit fontScale="90000"/>
           </a:bodyPr>
           <a:lstStyle/>
           <a:p>
-            <a:pPr indent="0" lvl="0" marL="0" rtl="0" algn="l">
+            <a:pPr marL="0" lvl="0" indent="0" algn="l" rtl="0">
               <a:spcBef>
                 <a:spcPts val="0"/>
               </a:spcBef>
@@ -9124,9 +9348,11 @@
       <p:sp>
         <p:nvSpPr>
           <p:cNvPr id="177" name="Google Shape;177;p29"/>
-          <p:cNvSpPr txBox="1"/>
+          <p:cNvSpPr txBox="1">
+            <a:spLocks noGrp="1"/>
+          </p:cNvSpPr>
           <p:nvPr>
-            <p:ph idx="1" type="body"/>
+            <p:ph type="body" idx="1"/>
           </p:nvPr>
         </p:nvSpPr>
         <p:spPr>
@@ -9139,12 +9365,12 @@
           </a:prstGeom>
         </p:spPr>
         <p:txBody>
-          <a:bodyPr anchorCtr="0" anchor="t" bIns="91425" lIns="91425" spcFirstLastPara="1" rIns="91425" wrap="square" tIns="91425">
+          <a:bodyPr spcFirstLastPara="1" wrap="square" lIns="91425" tIns="91425" rIns="91425" bIns="91425" anchor="t" anchorCtr="0">
             <a:normAutofit/>
           </a:bodyPr>
           <a:lstStyle/>
           <a:p>
-            <a:pPr indent="0" lvl="0" marL="0" rtl="0" algn="l">
+            <a:pPr marL="0" lvl="0" indent="0" algn="l" rtl="0">
               <a:spcBef>
                 <a:spcPts val="0"/>
               </a:spcBef>
@@ -9153,9 +9379,6 @@
               </a:spcAft>
               <a:buNone/>
             </a:pPr>
-            <a:r>
-              <a:t/>
-            </a:r>
             <a:endParaRPr/>
           </a:p>
         </p:txBody>
@@ -9225,11 +9448,701 @@
 </file>
 
 <file path=ppt/slides/slide18.xml><?xml version="1.0" encoding="utf-8"?>
-<p:sld xmlns:a="http://schemas.openxmlformats.org/drawingml/2006/main" xmlns:r="http://schemas.openxmlformats.org/officeDocument/2006/relationships" xmlns:mc="http://schemas.openxmlformats.org/markup-compatibility/2006" xmlns:mv="urn:schemas-microsoft-com:mac:vml" xmlns:p="http://schemas.openxmlformats.org/presentationml/2006/main" xmlns:c="http://schemas.openxmlformats.org/drawingml/2006/chart" xmlns:dgm="http://schemas.openxmlformats.org/drawingml/2006/diagram" xmlns:o="urn:schemas-microsoft-com:office:office" xmlns:v="urn:schemas-microsoft-com:vml" xmlns:pvml="urn:schemas-microsoft-com:office:powerpoint" xmlns:com="http://schemas.openxmlformats.org/drawingml/2006/compatibility" xmlns:p14="http://schemas.microsoft.com/office/powerpoint/2010/main" xmlns:p15="http://schemas.microsoft.com/office/powerpoint/2012/main" xmlns:ahyp="http://schemas.microsoft.com/office/drawing/2018/hyperlinkcolor">
+<p:sld xmlns:a="http://schemas.openxmlformats.org/drawingml/2006/main" xmlns:r="http://schemas.openxmlformats.org/officeDocument/2006/relationships" xmlns:p="http://schemas.openxmlformats.org/presentationml/2006/main">
   <p:cSld>
     <p:spTree>
       <p:nvGrpSpPr>
-        <p:cNvPr id="183" name="Shape 183"/>
+        <p:cNvPr id="1" name=""/>
+        <p:cNvGrpSpPr/>
+        <p:nvPr/>
+      </p:nvGrpSpPr>
+      <p:grpSpPr>
+        <a:xfrm>
+          <a:off x="0" y="0"/>
+          <a:ext cx="0" cy="0"/>
+          <a:chOff x="0" y="0"/>
+          <a:chExt cx="0" cy="0"/>
+        </a:xfrm>
+      </p:grpSpPr>
+      <p:sp>
+        <p:nvSpPr>
+          <p:cNvPr id="2" name="Title 1">
+            <a:extLst>
+              <a:ext uri="{FF2B5EF4-FFF2-40B4-BE49-F238E27FC236}">
+                <a16:creationId xmlns:a16="http://schemas.microsoft.com/office/drawing/2014/main" id="{AAE0B8BD-3CD8-EA77-A07E-B82284380061}"/>
+              </a:ext>
+            </a:extLst>
+          </p:cNvPr>
+          <p:cNvSpPr>
+            <a:spLocks noGrp="1"/>
+          </p:cNvSpPr>
+          <p:nvPr>
+            <p:ph type="title"/>
+          </p:nvPr>
+        </p:nvSpPr>
+        <p:spPr/>
+        <p:txBody>
+          <a:bodyPr>
+            <a:normAutofit fontScale="90000"/>
+          </a:bodyPr>
+          <a:lstStyle/>
+          <a:p>
+            <a:r>
+              <a:rPr lang="de-DE" dirty="0"/>
+              <a:t>Go Big </a:t>
+            </a:r>
+            <a:r>
+              <a:rPr lang="de-DE" dirty="0" err="1"/>
+              <a:t>or</a:t>
+            </a:r>
+            <a:r>
+              <a:rPr lang="de-DE" dirty="0"/>
+              <a:t> Go Home mit LSTM</a:t>
+            </a:r>
+          </a:p>
+        </p:txBody>
+      </p:sp>
+      <p:sp>
+        <p:nvSpPr>
+          <p:cNvPr id="3" name="Text Placeholder 2">
+            <a:extLst>
+              <a:ext uri="{FF2B5EF4-FFF2-40B4-BE49-F238E27FC236}">
+                <a16:creationId xmlns:a16="http://schemas.microsoft.com/office/drawing/2014/main" id="{7BE1D5CB-6F64-0627-F870-0FA030B02AC6}"/>
+              </a:ext>
+            </a:extLst>
+          </p:cNvPr>
+          <p:cNvSpPr>
+            <a:spLocks noGrp="1"/>
+          </p:cNvSpPr>
+          <p:nvPr>
+            <p:ph type="body" idx="1"/>
+          </p:nvPr>
+        </p:nvSpPr>
+        <p:spPr/>
+        <p:txBody>
+          <a:bodyPr/>
+          <a:lstStyle/>
+          <a:p>
+            <a:r>
+              <a:rPr lang="de-DE" dirty="0"/>
+              <a:t>Ziel: Voll Automatisiertes Training &amp; Vorhersagen</a:t>
+            </a:r>
+          </a:p>
+          <a:p>
+            <a:r>
+              <a:rPr lang="de-DE" dirty="0"/>
+              <a:t>Automatisierter Daten Download</a:t>
+            </a:r>
+          </a:p>
+          <a:p>
+            <a:r>
+              <a:rPr lang="de-DE" dirty="0"/>
+              <a:t>Automatisiertes Model Training &amp; Invalidation</a:t>
+            </a:r>
+          </a:p>
+          <a:p>
+            <a:r>
+              <a:rPr lang="de-DE" dirty="0"/>
+              <a:t>Automatische </a:t>
+            </a:r>
+            <a:r>
+              <a:rPr lang="de-DE" dirty="0" err="1"/>
+              <a:t>Predictions</a:t>
+            </a:r>
+            <a:endParaRPr lang="de-DE" dirty="0"/>
+          </a:p>
+          <a:p>
+            <a:endParaRPr lang="de-DE" dirty="0"/>
+          </a:p>
+        </p:txBody>
+      </p:sp>
+    </p:spTree>
+    <p:extLst>
+      <p:ext uri="{BB962C8B-B14F-4D97-AF65-F5344CB8AC3E}">
+        <p14:creationId xmlns:p14="http://schemas.microsoft.com/office/powerpoint/2010/main" val="802098117"/>
+      </p:ext>
+    </p:extLst>
+  </p:cSld>
+  <p:clrMapOvr>
+    <a:masterClrMapping/>
+  </p:clrMapOvr>
+</p:sld>
+</file>
+
+<file path=ppt/slides/slide19.xml><?xml version="1.0" encoding="utf-8"?>
+<p:sld xmlns:a="http://schemas.openxmlformats.org/drawingml/2006/main" xmlns:r="http://schemas.openxmlformats.org/officeDocument/2006/relationships" xmlns:p="http://schemas.openxmlformats.org/presentationml/2006/main">
+  <p:cSld>
+    <p:spTree>
+      <p:nvGrpSpPr>
+        <p:cNvPr id="1" name=""/>
+        <p:cNvGrpSpPr/>
+        <p:nvPr/>
+      </p:nvGrpSpPr>
+      <p:grpSpPr>
+        <a:xfrm>
+          <a:off x="0" y="0"/>
+          <a:ext cx="0" cy="0"/>
+          <a:chOff x="0" y="0"/>
+          <a:chExt cx="0" cy="0"/>
+        </a:xfrm>
+      </p:grpSpPr>
+      <p:sp>
+        <p:nvSpPr>
+          <p:cNvPr id="2" name="Title 1">
+            <a:extLst>
+              <a:ext uri="{FF2B5EF4-FFF2-40B4-BE49-F238E27FC236}">
+                <a16:creationId xmlns:a16="http://schemas.microsoft.com/office/drawing/2014/main" id="{FB8688E8-51EB-ABE7-A013-01C0877966A3}"/>
+              </a:ext>
+            </a:extLst>
+          </p:cNvPr>
+          <p:cNvSpPr>
+            <a:spLocks noGrp="1"/>
+          </p:cNvSpPr>
+          <p:nvPr>
+            <p:ph type="title"/>
+          </p:nvPr>
+        </p:nvSpPr>
+        <p:spPr/>
+        <p:txBody>
+          <a:bodyPr>
+            <a:normAutofit fontScale="90000"/>
+          </a:bodyPr>
+          <a:lstStyle/>
+          <a:p>
+            <a:r>
+              <a:rPr lang="de-DE" dirty="0"/>
+              <a:t>Daten Download</a:t>
+            </a:r>
+          </a:p>
+        </p:txBody>
+      </p:sp>
+      <p:sp>
+        <p:nvSpPr>
+          <p:cNvPr id="3" name="Text Placeholder 2">
+            <a:extLst>
+              <a:ext uri="{FF2B5EF4-FFF2-40B4-BE49-F238E27FC236}">
+                <a16:creationId xmlns:a16="http://schemas.microsoft.com/office/drawing/2014/main" id="{D85D7795-835D-B36D-35FD-8BD3702842AC}"/>
+              </a:ext>
+            </a:extLst>
+          </p:cNvPr>
+          <p:cNvSpPr>
+            <a:spLocks noGrp="1"/>
+          </p:cNvSpPr>
+          <p:nvPr>
+            <p:ph type="body" idx="1"/>
+          </p:nvPr>
+        </p:nvSpPr>
+        <p:spPr/>
+        <p:txBody>
+          <a:bodyPr/>
+          <a:lstStyle/>
+          <a:p>
+            <a:r>
+              <a:rPr lang="de-DE" dirty="0"/>
+              <a:t>Abfragen alle 60 Sekunden für alle boxen &amp; Sensoren</a:t>
+            </a:r>
+          </a:p>
+          <a:p>
+            <a:r>
+              <a:rPr lang="de-DE" dirty="0"/>
+              <a:t>&gt; 10.000.000 Datenpunkte .-.</a:t>
+            </a:r>
+          </a:p>
+          <a:p>
+            <a:endParaRPr lang="de-DE" dirty="0"/>
+          </a:p>
+        </p:txBody>
+      </p:sp>
+      <p:pic>
+        <p:nvPicPr>
+          <p:cNvPr id="1026" name="Picture 2">
+            <a:extLst>
+              <a:ext uri="{FF2B5EF4-FFF2-40B4-BE49-F238E27FC236}">
+                <a16:creationId xmlns:a16="http://schemas.microsoft.com/office/drawing/2014/main" id="{10A162BA-A43E-1A40-57A2-280B8AF798DC}"/>
+              </a:ext>
+            </a:extLst>
+          </p:cNvPr>
+          <p:cNvPicPr>
+            <a:picLocks noChangeAspect="1" noChangeArrowheads="1"/>
+          </p:cNvPicPr>
+          <p:nvPr/>
+        </p:nvPicPr>
+        <p:blipFill>
+          <a:blip r:embed="rId2">
+            <a:extLst>
+              <a:ext uri="{28A0092B-C50C-407E-A947-70E740481C1C}">
+                <a14:useLocalDpi xmlns:a14="http://schemas.microsoft.com/office/drawing/2010/main" val="0"/>
+              </a:ext>
+            </a:extLst>
+          </a:blip>
+          <a:srcRect/>
+          <a:stretch>
+            <a:fillRect/>
+          </a:stretch>
+        </p:blipFill>
+        <p:spPr bwMode="auto">
+          <a:xfrm>
+            <a:off x="3993219" y="1939637"/>
+            <a:ext cx="4957251" cy="2819400"/>
+          </a:xfrm>
+          <a:prstGeom prst="rect">
+            <a:avLst/>
+          </a:prstGeom>
+          <a:noFill/>
+          <a:extLst>
+            <a:ext uri="{909E8E84-426E-40DD-AFC4-6F175D3DCCD1}">
+              <a14:hiddenFill xmlns:a14="http://schemas.microsoft.com/office/drawing/2010/main">
+                <a:solidFill>
+                  <a:srgbClr val="FFFFFF"/>
+                </a:solidFill>
+              </a14:hiddenFill>
+            </a:ext>
+          </a:extLst>
+        </p:spPr>
+      </p:pic>
+    </p:spTree>
+    <p:extLst>
+      <p:ext uri="{BB962C8B-B14F-4D97-AF65-F5344CB8AC3E}">
+        <p14:creationId xmlns:p14="http://schemas.microsoft.com/office/powerpoint/2010/main" val="2996861995"/>
+      </p:ext>
+    </p:extLst>
+  </p:cSld>
+  <p:clrMapOvr>
+    <a:masterClrMapping/>
+  </p:clrMapOvr>
+</p:sld>
+</file>
+
+<file path=ppt/slides/slide2.xml><?xml version="1.0" encoding="utf-8"?>
+<p:sld xmlns:a="http://schemas.openxmlformats.org/drawingml/2006/main" xmlns:r="http://schemas.openxmlformats.org/officeDocument/2006/relationships" xmlns:p="http://schemas.openxmlformats.org/presentationml/2006/main">
+  <p:cSld>
+    <p:spTree>
+      <p:nvGrpSpPr>
+        <p:cNvPr id="1" name="Shape 71"/>
+        <p:cNvGrpSpPr/>
+        <p:nvPr/>
+      </p:nvGrpSpPr>
+      <p:grpSpPr>
+        <a:xfrm>
+          <a:off x="0" y="0"/>
+          <a:ext cx="0" cy="0"/>
+          <a:chOff x="0" y="0"/>
+          <a:chExt cx="0" cy="0"/>
+        </a:xfrm>
+      </p:grpSpPr>
+      <p:sp>
+        <p:nvSpPr>
+          <p:cNvPr id="72" name="Google Shape;72;p14"/>
+          <p:cNvSpPr txBox="1">
+            <a:spLocks noGrp="1"/>
+          </p:cNvSpPr>
+          <p:nvPr>
+            <p:ph type="title"/>
+          </p:nvPr>
+        </p:nvSpPr>
+        <p:spPr>
+          <a:xfrm>
+            <a:off x="311700" y="445025"/>
+            <a:ext cx="8520600" cy="707400"/>
+          </a:xfrm>
+          <a:prstGeom prst="rect">
+            <a:avLst/>
+          </a:prstGeom>
+        </p:spPr>
+        <p:txBody>
+          <a:bodyPr spcFirstLastPara="1" wrap="square" lIns="91425" tIns="91425" rIns="91425" bIns="91425" anchor="t" anchorCtr="0">
+            <a:normAutofit fontScale="90000"/>
+          </a:bodyPr>
+          <a:lstStyle/>
+          <a:p>
+            <a:pPr marL="0" lvl="0" indent="0" algn="l" rtl="0">
+              <a:spcBef>
+                <a:spcPts val="0"/>
+              </a:spcBef>
+              <a:spcAft>
+                <a:spcPts val="0"/>
+              </a:spcAft>
+              <a:buNone/>
+            </a:pPr>
+            <a:r>
+              <a:rPr lang="de"/>
+              <a:t>Übersicht</a:t>
+            </a:r>
+            <a:endParaRPr/>
+          </a:p>
+        </p:txBody>
+      </p:sp>
+      <p:sp>
+        <p:nvSpPr>
+          <p:cNvPr id="73" name="Google Shape;73;p14"/>
+          <p:cNvSpPr txBox="1">
+            <a:spLocks noGrp="1"/>
+          </p:cNvSpPr>
+          <p:nvPr>
+            <p:ph type="body" idx="1"/>
+          </p:nvPr>
+        </p:nvSpPr>
+        <p:spPr>
+          <a:xfrm>
+            <a:off x="311700" y="1266325"/>
+            <a:ext cx="8520600" cy="3302700"/>
+          </a:xfrm>
+          <a:prstGeom prst="rect">
+            <a:avLst/>
+          </a:prstGeom>
+        </p:spPr>
+        <p:txBody>
+          <a:bodyPr spcFirstLastPara="1" wrap="square" lIns="91425" tIns="91425" rIns="91425" bIns="91425" anchor="t" anchorCtr="0">
+            <a:normAutofit/>
+          </a:bodyPr>
+          <a:lstStyle/>
+          <a:p>
+            <a:pPr marL="457200" lvl="0" indent="-381000" algn="l" rtl="0">
+              <a:spcBef>
+                <a:spcPts val="0"/>
+              </a:spcBef>
+              <a:spcAft>
+                <a:spcPts val="0"/>
+              </a:spcAft>
+              <a:buSzPts val="2400"/>
+              <a:buAutoNum type="arabicPeriod"/>
+            </a:pPr>
+            <a:r>
+              <a:rPr lang="de" sz="2400"/>
+              <a:t>Wahl der Senseboxen und Sensoren</a:t>
+            </a:r>
+            <a:endParaRPr sz="2400"/>
+          </a:p>
+          <a:p>
+            <a:pPr marL="457200" lvl="0" indent="-381000" algn="l" rtl="0">
+              <a:spcBef>
+                <a:spcPts val="0"/>
+              </a:spcBef>
+              <a:spcAft>
+                <a:spcPts val="0"/>
+              </a:spcAft>
+              <a:buSzPts val="2400"/>
+              <a:buAutoNum type="arabicPeriod"/>
+            </a:pPr>
+            <a:r>
+              <a:rPr lang="de" sz="2400"/>
+              <a:t>Datenvorverarbeitung</a:t>
+            </a:r>
+            <a:endParaRPr sz="2400"/>
+          </a:p>
+          <a:p>
+            <a:pPr marL="457200" lvl="0" indent="-381000" algn="l" rtl="0">
+              <a:spcBef>
+                <a:spcPts val="0"/>
+              </a:spcBef>
+              <a:spcAft>
+                <a:spcPts val="0"/>
+              </a:spcAft>
+              <a:buSzPts val="2400"/>
+              <a:buAutoNum type="arabicPeriod"/>
+            </a:pPr>
+            <a:r>
+              <a:rPr lang="de" sz="2400"/>
+              <a:t>Modell Erstellung</a:t>
+            </a:r>
+            <a:endParaRPr sz="2400"/>
+          </a:p>
+          <a:p>
+            <a:pPr marL="457200" lvl="0" indent="-381000" algn="l" rtl="0">
+              <a:spcBef>
+                <a:spcPts val="0"/>
+              </a:spcBef>
+              <a:spcAft>
+                <a:spcPts val="0"/>
+              </a:spcAft>
+              <a:buSzPts val="2400"/>
+              <a:buAutoNum type="arabicPeriod"/>
+            </a:pPr>
+            <a:r>
+              <a:rPr lang="de" sz="2400"/>
+              <a:t>Aufbau Dashboard</a:t>
+            </a:r>
+            <a:endParaRPr sz="2400"/>
+          </a:p>
+        </p:txBody>
+      </p:sp>
+    </p:spTree>
+  </p:cSld>
+  <p:clrMapOvr>
+    <a:masterClrMapping/>
+  </p:clrMapOvr>
+</p:sld>
+</file>
+
+<file path=ppt/slides/slide20.xml><?xml version="1.0" encoding="utf-8"?>
+<p:sld xmlns:a="http://schemas.openxmlformats.org/drawingml/2006/main" xmlns:r="http://schemas.openxmlformats.org/officeDocument/2006/relationships" xmlns:p="http://schemas.openxmlformats.org/presentationml/2006/main">
+  <p:cSld>
+    <p:spTree>
+      <p:nvGrpSpPr>
+        <p:cNvPr id="1" name=""/>
+        <p:cNvGrpSpPr/>
+        <p:nvPr/>
+      </p:nvGrpSpPr>
+      <p:grpSpPr>
+        <a:xfrm>
+          <a:off x="0" y="0"/>
+          <a:ext cx="0" cy="0"/>
+          <a:chOff x="0" y="0"/>
+          <a:chExt cx="0" cy="0"/>
+        </a:xfrm>
+      </p:grpSpPr>
+      <p:sp>
+        <p:nvSpPr>
+          <p:cNvPr id="2" name="Title 1">
+            <a:extLst>
+              <a:ext uri="{FF2B5EF4-FFF2-40B4-BE49-F238E27FC236}">
+                <a16:creationId xmlns:a16="http://schemas.microsoft.com/office/drawing/2014/main" id="{F7272DF8-3B4E-BDB8-E23C-5CA9321F004F}"/>
+              </a:ext>
+            </a:extLst>
+          </p:cNvPr>
+          <p:cNvSpPr>
+            <a:spLocks noGrp="1"/>
+          </p:cNvSpPr>
+          <p:nvPr>
+            <p:ph type="title"/>
+          </p:nvPr>
+        </p:nvSpPr>
+        <p:spPr/>
+        <p:txBody>
+          <a:bodyPr>
+            <a:normAutofit fontScale="90000"/>
+          </a:bodyPr>
+          <a:lstStyle/>
+          <a:p>
+            <a:r>
+              <a:rPr lang="de-DE" dirty="0"/>
+              <a:t>Model Training</a:t>
+            </a:r>
+          </a:p>
+        </p:txBody>
+      </p:sp>
+      <p:sp>
+        <p:nvSpPr>
+          <p:cNvPr id="3" name="Text Placeholder 2">
+            <a:extLst>
+              <a:ext uri="{FF2B5EF4-FFF2-40B4-BE49-F238E27FC236}">
+                <a16:creationId xmlns:a16="http://schemas.microsoft.com/office/drawing/2014/main" id="{84A85413-FCCA-BF50-1AA1-2C3F158D4EA6}"/>
+              </a:ext>
+            </a:extLst>
+          </p:cNvPr>
+          <p:cNvSpPr>
+            <a:spLocks noGrp="1"/>
+          </p:cNvSpPr>
+          <p:nvPr>
+            <p:ph type="body" idx="1"/>
+          </p:nvPr>
+        </p:nvSpPr>
+        <p:spPr>
+          <a:xfrm>
+            <a:off x="311700" y="1266325"/>
+            <a:ext cx="5119282" cy="3302700"/>
+          </a:xfrm>
+        </p:spPr>
+        <p:txBody>
+          <a:bodyPr/>
+          <a:lstStyle/>
+          <a:p>
+            <a:r>
+              <a:rPr lang="de-DE" dirty="0"/>
+              <a:t>24+ Sensoren =&gt; 24+ Modelle</a:t>
+            </a:r>
+          </a:p>
+          <a:p>
+            <a:r>
+              <a:rPr lang="de-DE" dirty="0"/>
+              <a:t>~84 Minuten / Model</a:t>
+            </a:r>
+          </a:p>
+          <a:p>
+            <a:r>
+              <a:rPr lang="de-DE" dirty="0"/>
+              <a:t>Filtern von Sensoren mit schlechten Daten</a:t>
+            </a:r>
+          </a:p>
+          <a:p>
+            <a:pPr marL="114300" indent="0">
+              <a:buNone/>
+            </a:pPr>
+            <a:endParaRPr lang="de-DE" dirty="0"/>
+          </a:p>
+        </p:txBody>
+      </p:sp>
+      <p:pic>
+        <p:nvPicPr>
+          <p:cNvPr id="2050" name="Picture 2">
+            <a:extLst>
+              <a:ext uri="{FF2B5EF4-FFF2-40B4-BE49-F238E27FC236}">
+                <a16:creationId xmlns:a16="http://schemas.microsoft.com/office/drawing/2014/main" id="{D14E1D49-F9CE-EEAB-9893-20514510AC10}"/>
+              </a:ext>
+            </a:extLst>
+          </p:cNvPr>
+          <p:cNvPicPr>
+            <a:picLocks noChangeAspect="1" noChangeArrowheads="1"/>
+          </p:cNvPicPr>
+          <p:nvPr/>
+        </p:nvPicPr>
+        <p:blipFill>
+          <a:blip r:embed="rId2">
+            <a:extLst>
+              <a:ext uri="{28A0092B-C50C-407E-A947-70E740481C1C}">
+                <a14:useLocalDpi xmlns:a14="http://schemas.microsoft.com/office/drawing/2010/main" val="0"/>
+              </a:ext>
+            </a:extLst>
+          </a:blip>
+          <a:srcRect/>
+          <a:stretch>
+            <a:fillRect/>
+          </a:stretch>
+        </p:blipFill>
+        <p:spPr bwMode="auto">
+          <a:xfrm>
+            <a:off x="4724401" y="572064"/>
+            <a:ext cx="4318722" cy="4126411"/>
+          </a:xfrm>
+          <a:prstGeom prst="rect">
+            <a:avLst/>
+          </a:prstGeom>
+          <a:noFill/>
+          <a:extLst>
+            <a:ext uri="{909E8E84-426E-40DD-AFC4-6F175D3DCCD1}">
+              <a14:hiddenFill xmlns:a14="http://schemas.microsoft.com/office/drawing/2010/main">
+                <a:solidFill>
+                  <a:srgbClr val="FFFFFF"/>
+                </a:solidFill>
+              </a14:hiddenFill>
+            </a:ext>
+          </a:extLst>
+        </p:spPr>
+      </p:pic>
+    </p:spTree>
+    <p:extLst>
+      <p:ext uri="{BB962C8B-B14F-4D97-AF65-F5344CB8AC3E}">
+        <p14:creationId xmlns:p14="http://schemas.microsoft.com/office/powerpoint/2010/main" val="3007084039"/>
+      </p:ext>
+    </p:extLst>
+  </p:cSld>
+  <p:clrMapOvr>
+    <a:masterClrMapping/>
+  </p:clrMapOvr>
+</p:sld>
+</file>
+
+<file path=ppt/slides/slide21.xml><?xml version="1.0" encoding="utf-8"?>
+<p:sld xmlns:a="http://schemas.openxmlformats.org/drawingml/2006/main" xmlns:r="http://schemas.openxmlformats.org/officeDocument/2006/relationships" xmlns:p="http://schemas.openxmlformats.org/presentationml/2006/main">
+  <p:cSld>
+    <p:spTree>
+      <p:nvGrpSpPr>
+        <p:cNvPr id="1" name=""/>
+        <p:cNvGrpSpPr/>
+        <p:nvPr/>
+      </p:nvGrpSpPr>
+      <p:grpSpPr>
+        <a:xfrm>
+          <a:off x="0" y="0"/>
+          <a:ext cx="0" cy="0"/>
+          <a:chOff x="0" y="0"/>
+          <a:chExt cx="0" cy="0"/>
+        </a:xfrm>
+      </p:grpSpPr>
+      <p:sp>
+        <p:nvSpPr>
+          <p:cNvPr id="2" name="Title 1">
+            <a:extLst>
+              <a:ext uri="{FF2B5EF4-FFF2-40B4-BE49-F238E27FC236}">
+                <a16:creationId xmlns:a16="http://schemas.microsoft.com/office/drawing/2014/main" id="{2C2F30FA-C17E-F079-8E59-7D8C66B82488}"/>
+              </a:ext>
+            </a:extLst>
+          </p:cNvPr>
+          <p:cNvSpPr>
+            <a:spLocks noGrp="1"/>
+          </p:cNvSpPr>
+          <p:nvPr>
+            <p:ph type="title"/>
+          </p:nvPr>
+        </p:nvSpPr>
+        <p:spPr/>
+        <p:txBody>
+          <a:bodyPr>
+            <a:normAutofit fontScale="90000"/>
+          </a:bodyPr>
+          <a:lstStyle/>
+          <a:p>
+            <a:r>
+              <a:rPr lang="de-DE" dirty="0"/>
+              <a:t>Model Vorhersagen</a:t>
+            </a:r>
+          </a:p>
+        </p:txBody>
+      </p:sp>
+      <p:sp>
+        <p:nvSpPr>
+          <p:cNvPr id="3" name="Text Placeholder 2">
+            <a:extLst>
+              <a:ext uri="{FF2B5EF4-FFF2-40B4-BE49-F238E27FC236}">
+                <a16:creationId xmlns:a16="http://schemas.microsoft.com/office/drawing/2014/main" id="{E85BDF5A-1A1E-208D-979A-963B71D0DD27}"/>
+              </a:ext>
+            </a:extLst>
+          </p:cNvPr>
+          <p:cNvSpPr>
+            <a:spLocks noGrp="1"/>
+          </p:cNvSpPr>
+          <p:nvPr>
+            <p:ph type="body" idx="1"/>
+          </p:nvPr>
+        </p:nvSpPr>
+        <p:spPr/>
+        <p:txBody>
+          <a:bodyPr/>
+          <a:lstStyle/>
+          <a:p>
+            <a:r>
+              <a:rPr lang="de-DE" dirty="0"/>
+              <a:t>Alle 15 Minuten neue vorhersagen für die nächsten 24h</a:t>
+            </a:r>
+          </a:p>
+          <a:p>
+            <a:r>
+              <a:rPr lang="de-DE" dirty="0"/>
+              <a:t>Vorhersagen werden </a:t>
+            </a:r>
+            <a:r>
+              <a:rPr lang="de-DE" dirty="0" err="1"/>
+              <a:t>upserted</a:t>
+            </a:r>
+            <a:r>
+              <a:rPr lang="de-DE" dirty="0"/>
+              <a:t> und in DB gespeichert</a:t>
+            </a:r>
+          </a:p>
+          <a:p>
+            <a:endParaRPr lang="de-DE" dirty="0"/>
+          </a:p>
+        </p:txBody>
+      </p:sp>
+    </p:spTree>
+    <p:extLst>
+      <p:ext uri="{BB962C8B-B14F-4D97-AF65-F5344CB8AC3E}">
+        <p14:creationId xmlns:p14="http://schemas.microsoft.com/office/powerpoint/2010/main" val="1272973113"/>
+      </p:ext>
+    </p:extLst>
+  </p:cSld>
+  <p:clrMapOvr>
+    <a:masterClrMapping/>
+  </p:clrMapOvr>
+</p:sld>
+</file>
+
+<file path=ppt/slides/slide22.xml><?xml version="1.0" encoding="utf-8"?>
+<p:sld xmlns:a="http://schemas.openxmlformats.org/drawingml/2006/main" xmlns:r="http://schemas.openxmlformats.org/officeDocument/2006/relationships" xmlns:p="http://schemas.openxmlformats.org/presentationml/2006/main">
+  <p:cSld>
+    <p:spTree>
+      <p:nvGrpSpPr>
+        <p:cNvPr id="1" name="Shape 183"/>
         <p:cNvGrpSpPr/>
         <p:nvPr/>
       </p:nvGrpSpPr>
@@ -9244,7 +10157,9 @@
       <p:sp>
         <p:nvSpPr>
           <p:cNvPr id="184" name="Google Shape;184;p30"/>
-          <p:cNvSpPr txBox="1"/>
+          <p:cNvSpPr txBox="1">
+            <a:spLocks noGrp="1"/>
+          </p:cNvSpPr>
           <p:nvPr>
             <p:ph type="title"/>
           </p:nvPr>
@@ -9259,12 +10174,12 @@
           </a:prstGeom>
         </p:spPr>
         <p:txBody>
-          <a:bodyPr anchorCtr="0" anchor="ctr" bIns="91425" lIns="91425" spcFirstLastPara="1" rIns="91425" wrap="square" tIns="91425">
+          <a:bodyPr spcFirstLastPara="1" wrap="square" lIns="91425" tIns="91425" rIns="91425" bIns="91425" anchor="ctr" anchorCtr="0">
             <a:normAutofit/>
           </a:bodyPr>
           <a:lstStyle/>
           <a:p>
-            <a:pPr indent="0" lvl="0" marL="0" rtl="0" algn="ctr">
+            <a:pPr marL="0" lvl="0" indent="0" algn="ctr" rtl="0">
               <a:spcBef>
                 <a:spcPts val="0"/>
               </a:spcBef>
@@ -9289,12 +10204,12 @@
 </p:sld>
 </file>
 
-<file path=ppt/slides/slide19.xml><?xml version="1.0" encoding="utf-8"?>
-<p:sld xmlns:a="http://schemas.openxmlformats.org/drawingml/2006/main" xmlns:r="http://schemas.openxmlformats.org/officeDocument/2006/relationships" xmlns:mc="http://schemas.openxmlformats.org/markup-compatibility/2006" xmlns:mv="urn:schemas-microsoft-com:mac:vml" xmlns:p="http://schemas.openxmlformats.org/presentationml/2006/main" xmlns:c="http://schemas.openxmlformats.org/drawingml/2006/chart" xmlns:dgm="http://schemas.openxmlformats.org/drawingml/2006/diagram" xmlns:o="urn:schemas-microsoft-com:office:office" xmlns:v="urn:schemas-microsoft-com:vml" xmlns:pvml="urn:schemas-microsoft-com:office:powerpoint" xmlns:com="http://schemas.openxmlformats.org/drawingml/2006/compatibility" xmlns:p14="http://schemas.microsoft.com/office/powerpoint/2010/main" xmlns:p15="http://schemas.microsoft.com/office/powerpoint/2012/main" xmlns:ahyp="http://schemas.microsoft.com/office/drawing/2018/hyperlinkcolor">
+<file path=ppt/slides/slide23.xml><?xml version="1.0" encoding="utf-8"?>
+<p:sld xmlns:a="http://schemas.openxmlformats.org/drawingml/2006/main" xmlns:r="http://schemas.openxmlformats.org/officeDocument/2006/relationships" xmlns:p="http://schemas.openxmlformats.org/presentationml/2006/main">
   <p:cSld>
     <p:spTree>
       <p:nvGrpSpPr>
-        <p:cNvPr id="188" name="Shape 188"/>
+        <p:cNvPr id="1" name="Shape 188"/>
         <p:cNvGrpSpPr/>
         <p:nvPr/>
       </p:nvGrpSpPr>
@@ -9309,7 +10224,9 @@
       <p:sp>
         <p:nvSpPr>
           <p:cNvPr id="189" name="Google Shape;189;p31"/>
-          <p:cNvSpPr txBox="1"/>
+          <p:cNvSpPr txBox="1">
+            <a:spLocks noGrp="1"/>
+          </p:cNvSpPr>
           <p:nvPr>
             <p:ph type="title"/>
           </p:nvPr>
@@ -9324,12 +10241,12 @@
           </a:prstGeom>
         </p:spPr>
         <p:txBody>
-          <a:bodyPr anchorCtr="0" anchor="t" bIns="91425" lIns="91425" spcFirstLastPara="1" rIns="91425" wrap="square" tIns="91425">
+          <a:bodyPr spcFirstLastPara="1" wrap="square" lIns="91425" tIns="91425" rIns="91425" bIns="91425" anchor="t" anchorCtr="0">
             <a:normAutofit fontScale="90000"/>
           </a:bodyPr>
           <a:lstStyle/>
           <a:p>
-            <a:pPr indent="0" lvl="0" marL="0" rtl="0" algn="l">
+            <a:pPr marL="0" lvl="0" indent="0" algn="l" rtl="0">
               <a:spcBef>
                 <a:spcPts val="0"/>
               </a:spcBef>
@@ -9349,9 +10266,11 @@
       <p:sp>
         <p:nvSpPr>
           <p:cNvPr id="190" name="Google Shape;190;p31"/>
-          <p:cNvSpPr txBox="1"/>
+          <p:cNvSpPr txBox="1">
+            <a:spLocks noGrp="1"/>
+          </p:cNvSpPr>
           <p:nvPr>
-            <p:ph idx="1" type="body"/>
+            <p:ph type="body" idx="1"/>
           </p:nvPr>
         </p:nvSpPr>
         <p:spPr>
@@ -9364,12 +10283,12 @@
           </a:prstGeom>
         </p:spPr>
         <p:txBody>
-          <a:bodyPr anchorCtr="0" anchor="t" bIns="91425" lIns="91425" spcFirstLastPara="1" rIns="91425" wrap="square" tIns="91425">
+          <a:bodyPr spcFirstLastPara="1" wrap="square" lIns="91425" tIns="91425" rIns="91425" bIns="91425" anchor="t" anchorCtr="0">
             <a:normAutofit/>
           </a:bodyPr>
           <a:lstStyle/>
           <a:p>
-            <a:pPr indent="0" lvl="0" marL="0" rtl="0" algn="l">
+            <a:pPr marL="0" lvl="0" indent="0" algn="l" rtl="0">
               <a:spcBef>
                 <a:spcPts val="0"/>
               </a:spcBef>
@@ -9422,169 +10341,12 @@
 </p:sld>
 </file>
 
-<file path=ppt/slides/slide2.xml><?xml version="1.0" encoding="utf-8"?>
-<p:sld xmlns:a="http://schemas.openxmlformats.org/drawingml/2006/main" xmlns:r="http://schemas.openxmlformats.org/officeDocument/2006/relationships" xmlns:mc="http://schemas.openxmlformats.org/markup-compatibility/2006" xmlns:mv="urn:schemas-microsoft-com:mac:vml" xmlns:p="http://schemas.openxmlformats.org/presentationml/2006/main" xmlns:c="http://schemas.openxmlformats.org/drawingml/2006/chart" xmlns:dgm="http://schemas.openxmlformats.org/drawingml/2006/diagram" xmlns:o="urn:schemas-microsoft-com:office:office" xmlns:v="urn:schemas-microsoft-com:vml" xmlns:pvml="urn:schemas-microsoft-com:office:powerpoint" xmlns:com="http://schemas.openxmlformats.org/drawingml/2006/compatibility" xmlns:p14="http://schemas.microsoft.com/office/powerpoint/2010/main" xmlns:p15="http://schemas.microsoft.com/office/powerpoint/2012/main" xmlns:ahyp="http://schemas.microsoft.com/office/drawing/2018/hyperlinkcolor">
+<file path=ppt/slides/slide3.xml><?xml version="1.0" encoding="utf-8"?>
+<p:sld xmlns:a="http://schemas.openxmlformats.org/drawingml/2006/main" xmlns:r="http://schemas.openxmlformats.org/officeDocument/2006/relationships" xmlns:p="http://schemas.openxmlformats.org/presentationml/2006/main">
   <p:cSld>
     <p:spTree>
       <p:nvGrpSpPr>
-        <p:cNvPr id="71" name="Shape 71"/>
-        <p:cNvGrpSpPr/>
-        <p:nvPr/>
-      </p:nvGrpSpPr>
-      <p:grpSpPr>
-        <a:xfrm>
-          <a:off x="0" y="0"/>
-          <a:ext cx="0" cy="0"/>
-          <a:chOff x="0" y="0"/>
-          <a:chExt cx="0" cy="0"/>
-        </a:xfrm>
-      </p:grpSpPr>
-      <p:sp>
-        <p:nvSpPr>
-          <p:cNvPr id="72" name="Google Shape;72;p14"/>
-          <p:cNvSpPr txBox="1"/>
-          <p:nvPr>
-            <p:ph type="title"/>
-          </p:nvPr>
-        </p:nvSpPr>
-        <p:spPr>
-          <a:xfrm>
-            <a:off x="311700" y="445025"/>
-            <a:ext cx="8520600" cy="707400"/>
-          </a:xfrm>
-          <a:prstGeom prst="rect">
-            <a:avLst/>
-          </a:prstGeom>
-        </p:spPr>
-        <p:txBody>
-          <a:bodyPr anchorCtr="0" anchor="t" bIns="91425" lIns="91425" spcFirstLastPara="1" rIns="91425" wrap="square" tIns="91425">
-            <a:normAutofit fontScale="90000"/>
-          </a:bodyPr>
-          <a:lstStyle/>
-          <a:p>
-            <a:pPr indent="0" lvl="0" marL="0" rtl="0" algn="l">
-              <a:spcBef>
-                <a:spcPts val="0"/>
-              </a:spcBef>
-              <a:spcAft>
-                <a:spcPts val="0"/>
-              </a:spcAft>
-              <a:buNone/>
-            </a:pPr>
-            <a:r>
-              <a:rPr lang="de"/>
-              <a:t>Übersicht</a:t>
-            </a:r>
-            <a:endParaRPr/>
-          </a:p>
-        </p:txBody>
-      </p:sp>
-      <p:sp>
-        <p:nvSpPr>
-          <p:cNvPr id="73" name="Google Shape;73;p14"/>
-          <p:cNvSpPr txBox="1"/>
-          <p:nvPr>
-            <p:ph idx="1" type="body"/>
-          </p:nvPr>
-        </p:nvSpPr>
-        <p:spPr>
-          <a:xfrm>
-            <a:off x="311700" y="1266325"/>
-            <a:ext cx="8520600" cy="3302700"/>
-          </a:xfrm>
-          <a:prstGeom prst="rect">
-            <a:avLst/>
-          </a:prstGeom>
-        </p:spPr>
-        <p:txBody>
-          <a:bodyPr anchorCtr="0" anchor="t" bIns="91425" lIns="91425" spcFirstLastPara="1" rIns="91425" wrap="square" tIns="91425">
-            <a:normAutofit/>
-          </a:bodyPr>
-          <a:lstStyle/>
-          <a:p>
-            <a:pPr indent="-381000" lvl="0" marL="457200" rtl="0" algn="l">
-              <a:spcBef>
-                <a:spcPts val="0"/>
-              </a:spcBef>
-              <a:spcAft>
-                <a:spcPts val="0"/>
-              </a:spcAft>
-              <a:buSzPts val="2400"/>
-              <a:buAutoNum type="arabicPeriod"/>
-            </a:pPr>
-            <a:r>
-              <a:rPr lang="de" sz="2400"/>
-              <a:t>Wahl der Senseboxen und Sensoren</a:t>
-            </a:r>
-            <a:endParaRPr sz="2400"/>
-          </a:p>
-          <a:p>
-            <a:pPr indent="-381000" lvl="0" marL="457200" rtl="0" algn="l">
-              <a:spcBef>
-                <a:spcPts val="0"/>
-              </a:spcBef>
-              <a:spcAft>
-                <a:spcPts val="0"/>
-              </a:spcAft>
-              <a:buSzPts val="2400"/>
-              <a:buAutoNum type="arabicPeriod"/>
-            </a:pPr>
-            <a:r>
-              <a:rPr lang="de" sz="2400"/>
-              <a:t>Datenvorverarbeitung</a:t>
-            </a:r>
-            <a:endParaRPr sz="2400"/>
-          </a:p>
-          <a:p>
-            <a:pPr indent="-381000" lvl="0" marL="457200" rtl="0" algn="l">
-              <a:spcBef>
-                <a:spcPts val="0"/>
-              </a:spcBef>
-              <a:spcAft>
-                <a:spcPts val="0"/>
-              </a:spcAft>
-              <a:buSzPts val="2400"/>
-              <a:buAutoNum type="arabicPeriod"/>
-            </a:pPr>
-            <a:r>
-              <a:rPr lang="de" sz="2400"/>
-              <a:t>Modell Erstellung</a:t>
-            </a:r>
-            <a:endParaRPr sz="2400"/>
-          </a:p>
-          <a:p>
-            <a:pPr indent="-381000" lvl="0" marL="457200" rtl="0" algn="l">
-              <a:spcBef>
-                <a:spcPts val="0"/>
-              </a:spcBef>
-              <a:spcAft>
-                <a:spcPts val="0"/>
-              </a:spcAft>
-              <a:buSzPts val="2400"/>
-              <a:buAutoNum type="arabicPeriod"/>
-            </a:pPr>
-            <a:r>
-              <a:rPr lang="de" sz="2400"/>
-              <a:t>Aufbau Dashboard</a:t>
-            </a:r>
-            <a:endParaRPr sz="2400"/>
-          </a:p>
-        </p:txBody>
-      </p:sp>
-    </p:spTree>
-  </p:cSld>
-  <p:clrMapOvr>
-    <a:masterClrMapping/>
-  </p:clrMapOvr>
-</p:sld>
-</file>
-
-<file path=ppt/slides/slide3.xml><?xml version="1.0" encoding="utf-8"?>
-<p:sld xmlns:a="http://schemas.openxmlformats.org/drawingml/2006/main" xmlns:r="http://schemas.openxmlformats.org/officeDocument/2006/relationships" xmlns:mc="http://schemas.openxmlformats.org/markup-compatibility/2006" xmlns:mv="urn:schemas-microsoft-com:mac:vml" xmlns:p="http://schemas.openxmlformats.org/presentationml/2006/main" xmlns:c="http://schemas.openxmlformats.org/drawingml/2006/chart" xmlns:dgm="http://schemas.openxmlformats.org/drawingml/2006/diagram" xmlns:o="urn:schemas-microsoft-com:office:office" xmlns:v="urn:schemas-microsoft-com:vml" xmlns:pvml="urn:schemas-microsoft-com:office:powerpoint" xmlns:com="http://schemas.openxmlformats.org/drawingml/2006/compatibility" xmlns:p14="http://schemas.microsoft.com/office/powerpoint/2010/main" xmlns:p15="http://schemas.microsoft.com/office/powerpoint/2012/main" xmlns:ahyp="http://schemas.microsoft.com/office/drawing/2018/hyperlinkcolor">
-  <p:cSld>
-    <p:spTree>
-      <p:nvGrpSpPr>
-        <p:cNvPr id="77" name="Shape 77"/>
+        <p:cNvPr id="1" name="Shape 77"/>
         <p:cNvGrpSpPr/>
         <p:nvPr/>
       </p:nvGrpSpPr>
@@ -9599,7 +10361,9 @@
       <p:sp>
         <p:nvSpPr>
           <p:cNvPr id="78" name="Google Shape;78;p15"/>
-          <p:cNvSpPr txBox="1"/>
+          <p:cNvSpPr txBox="1">
+            <a:spLocks noGrp="1"/>
+          </p:cNvSpPr>
           <p:nvPr>
             <p:ph type="title"/>
           </p:nvPr>
@@ -9614,12 +10378,12 @@
           </a:prstGeom>
         </p:spPr>
         <p:txBody>
-          <a:bodyPr anchorCtr="0" anchor="ctr" bIns="91425" lIns="91425" spcFirstLastPara="1" rIns="91425" wrap="square" tIns="91425">
+          <a:bodyPr spcFirstLastPara="1" wrap="square" lIns="91425" tIns="91425" rIns="91425" bIns="91425" anchor="ctr" anchorCtr="0">
             <a:normAutofit/>
           </a:bodyPr>
           <a:lstStyle/>
           <a:p>
-            <a:pPr indent="0" lvl="0" marL="0" rtl="0" algn="ctr">
+            <a:pPr marL="0" lvl="0" indent="0" algn="ctr" rtl="0">
               <a:spcBef>
                 <a:spcPts val="0"/>
               </a:spcBef>
@@ -9645,11 +10409,11 @@
 </file>
 
 <file path=ppt/slides/slide4.xml><?xml version="1.0" encoding="utf-8"?>
-<p:sld xmlns:a="http://schemas.openxmlformats.org/drawingml/2006/main" xmlns:r="http://schemas.openxmlformats.org/officeDocument/2006/relationships" xmlns:mc="http://schemas.openxmlformats.org/markup-compatibility/2006" xmlns:mv="urn:schemas-microsoft-com:mac:vml" xmlns:p="http://schemas.openxmlformats.org/presentationml/2006/main" xmlns:c="http://schemas.openxmlformats.org/drawingml/2006/chart" xmlns:dgm="http://schemas.openxmlformats.org/drawingml/2006/diagram" xmlns:o="urn:schemas-microsoft-com:office:office" xmlns:v="urn:schemas-microsoft-com:vml" xmlns:pvml="urn:schemas-microsoft-com:office:powerpoint" xmlns:com="http://schemas.openxmlformats.org/drawingml/2006/compatibility" xmlns:p14="http://schemas.microsoft.com/office/powerpoint/2010/main" xmlns:p15="http://schemas.microsoft.com/office/powerpoint/2012/main" xmlns:ahyp="http://schemas.microsoft.com/office/drawing/2018/hyperlinkcolor">
+<p:sld xmlns:a="http://schemas.openxmlformats.org/drawingml/2006/main" xmlns:r="http://schemas.openxmlformats.org/officeDocument/2006/relationships" xmlns:p="http://schemas.openxmlformats.org/presentationml/2006/main">
   <p:cSld>
     <p:spTree>
       <p:nvGrpSpPr>
-        <p:cNvPr id="82" name="Shape 82"/>
+        <p:cNvPr id="1" name="Shape 82"/>
         <p:cNvGrpSpPr/>
         <p:nvPr/>
       </p:nvGrpSpPr>
@@ -9664,7 +10428,9 @@
       <p:sp>
         <p:nvSpPr>
           <p:cNvPr id="83" name="Google Shape;83;p16"/>
-          <p:cNvSpPr txBox="1"/>
+          <p:cNvSpPr txBox="1">
+            <a:spLocks noGrp="1"/>
+          </p:cNvSpPr>
           <p:nvPr>
             <p:ph type="title"/>
           </p:nvPr>
@@ -9679,12 +10445,12 @@
           </a:prstGeom>
         </p:spPr>
         <p:txBody>
-          <a:bodyPr anchorCtr="0" anchor="t" bIns="91425" lIns="91425" spcFirstLastPara="1" rIns="91425" wrap="square" tIns="91425">
+          <a:bodyPr spcFirstLastPara="1" wrap="square" lIns="91425" tIns="91425" rIns="91425" bIns="91425" anchor="t" anchorCtr="0">
             <a:normAutofit fontScale="90000"/>
           </a:bodyPr>
           <a:lstStyle/>
           <a:p>
-            <a:pPr indent="0" lvl="0" marL="0" rtl="0" algn="l">
+            <a:pPr marL="0" lvl="0" indent="0" algn="l" rtl="0">
               <a:spcBef>
                 <a:spcPts val="0"/>
               </a:spcBef>
@@ -9738,11 +10504,11 @@
 </file>
 
 <file path=ppt/slides/slide5.xml><?xml version="1.0" encoding="utf-8"?>
-<p:sld xmlns:a="http://schemas.openxmlformats.org/drawingml/2006/main" xmlns:r="http://schemas.openxmlformats.org/officeDocument/2006/relationships" xmlns:mc="http://schemas.openxmlformats.org/markup-compatibility/2006" xmlns:mv="urn:schemas-microsoft-com:mac:vml" xmlns:p="http://schemas.openxmlformats.org/presentationml/2006/main" xmlns:c="http://schemas.openxmlformats.org/drawingml/2006/chart" xmlns:dgm="http://schemas.openxmlformats.org/drawingml/2006/diagram" xmlns:o="urn:schemas-microsoft-com:office:office" xmlns:v="urn:schemas-microsoft-com:vml" xmlns:pvml="urn:schemas-microsoft-com:office:powerpoint" xmlns:com="http://schemas.openxmlformats.org/drawingml/2006/compatibility" xmlns:p14="http://schemas.microsoft.com/office/powerpoint/2010/main" xmlns:p15="http://schemas.microsoft.com/office/powerpoint/2012/main" xmlns:ahyp="http://schemas.microsoft.com/office/drawing/2018/hyperlinkcolor">
+<p:sld xmlns:a="http://schemas.openxmlformats.org/drawingml/2006/main" xmlns:r="http://schemas.openxmlformats.org/officeDocument/2006/relationships" xmlns:p="http://schemas.openxmlformats.org/presentationml/2006/main">
   <p:cSld>
     <p:spTree>
       <p:nvGrpSpPr>
-        <p:cNvPr id="88" name="Shape 88"/>
+        <p:cNvPr id="1" name="Shape 88"/>
         <p:cNvGrpSpPr/>
         <p:nvPr/>
       </p:nvGrpSpPr>
@@ -9757,7 +10523,9 @@
       <p:sp>
         <p:nvSpPr>
           <p:cNvPr id="89" name="Google Shape;89;p17"/>
-          <p:cNvSpPr txBox="1"/>
+          <p:cNvSpPr txBox="1">
+            <a:spLocks noGrp="1"/>
+          </p:cNvSpPr>
           <p:nvPr>
             <p:ph type="title"/>
           </p:nvPr>
@@ -9772,12 +10540,12 @@
           </a:prstGeom>
         </p:spPr>
         <p:txBody>
-          <a:bodyPr anchorCtr="0" anchor="t" bIns="91425" lIns="91425" spcFirstLastPara="1" rIns="91425" wrap="square" tIns="91425">
+          <a:bodyPr spcFirstLastPara="1" wrap="square" lIns="91425" tIns="91425" rIns="91425" bIns="91425" anchor="t" anchorCtr="0">
             <a:normAutofit fontScale="90000"/>
           </a:bodyPr>
           <a:lstStyle/>
           <a:p>
-            <a:pPr indent="0" lvl="0" marL="0" rtl="0" algn="l">
+            <a:pPr marL="0" lvl="0" indent="0" algn="l" rtl="0">
               <a:spcBef>
                 <a:spcPts val="0"/>
               </a:spcBef>
@@ -9797,9 +10565,11 @@
       <p:sp>
         <p:nvSpPr>
           <p:cNvPr id="90" name="Google Shape;90;p17"/>
-          <p:cNvSpPr txBox="1"/>
+          <p:cNvSpPr txBox="1">
+            <a:spLocks noGrp="1"/>
+          </p:cNvSpPr>
           <p:nvPr>
-            <p:ph idx="1" type="body"/>
+            <p:ph type="body" idx="1"/>
           </p:nvPr>
         </p:nvSpPr>
         <p:spPr>
@@ -9812,12 +10582,12 @@
           </a:prstGeom>
         </p:spPr>
         <p:txBody>
-          <a:bodyPr anchorCtr="0" anchor="t" bIns="91425" lIns="91425" spcFirstLastPara="1" rIns="91425" wrap="square" tIns="91425">
+          <a:bodyPr spcFirstLastPara="1" wrap="square" lIns="91425" tIns="91425" rIns="91425" bIns="91425" anchor="t" anchorCtr="0">
             <a:normAutofit/>
           </a:bodyPr>
           <a:lstStyle/>
           <a:p>
-            <a:pPr indent="-342900" lvl="0" marL="457200" rtl="0" algn="l">
+            <a:pPr marL="457200" lvl="0" indent="-342900" algn="l" rtl="0">
               <a:spcBef>
                 <a:spcPts val="0"/>
               </a:spcBef>
@@ -9834,7 +10604,7 @@
             <a:endParaRPr/>
           </a:p>
           <a:p>
-            <a:pPr indent="-342900" lvl="0" marL="457200" rtl="0" algn="l">
+            <a:pPr marL="457200" lvl="0" indent="-342900" algn="l" rtl="0">
               <a:spcBef>
                 <a:spcPts val="0"/>
               </a:spcBef>
@@ -9851,7 +10621,7 @@
             <a:endParaRPr/>
           </a:p>
           <a:p>
-            <a:pPr indent="-342900" lvl="0" marL="457200" rtl="0" algn="l">
+            <a:pPr marL="457200" lvl="0" indent="-342900" algn="l" rtl="0">
               <a:spcBef>
                 <a:spcPts val="0"/>
               </a:spcBef>
@@ -9868,7 +10638,7 @@
             <a:endParaRPr/>
           </a:p>
           <a:p>
-            <a:pPr indent="-342900" lvl="0" marL="457200" rtl="0" algn="l">
+            <a:pPr marL="457200" lvl="0" indent="-342900" algn="l" rtl="0">
               <a:spcBef>
                 <a:spcPts val="0"/>
               </a:spcBef>
@@ -9885,7 +10655,7 @@
             <a:endParaRPr/>
           </a:p>
           <a:p>
-            <a:pPr indent="-342900" lvl="0" marL="457200" rtl="0" algn="l">
+            <a:pPr marL="457200" lvl="0" indent="-342900" algn="l" rtl="0">
               <a:spcBef>
                 <a:spcPts val="0"/>
               </a:spcBef>
@@ -9902,7 +10672,7 @@
             <a:endParaRPr/>
           </a:p>
           <a:p>
-            <a:pPr indent="-342900" lvl="0" marL="457200" rtl="0" algn="l">
+            <a:pPr marL="457200" lvl="0" indent="-342900" algn="l" rtl="0">
               <a:spcBef>
                 <a:spcPts val="0"/>
               </a:spcBef>
@@ -9919,7 +10689,7 @@
             <a:endParaRPr/>
           </a:p>
           <a:p>
-            <a:pPr indent="0" lvl="0" marL="0" rtl="0" algn="l">
+            <a:pPr marL="0" lvl="0" indent="0" algn="l" rtl="0">
               <a:spcBef>
                 <a:spcPts val="1200"/>
               </a:spcBef>
@@ -9935,7 +10705,7 @@
             <a:endParaRPr/>
           </a:p>
           <a:p>
-            <a:pPr indent="0" lvl="0" marL="457200" rtl="0" algn="l">
+            <a:pPr marL="457200" lvl="0" indent="0" algn="l" rtl="0">
               <a:spcBef>
                 <a:spcPts val="1200"/>
               </a:spcBef>
@@ -9944,9 +10714,6 @@
               </a:spcAft>
               <a:buNone/>
             </a:pPr>
-            <a:r>
-              <a:t/>
-            </a:r>
             <a:endParaRPr/>
           </a:p>
         </p:txBody>
@@ -9960,11 +10727,11 @@
 </file>
 
 <file path=ppt/slides/slide6.xml><?xml version="1.0" encoding="utf-8"?>
-<p:sld xmlns:a="http://schemas.openxmlformats.org/drawingml/2006/main" xmlns:r="http://schemas.openxmlformats.org/officeDocument/2006/relationships" xmlns:mc="http://schemas.openxmlformats.org/markup-compatibility/2006" xmlns:mv="urn:schemas-microsoft-com:mac:vml" xmlns:p="http://schemas.openxmlformats.org/presentationml/2006/main" xmlns:c="http://schemas.openxmlformats.org/drawingml/2006/chart" xmlns:dgm="http://schemas.openxmlformats.org/drawingml/2006/diagram" xmlns:o="urn:schemas-microsoft-com:office:office" xmlns:v="urn:schemas-microsoft-com:vml" xmlns:pvml="urn:schemas-microsoft-com:office:powerpoint" xmlns:com="http://schemas.openxmlformats.org/drawingml/2006/compatibility" xmlns:p14="http://schemas.microsoft.com/office/powerpoint/2010/main" xmlns:p15="http://schemas.microsoft.com/office/powerpoint/2012/main" xmlns:ahyp="http://schemas.microsoft.com/office/drawing/2018/hyperlinkcolor">
+<p:sld xmlns:a="http://schemas.openxmlformats.org/drawingml/2006/main" xmlns:r="http://schemas.openxmlformats.org/officeDocument/2006/relationships" xmlns:p="http://schemas.openxmlformats.org/presentationml/2006/main">
   <p:cSld>
     <p:spTree>
       <p:nvGrpSpPr>
-        <p:cNvPr id="94" name="Shape 94"/>
+        <p:cNvPr id="1" name="Shape 94"/>
         <p:cNvGrpSpPr/>
         <p:nvPr/>
       </p:nvGrpSpPr>
@@ -9979,7 +10746,9 @@
       <p:sp>
         <p:nvSpPr>
           <p:cNvPr id="95" name="Google Shape;95;p18"/>
-          <p:cNvSpPr txBox="1"/>
+          <p:cNvSpPr txBox="1">
+            <a:spLocks noGrp="1"/>
+          </p:cNvSpPr>
           <p:nvPr>
             <p:ph type="title"/>
           </p:nvPr>
@@ -9994,12 +10763,12 @@
           </a:prstGeom>
         </p:spPr>
         <p:txBody>
-          <a:bodyPr anchorCtr="0" anchor="ctr" bIns="91425" lIns="91425" spcFirstLastPara="1" rIns="91425" wrap="square" tIns="91425">
+          <a:bodyPr spcFirstLastPara="1" wrap="square" lIns="91425" tIns="91425" rIns="91425" bIns="91425" anchor="ctr" anchorCtr="0">
             <a:normAutofit/>
           </a:bodyPr>
           <a:lstStyle/>
           <a:p>
-            <a:pPr indent="0" lvl="0" marL="0" rtl="0" algn="ctr">
+            <a:pPr marL="0" lvl="0" indent="0" algn="ctr" rtl="0">
               <a:spcBef>
                 <a:spcPts val="0"/>
               </a:spcBef>
@@ -10025,11 +10794,11 @@
 </file>
 
 <file path=ppt/slides/slide7.xml><?xml version="1.0" encoding="utf-8"?>
-<p:sld xmlns:a="http://schemas.openxmlformats.org/drawingml/2006/main" xmlns:r="http://schemas.openxmlformats.org/officeDocument/2006/relationships" xmlns:mc="http://schemas.openxmlformats.org/markup-compatibility/2006" xmlns:mv="urn:schemas-microsoft-com:mac:vml" xmlns:p="http://schemas.openxmlformats.org/presentationml/2006/main" xmlns:c="http://schemas.openxmlformats.org/drawingml/2006/chart" xmlns:dgm="http://schemas.openxmlformats.org/drawingml/2006/diagram" xmlns:o="urn:schemas-microsoft-com:office:office" xmlns:v="urn:schemas-microsoft-com:vml" xmlns:pvml="urn:schemas-microsoft-com:office:powerpoint" xmlns:com="http://schemas.openxmlformats.org/drawingml/2006/compatibility" xmlns:p14="http://schemas.microsoft.com/office/powerpoint/2010/main" xmlns:p15="http://schemas.microsoft.com/office/powerpoint/2012/main" xmlns:ahyp="http://schemas.microsoft.com/office/drawing/2018/hyperlinkcolor">
+<p:sld xmlns:a="http://schemas.openxmlformats.org/drawingml/2006/main" xmlns:r="http://schemas.openxmlformats.org/officeDocument/2006/relationships" xmlns:p="http://schemas.openxmlformats.org/presentationml/2006/main">
   <p:cSld>
     <p:spTree>
       <p:nvGrpSpPr>
-        <p:cNvPr id="99" name="Shape 99"/>
+        <p:cNvPr id="1" name="Shape 99"/>
         <p:cNvGrpSpPr/>
         <p:nvPr/>
       </p:nvGrpSpPr>
@@ -10044,7 +10813,9 @@
       <p:sp>
         <p:nvSpPr>
           <p:cNvPr id="100" name="Google Shape;100;p19"/>
-          <p:cNvSpPr txBox="1"/>
+          <p:cNvSpPr txBox="1">
+            <a:spLocks noGrp="1"/>
+          </p:cNvSpPr>
           <p:nvPr>
             <p:ph type="title"/>
           </p:nvPr>
@@ -10059,12 +10830,12 @@
           </a:prstGeom>
         </p:spPr>
         <p:txBody>
-          <a:bodyPr anchorCtr="0" anchor="t" bIns="91425" lIns="91425" spcFirstLastPara="1" rIns="91425" wrap="square" tIns="91425">
+          <a:bodyPr spcFirstLastPara="1" wrap="square" lIns="91425" tIns="91425" rIns="91425" bIns="91425" anchor="t" anchorCtr="0">
             <a:normAutofit fontScale="90000"/>
           </a:bodyPr>
           <a:lstStyle/>
           <a:p>
-            <a:pPr indent="0" lvl="0" marL="0" rtl="0" algn="l">
+            <a:pPr marL="0" lvl="0" indent="0" algn="l" rtl="0">
               <a:spcBef>
                 <a:spcPts val="0"/>
               </a:spcBef>
@@ -10084,9 +10855,11 @@
       <p:sp>
         <p:nvSpPr>
           <p:cNvPr id="101" name="Google Shape;101;p19"/>
-          <p:cNvSpPr txBox="1"/>
+          <p:cNvSpPr txBox="1">
+            <a:spLocks noGrp="1"/>
+          </p:cNvSpPr>
           <p:nvPr>
-            <p:ph idx="1" type="body"/>
+            <p:ph type="body" idx="1"/>
           </p:nvPr>
         </p:nvSpPr>
         <p:spPr>
@@ -10099,12 +10872,12 @@
           </a:prstGeom>
         </p:spPr>
         <p:txBody>
-          <a:bodyPr anchorCtr="0" anchor="t" bIns="91425" lIns="91425" spcFirstLastPara="1" rIns="91425" wrap="square" tIns="91425">
+          <a:bodyPr spcFirstLastPara="1" wrap="square" lIns="91425" tIns="91425" rIns="91425" bIns="91425" anchor="t" anchorCtr="0">
             <a:normAutofit/>
           </a:bodyPr>
           <a:lstStyle/>
           <a:p>
-            <a:pPr indent="0" lvl="0" marL="0" rtl="0" algn="l">
+            <a:pPr marL="0" lvl="0" indent="0" algn="l" rtl="0">
               <a:spcBef>
                 <a:spcPts val="0"/>
               </a:spcBef>
@@ -10113,9 +10886,6 @@
               </a:spcAft>
               <a:buNone/>
             </a:pPr>
-            <a:r>
-              <a:t/>
-            </a:r>
             <a:endParaRPr/>
           </a:p>
         </p:txBody>
@@ -10130,7 +10900,7 @@
           <a:blip r:embed="rId3">
             <a:alphaModFix/>
           </a:blip>
-          <a:srcRect b="0" l="0" r="-8825" t="0"/>
+          <a:srcRect r="-8825"/>
           <a:stretch/>
         </p:blipFill>
         <p:spPr>
@@ -10195,12 +10965,12 @@
           </a:ln>
         </p:spPr>
         <p:txBody>
-          <a:bodyPr anchorCtr="0" anchor="t" bIns="91425" lIns="91425" spcFirstLastPara="1" rIns="91425" wrap="square" tIns="91425">
+          <a:bodyPr spcFirstLastPara="1" wrap="square" lIns="91425" tIns="91425" rIns="91425" bIns="91425" anchor="t" anchorCtr="0">
             <a:spAutoFit/>
           </a:bodyPr>
           <a:lstStyle/>
           <a:p>
-            <a:pPr indent="0" lvl="0" marL="0" rtl="0" algn="l">
+            <a:pPr marL="0" lvl="0" indent="0" algn="l" rtl="0">
               <a:spcBef>
                 <a:spcPts val="0"/>
               </a:spcBef>
@@ -10242,11 +11012,11 @@
 </file>
 
 <file path=ppt/slides/slide8.xml><?xml version="1.0" encoding="utf-8"?>
-<p:sld xmlns:a="http://schemas.openxmlformats.org/drawingml/2006/main" xmlns:r="http://schemas.openxmlformats.org/officeDocument/2006/relationships" xmlns:mc="http://schemas.openxmlformats.org/markup-compatibility/2006" xmlns:mv="urn:schemas-microsoft-com:mac:vml" xmlns:p="http://schemas.openxmlformats.org/presentationml/2006/main" xmlns:c="http://schemas.openxmlformats.org/drawingml/2006/chart" xmlns:dgm="http://schemas.openxmlformats.org/drawingml/2006/diagram" xmlns:o="urn:schemas-microsoft-com:office:office" xmlns:v="urn:schemas-microsoft-com:vml" xmlns:pvml="urn:schemas-microsoft-com:office:powerpoint" xmlns:com="http://schemas.openxmlformats.org/drawingml/2006/compatibility" xmlns:p14="http://schemas.microsoft.com/office/powerpoint/2010/main" xmlns:p15="http://schemas.microsoft.com/office/powerpoint/2012/main" xmlns:ahyp="http://schemas.microsoft.com/office/drawing/2018/hyperlinkcolor">
+<p:sld xmlns:a="http://schemas.openxmlformats.org/drawingml/2006/main" xmlns:r="http://schemas.openxmlformats.org/officeDocument/2006/relationships" xmlns:p="http://schemas.openxmlformats.org/presentationml/2006/main">
   <p:cSld>
     <p:spTree>
       <p:nvGrpSpPr>
-        <p:cNvPr id="108" name="Shape 108"/>
+        <p:cNvPr id="1" name="Shape 108"/>
         <p:cNvGrpSpPr/>
         <p:nvPr/>
       </p:nvGrpSpPr>
@@ -10261,7 +11031,9 @@
       <p:sp>
         <p:nvSpPr>
           <p:cNvPr id="109" name="Google Shape;109;p20"/>
-          <p:cNvSpPr txBox="1"/>
+          <p:cNvSpPr txBox="1">
+            <a:spLocks noGrp="1"/>
+          </p:cNvSpPr>
           <p:nvPr>
             <p:ph type="title"/>
           </p:nvPr>
@@ -10276,12 +11048,12 @@
           </a:prstGeom>
         </p:spPr>
         <p:txBody>
-          <a:bodyPr anchorCtr="0" anchor="t" bIns="91425" lIns="91425" spcFirstLastPara="1" rIns="91425" wrap="square" tIns="91425">
+          <a:bodyPr spcFirstLastPara="1" wrap="square" lIns="91425" tIns="91425" rIns="91425" bIns="91425" anchor="t" anchorCtr="0">
             <a:normAutofit fontScale="90000"/>
           </a:bodyPr>
           <a:lstStyle/>
           <a:p>
-            <a:pPr indent="0" lvl="0" marL="0" rtl="0" algn="l">
+            <a:pPr marL="0" lvl="0" indent="0" algn="l" rtl="0">
               <a:spcBef>
                 <a:spcPts val="0"/>
               </a:spcBef>
@@ -10301,9 +11073,11 @@
       <p:sp>
         <p:nvSpPr>
           <p:cNvPr id="110" name="Google Shape;110;p20"/>
-          <p:cNvSpPr txBox="1"/>
+          <p:cNvSpPr txBox="1">
+            <a:spLocks noGrp="1"/>
+          </p:cNvSpPr>
           <p:nvPr>
-            <p:ph idx="1" type="body"/>
+            <p:ph type="body" idx="1"/>
           </p:nvPr>
         </p:nvSpPr>
         <p:spPr>
@@ -10316,12 +11090,12 @@
           </a:prstGeom>
         </p:spPr>
         <p:txBody>
-          <a:bodyPr anchorCtr="0" anchor="t" bIns="91425" lIns="91425" spcFirstLastPara="1" rIns="91425" wrap="square" tIns="91425">
-            <a:normAutofit/>
+          <a:bodyPr spcFirstLastPara="1" wrap="square" lIns="91425" tIns="91425" rIns="91425" bIns="91425" anchor="t" anchorCtr="0">
+            <a:normAutofit fontScale="85000" lnSpcReduction="20000"/>
           </a:bodyPr>
           <a:lstStyle/>
           <a:p>
-            <a:pPr indent="0" lvl="0" marL="0" rtl="0" algn="l">
+            <a:pPr marL="0" lvl="0" indent="0" algn="l" rtl="0">
               <a:spcBef>
                 <a:spcPts val="0"/>
               </a:spcBef>
@@ -10332,11 +11106,7 @@
             </a:pPr>
             <a:r>
               <a:rPr lang="de"/>
-              <a:t>Die </a:t>
-            </a:r>
-            <a:r>
-              <a:rPr lang="de"/>
-              <a:t>Rel. Luftfeuchte sah sehr verdächtig aus. Genauer untersuchen mithilfe eines Histogramms:</a:t>
+              <a:t>Die Rel. Luftfeuchte sah sehr verdächtig aus. Genauer untersuchen mithilfe eines Histogramms:</a:t>
             </a:r>
             <a:endParaRPr/>
           </a:p>
@@ -10379,11 +11149,11 @@
 </file>
 
 <file path=ppt/slides/slide9.xml><?xml version="1.0" encoding="utf-8"?>
-<p:sld xmlns:a="http://schemas.openxmlformats.org/drawingml/2006/main" xmlns:r="http://schemas.openxmlformats.org/officeDocument/2006/relationships" xmlns:mc="http://schemas.openxmlformats.org/markup-compatibility/2006" xmlns:mv="urn:schemas-microsoft-com:mac:vml" xmlns:p="http://schemas.openxmlformats.org/presentationml/2006/main" xmlns:c="http://schemas.openxmlformats.org/drawingml/2006/chart" xmlns:dgm="http://schemas.openxmlformats.org/drawingml/2006/diagram" xmlns:o="urn:schemas-microsoft-com:office:office" xmlns:v="urn:schemas-microsoft-com:vml" xmlns:pvml="urn:schemas-microsoft-com:office:powerpoint" xmlns:com="http://schemas.openxmlformats.org/drawingml/2006/compatibility" xmlns:p14="http://schemas.microsoft.com/office/powerpoint/2010/main" xmlns:p15="http://schemas.microsoft.com/office/powerpoint/2012/main" xmlns:ahyp="http://schemas.microsoft.com/office/drawing/2018/hyperlinkcolor">
+<p:sld xmlns:a="http://schemas.openxmlformats.org/drawingml/2006/main" xmlns:r="http://schemas.openxmlformats.org/officeDocument/2006/relationships" xmlns:p="http://schemas.openxmlformats.org/presentationml/2006/main">
   <p:cSld>
     <p:spTree>
       <p:nvGrpSpPr>
-        <p:cNvPr id="115" name="Shape 115"/>
+        <p:cNvPr id="1" name="Shape 115"/>
         <p:cNvGrpSpPr/>
         <p:nvPr/>
       </p:nvGrpSpPr>
@@ -10398,7 +11168,9 @@
       <p:sp>
         <p:nvSpPr>
           <p:cNvPr id="116" name="Google Shape;116;p21"/>
-          <p:cNvSpPr txBox="1"/>
+          <p:cNvSpPr txBox="1">
+            <a:spLocks noGrp="1"/>
+          </p:cNvSpPr>
           <p:nvPr>
             <p:ph type="title"/>
           </p:nvPr>
@@ -10413,12 +11185,12 @@
           </a:prstGeom>
         </p:spPr>
         <p:txBody>
-          <a:bodyPr anchorCtr="0" anchor="t" bIns="91425" lIns="91425" spcFirstLastPara="1" rIns="91425" wrap="square" tIns="91425">
+          <a:bodyPr spcFirstLastPara="1" wrap="square" lIns="91425" tIns="91425" rIns="91425" bIns="91425" anchor="t" anchorCtr="0">
             <a:normAutofit fontScale="90000"/>
           </a:bodyPr>
           <a:lstStyle/>
           <a:p>
-            <a:pPr indent="0" lvl="0" marL="0" rtl="0" algn="l">
+            <a:pPr marL="0" lvl="0" indent="0" algn="l" rtl="0">
               <a:spcBef>
                 <a:spcPts val="0"/>
               </a:spcBef>
@@ -10438,9 +11210,11 @@
       <p:sp>
         <p:nvSpPr>
           <p:cNvPr id="117" name="Google Shape;117;p21"/>
-          <p:cNvSpPr txBox="1"/>
+          <p:cNvSpPr txBox="1">
+            <a:spLocks noGrp="1"/>
+          </p:cNvSpPr>
           <p:nvPr>
-            <p:ph idx="1" type="body"/>
+            <p:ph type="body" idx="1"/>
           </p:nvPr>
         </p:nvSpPr>
         <p:spPr>
@@ -10453,12 +11227,12 @@
           </a:prstGeom>
         </p:spPr>
         <p:txBody>
-          <a:bodyPr anchorCtr="0" anchor="t" bIns="91425" lIns="91425" spcFirstLastPara="1" rIns="91425" wrap="square" tIns="91425">
+          <a:bodyPr spcFirstLastPara="1" wrap="square" lIns="91425" tIns="91425" rIns="91425" bIns="91425" anchor="t" anchorCtr="0">
             <a:normAutofit/>
           </a:bodyPr>
           <a:lstStyle/>
           <a:p>
-            <a:pPr indent="0" lvl="0" marL="0" rtl="0" algn="l">
+            <a:pPr marL="0" lvl="0" indent="0" algn="l" rtl="0">
               <a:spcBef>
                 <a:spcPts val="0"/>
               </a:spcBef>
@@ -10467,9 +11241,6 @@
               </a:spcAft>
               <a:buNone/>
             </a:pPr>
-            <a:r>
-              <a:t/>
-            </a:r>
             <a:endParaRPr/>
           </a:p>
         </p:txBody>
@@ -10540,7 +11311,7 @@
           <a:blip r:embed="rId5">
             <a:alphaModFix/>
           </a:blip>
-          <a:srcRect b="0" l="-1530" r="1530" t="0"/>
+          <a:srcRect l="-1530" r="1530"/>
           <a:stretch/>
         </p:blipFill>
         <p:spPr>
@@ -10594,7 +11365,7 @@
 </file>
 
 <file path=ppt/theme/theme1.xml><?xml version="1.0" encoding="utf-8"?>
-<a:theme xmlns:a="http://schemas.openxmlformats.org/drawingml/2006/main" xmlns:r="http://schemas.openxmlformats.org/officeDocument/2006/relationships" name="Tropic">
+<a:theme xmlns:a="http://schemas.openxmlformats.org/drawingml/2006/main" name="Tropic">
   <a:themeElements>
     <a:clrScheme name="Tropic">
       <a:dk1>
@@ -10869,11 +11640,13 @@
       </a:bgFillStyleLst>
     </a:fmtScheme>
   </a:themeElements>
+  <a:objectDefaults/>
+  <a:extraClrSchemeLst/>
 </a:theme>
 </file>
 
 <file path=ppt/theme/theme2.xml><?xml version="1.0" encoding="utf-8"?>
-<a:theme xmlns:a="http://schemas.openxmlformats.org/drawingml/2006/main" xmlns:r="http://schemas.openxmlformats.org/officeDocument/2006/relationships">
+<a:theme xmlns:a="http://schemas.openxmlformats.org/drawingml/2006/main">
   <a:themeElements>
     <a:clrScheme name="Default">
       <a:dk1>
@@ -11148,5 +11921,7 @@
       </a:bgFillStyleLst>
     </a:fmtScheme>
   </a:themeElements>
+  <a:objectDefaults/>
+  <a:extraClrSchemeLst/>
 </a:theme>
 </file>
--- a/Umweltmonitoring.pptx
+++ b/Umweltmonitoring.pptx
@@ -9949,14 +9949,33 @@
           <a:p>
             <a:r>
               <a:rPr lang="de-DE" dirty="0"/>
-              <a:t>24+ Sensoren =&gt; 24+ Modelle</a:t>
+              <a:t>41+ Sensoren =&gt; 1+ Modelle</a:t>
             </a:r>
           </a:p>
           <a:p>
             <a:r>
               <a:rPr lang="de-DE" dirty="0"/>
-              <a:t>~84 Minuten / Model</a:t>
+              <a:t>~84 Minuten / Model (auf </a:t>
             </a:r>
+            <a:r>
+              <a:rPr lang="de-DE" dirty="0" err="1"/>
+              <a:t>cpu</a:t>
+            </a:r>
+            <a:r>
+              <a:rPr lang="de-DE" dirty="0"/>
+              <a:t>)</a:t>
+            </a:r>
+          </a:p>
+          <a:p>
+            <a:r>
+              <a:rPr lang="de-DE" dirty="0"/>
+              <a:t>~20 Minuten </a:t>
+            </a:r>
+            <a:r>
+              <a:rPr lang="de-DE"/>
+              <a:t>/ Model (auf GPU)</a:t>
+            </a:r>
+            <a:endParaRPr lang="de-DE" dirty="0"/>
           </a:p>
           <a:p>
             <a:r>
@@ -10124,6 +10143,53 @@
           </a:p>
         </p:txBody>
       </p:sp>
+      <p:pic>
+        <p:nvPicPr>
+          <p:cNvPr id="1028" name="Picture 4">
+            <a:extLst>
+              <a:ext uri="{FF2B5EF4-FFF2-40B4-BE49-F238E27FC236}">
+                <a16:creationId xmlns:a16="http://schemas.microsoft.com/office/drawing/2014/main" id="{CE61BD48-2587-1E8E-35E5-84597E77E26B}"/>
+              </a:ext>
+            </a:extLst>
+          </p:cNvPr>
+          <p:cNvPicPr>
+            <a:picLocks noChangeAspect="1" noChangeArrowheads="1"/>
+          </p:cNvPicPr>
+          <p:nvPr/>
+        </p:nvPicPr>
+        <p:blipFill>
+          <a:blip r:embed="rId2">
+            <a:extLst>
+              <a:ext uri="{28A0092B-C50C-407E-A947-70E740481C1C}">
+                <a14:useLocalDpi xmlns:a14="http://schemas.microsoft.com/office/drawing/2010/main" val="0"/>
+              </a:ext>
+            </a:extLst>
+          </a:blip>
+          <a:srcRect/>
+          <a:stretch>
+            <a:fillRect/>
+          </a:stretch>
+        </p:blipFill>
+        <p:spPr bwMode="auto">
+          <a:xfrm>
+            <a:off x="678006" y="2105891"/>
+            <a:ext cx="7524750" cy="2705100"/>
+          </a:xfrm>
+          <a:prstGeom prst="rect">
+            <a:avLst/>
+          </a:prstGeom>
+          <a:noFill/>
+          <a:extLst>
+            <a:ext uri="{909E8E84-426E-40DD-AFC4-6F175D3DCCD1}">
+              <a14:hiddenFill xmlns:a14="http://schemas.microsoft.com/office/drawing/2010/main">
+                <a:solidFill>
+                  <a:srgbClr val="FFFFFF"/>
+                </a:solidFill>
+              </a14:hiddenFill>
+            </a:ext>
+          </a:extLst>
+        </p:spPr>
+      </p:pic>
     </p:spTree>
     <p:extLst>
       <p:ext uri="{BB962C8B-B14F-4D97-AF65-F5344CB8AC3E}">
